--- a/介绍.pptx
+++ b/介绍.pptx
@@ -12,13 +12,20 @@
     <p:sldId id="263" r:id="rId6"/>
     <p:sldId id="264" r:id="rId7"/>
     <p:sldId id="265" r:id="rId8"/>
-    <p:sldId id="268" r:id="rId9"/>
-    <p:sldId id="266" r:id="rId10"/>
-    <p:sldId id="269" r:id="rId11"/>
-    <p:sldId id="270" r:id="rId12"/>
-    <p:sldId id="271" r:id="rId13"/>
-    <p:sldId id="272" r:id="rId14"/>
-    <p:sldId id="259" r:id="rId15"/>
+    <p:sldId id="273" r:id="rId9"/>
+    <p:sldId id="276" r:id="rId10"/>
+    <p:sldId id="258" r:id="rId11"/>
+    <p:sldId id="277" r:id="rId12"/>
+    <p:sldId id="278" r:id="rId13"/>
+    <p:sldId id="279" r:id="rId14"/>
+    <p:sldId id="280" r:id="rId15"/>
+    <p:sldId id="268" r:id="rId16"/>
+    <p:sldId id="266" r:id="rId17"/>
+    <p:sldId id="269" r:id="rId18"/>
+    <p:sldId id="270" r:id="rId19"/>
+    <p:sldId id="271" r:id="rId20"/>
+    <p:sldId id="272" r:id="rId21"/>
+    <p:sldId id="259" r:id="rId22"/>
   </p:sldIdLst>
   <p:sldSz cx="12192000" cy="6858000"/>
   <p:notesSz cx="6858000" cy="9144000"/>
@@ -117,6 +124,11 @@
       </a:defRPr>
     </a:lvl9pPr>
   </p:defaultTextStyle>
+  <p:extLst>
+    <p:ext uri="{EFAFB233-063F-42B5-8137-9DF3F51BA10A}">
+      <p15:sldGuideLst xmlns:p15="http://schemas.microsoft.com/office/powerpoint/2012/main"/>
+    </p:ext>
+  </p:extLst>
 </p:presentation>
 </file>
 
@@ -263,7 +275,7 @@
           <a:p>
             <a:fld id="{C27914CA-E117-4144-8F21-8B8E736BFB11}" type="datetimeFigureOut">
               <a:rPr lang="zh-CN" altLang="en-US" smtClean="0"/>
-              <a:t>2020/11/28</a:t>
+              <a:t>2020/11/29</a:t>
             </a:fld>
             <a:endParaRPr lang="zh-CN" altLang="en-US"/>
           </a:p>
@@ -581,7 +593,7 @@
           <a:p>
             <a:fld id="{C27914CA-E117-4144-8F21-8B8E736BFB11}" type="datetimeFigureOut">
               <a:rPr lang="zh-CN" altLang="en-US" smtClean="0"/>
-              <a:t>2020/11/28</a:t>
+              <a:t>2020/11/29</a:t>
             </a:fld>
             <a:endParaRPr lang="zh-CN" altLang="en-US"/>
           </a:p>
@@ -987,7 +999,7 @@
           <a:p>
             <a:fld id="{C27914CA-E117-4144-8F21-8B8E736BFB11}" type="datetimeFigureOut">
               <a:rPr lang="zh-CN" altLang="en-US" smtClean="0"/>
-              <a:t>2020/11/28</a:t>
+              <a:t>2020/11/29</a:t>
             </a:fld>
             <a:endParaRPr lang="zh-CN" altLang="en-US"/>
           </a:p>
@@ -1035,6 +1047,64 @@
           </a:p>
         </p:txBody>
       </p:sp>
+      <p:pic>
+        <p:nvPicPr>
+          <p:cNvPr id="12" name="Picture 5">
+            <a:extLst>
+              <a:ext uri="{FF2B5EF4-FFF2-40B4-BE49-F238E27FC236}">
+                <a16:creationId xmlns:a16="http://schemas.microsoft.com/office/drawing/2014/main" id="{485036B9-DBDB-4461-BE53-05B12A8A3C47}"/>
+              </a:ext>
+            </a:extLst>
+          </p:cNvPr>
+          <p:cNvPicPr>
+            <a:picLocks noChangeAspect="1" noChangeArrowheads="1"/>
+          </p:cNvPicPr>
+          <p:nvPr userDrawn="1"/>
+        </p:nvPicPr>
+        <p:blipFill rotWithShape="1">
+          <a:blip r:embed="rId2" cstate="print">
+            <a:extLst>
+              <a:ext uri="{28A0092B-C50C-407E-A947-70E740481C1C}">
+                <a14:useLocalDpi xmlns:a14="http://schemas.microsoft.com/office/drawing/2010/main" val="0"/>
+              </a:ext>
+            </a:extLst>
+          </a:blip>
+          <a:srcRect l="367" t="982" r="66344" b="-982"/>
+          <a:stretch/>
+        </p:blipFill>
+        <p:spPr bwMode="auto">
+          <a:xfrm>
+            <a:off x="11380620" y="48395"/>
+            <a:ext cx="766762" cy="766762"/>
+          </a:xfrm>
+          <a:prstGeom prst="ellipse">
+            <a:avLst/>
+          </a:prstGeom>
+          <a:noFill/>
+          <a:ln>
+            <a:noFill/>
+          </a:ln>
+          <a:extLst>
+            <a:ext uri="{909E8E84-426E-40DD-AFC4-6F175D3DCCD1}">
+              <a14:hiddenFill xmlns:a14="http://schemas.microsoft.com/office/drawing/2010/main">
+                <a:solidFill>
+                  <a:srgbClr val="FFFFFF"/>
+                </a:solidFill>
+              </a14:hiddenFill>
+            </a:ext>
+            <a:ext uri="{91240B29-F687-4F45-9708-019B960494DF}">
+              <a14:hiddenLine xmlns:a14="http://schemas.microsoft.com/office/drawing/2010/main" w="9525">
+                <a:solidFill>
+                  <a:srgbClr val="000000"/>
+                </a:solidFill>
+                <a:miter lim="800000"/>
+                <a:headEnd/>
+                <a:tailEnd/>
+              </a14:hiddenLine>
+            </a:ext>
+          </a:extLst>
+        </p:spPr>
+      </p:pic>
     </p:spTree>
     <p:extLst>
       <p:ext uri="{BB962C8B-B14F-4D97-AF65-F5344CB8AC3E}">
@@ -1279,11 +1349,11 @@
           </a:prstGeom>
         </p:spPr>
         <p:txBody>
-          <a:bodyPr vert="horz" lIns="91440" tIns="45720" rIns="91440" bIns="45720" rtlCol="0" anchor="ctr">
+          <a:bodyPr vert="eaVert" lIns="91440" tIns="45720" rIns="91440" bIns="45720" rtlCol="0" anchor="ctr">
             <a:normAutofit/>
           </a:bodyPr>
           <a:lstStyle>
-            <a:lvl1pPr>
+            <a:lvl1pPr algn="ctr">
               <a:defRPr lang="zh-CN" altLang="en-US" sz="3000" b="1">
                 <a:solidFill>
                   <a:prstClr val="white"/>
@@ -1301,10 +1371,9 @@
               </a:spcAft>
             </a:pPr>
             <a:r>
-              <a:rPr lang="zh-CN" altLang="en-US"/>
+              <a:rPr lang="zh-CN" altLang="en-US" dirty="0"/>
               <a:t>单击此处编辑母版标题样式</a:t>
             </a:r>
-            <a:endParaRPr lang="zh-CN" altLang="en-US" dirty="0"/>
           </a:p>
         </p:txBody>
       </p:sp>
@@ -1393,7 +1462,7 @@
           <a:p>
             <a:fld id="{C27914CA-E117-4144-8F21-8B8E736BFB11}" type="datetimeFigureOut">
               <a:rPr lang="zh-CN" altLang="en-US" smtClean="0"/>
-              <a:t>2020/11/28</a:t>
+              <a:t>2020/11/29</a:t>
             </a:fld>
             <a:endParaRPr lang="zh-CN" altLang="en-US"/>
           </a:p>
@@ -1441,6 +1510,64 @@
           </a:p>
         </p:txBody>
       </p:sp>
+      <p:pic>
+        <p:nvPicPr>
+          <p:cNvPr id="17" name="Picture 5">
+            <a:extLst>
+              <a:ext uri="{FF2B5EF4-FFF2-40B4-BE49-F238E27FC236}">
+                <a16:creationId xmlns:a16="http://schemas.microsoft.com/office/drawing/2014/main" id="{D222216F-A6F6-4778-9520-1EF2CF1BFA46}"/>
+              </a:ext>
+            </a:extLst>
+          </p:cNvPr>
+          <p:cNvPicPr>
+            <a:picLocks noChangeAspect="1" noChangeArrowheads="1"/>
+          </p:cNvPicPr>
+          <p:nvPr userDrawn="1"/>
+        </p:nvPicPr>
+        <p:blipFill rotWithShape="1">
+          <a:blip r:embed="rId2" cstate="print">
+            <a:extLst>
+              <a:ext uri="{28A0092B-C50C-407E-A947-70E740481C1C}">
+                <a14:useLocalDpi xmlns:a14="http://schemas.microsoft.com/office/drawing/2010/main" val="0"/>
+              </a:ext>
+            </a:extLst>
+          </a:blip>
+          <a:srcRect l="367" t="982" r="66344" b="-982"/>
+          <a:stretch/>
+        </p:blipFill>
+        <p:spPr bwMode="auto">
+          <a:xfrm>
+            <a:off x="11212780" y="6025355"/>
+            <a:ext cx="766762" cy="766762"/>
+          </a:xfrm>
+          <a:prstGeom prst="ellipse">
+            <a:avLst/>
+          </a:prstGeom>
+          <a:noFill/>
+          <a:ln>
+            <a:noFill/>
+          </a:ln>
+          <a:extLst>
+            <a:ext uri="{909E8E84-426E-40DD-AFC4-6F175D3DCCD1}">
+              <a14:hiddenFill xmlns:a14="http://schemas.microsoft.com/office/drawing/2010/main">
+                <a:solidFill>
+                  <a:srgbClr val="FFFFFF"/>
+                </a:solidFill>
+              </a14:hiddenFill>
+            </a:ext>
+            <a:ext uri="{91240B29-F687-4F45-9708-019B960494DF}">
+              <a14:hiddenLine xmlns:a14="http://schemas.microsoft.com/office/drawing/2010/main" w="9525">
+                <a:solidFill>
+                  <a:srgbClr val="000000"/>
+                </a:solidFill>
+                <a:miter lim="800000"/>
+                <a:headEnd/>
+                <a:tailEnd/>
+              </a14:hiddenLine>
+            </a:ext>
+          </a:extLst>
+        </p:spPr>
+      </p:pic>
     </p:spTree>
     <p:extLst>
       <p:ext uri="{BB962C8B-B14F-4D97-AF65-F5344CB8AC3E}">
@@ -1800,7 +1927,7 @@
           <a:p>
             <a:fld id="{C27914CA-E117-4144-8F21-8B8E736BFB11}" type="datetimeFigureOut">
               <a:rPr lang="zh-CN" altLang="en-US" smtClean="0"/>
-              <a:t>2020/11/28</a:t>
+              <a:t>2020/11/29</a:t>
             </a:fld>
             <a:endParaRPr lang="zh-CN" altLang="en-US"/>
           </a:p>
@@ -1848,6 +1975,64 @@
           </a:p>
         </p:txBody>
       </p:sp>
+      <p:pic>
+        <p:nvPicPr>
+          <p:cNvPr id="12" name="Picture 5">
+            <a:extLst>
+              <a:ext uri="{FF2B5EF4-FFF2-40B4-BE49-F238E27FC236}">
+                <a16:creationId xmlns:a16="http://schemas.microsoft.com/office/drawing/2014/main" id="{EAB68A61-076E-4DD1-83EF-7BB8400B24B7}"/>
+              </a:ext>
+            </a:extLst>
+          </p:cNvPr>
+          <p:cNvPicPr>
+            <a:picLocks noChangeAspect="1" noChangeArrowheads="1"/>
+          </p:cNvPicPr>
+          <p:nvPr userDrawn="1"/>
+        </p:nvPicPr>
+        <p:blipFill rotWithShape="1">
+          <a:blip r:embed="rId2" cstate="print">
+            <a:extLst>
+              <a:ext uri="{28A0092B-C50C-407E-A947-70E740481C1C}">
+                <a14:useLocalDpi xmlns:a14="http://schemas.microsoft.com/office/drawing/2010/main" val="0"/>
+              </a:ext>
+            </a:extLst>
+          </a:blip>
+          <a:srcRect l="367" t="982" r="66344" b="-982"/>
+          <a:stretch/>
+        </p:blipFill>
+        <p:spPr bwMode="auto">
+          <a:xfrm>
+            <a:off x="11380620" y="48395"/>
+            <a:ext cx="766762" cy="766762"/>
+          </a:xfrm>
+          <a:prstGeom prst="ellipse">
+            <a:avLst/>
+          </a:prstGeom>
+          <a:noFill/>
+          <a:ln>
+            <a:noFill/>
+          </a:ln>
+          <a:extLst>
+            <a:ext uri="{909E8E84-426E-40DD-AFC4-6F175D3DCCD1}">
+              <a14:hiddenFill xmlns:a14="http://schemas.microsoft.com/office/drawing/2010/main">
+                <a:solidFill>
+                  <a:srgbClr val="FFFFFF"/>
+                </a:solidFill>
+              </a14:hiddenFill>
+            </a:ext>
+            <a:ext uri="{91240B29-F687-4F45-9708-019B960494DF}">
+              <a14:hiddenLine xmlns:a14="http://schemas.microsoft.com/office/drawing/2010/main" w="9525">
+                <a:solidFill>
+                  <a:srgbClr val="000000"/>
+                </a:solidFill>
+                <a:miter lim="800000"/>
+                <a:headEnd/>
+                <a:tailEnd/>
+              </a14:hiddenLine>
+            </a:ext>
+          </a:extLst>
+        </p:spPr>
+      </p:pic>
     </p:spTree>
     <p:extLst>
       <p:ext uri="{BB962C8B-B14F-4D97-AF65-F5344CB8AC3E}">
@@ -2048,7 +2233,7 @@
           <a:p>
             <a:fld id="{C27914CA-E117-4144-8F21-8B8E736BFB11}" type="datetimeFigureOut">
               <a:rPr lang="zh-CN" altLang="en-US" smtClean="0"/>
-              <a:t>2020/11/28</a:t>
+              <a:t>2020/11/29</a:t>
             </a:fld>
             <a:endParaRPr lang="zh-CN" altLang="en-US"/>
           </a:p>
@@ -2450,6 +2635,64 @@
           </a:p>
         </p:txBody>
       </p:sp>
+      <p:pic>
+        <p:nvPicPr>
+          <p:cNvPr id="12" name="Picture 5">
+            <a:extLst>
+              <a:ext uri="{FF2B5EF4-FFF2-40B4-BE49-F238E27FC236}">
+                <a16:creationId xmlns:a16="http://schemas.microsoft.com/office/drawing/2014/main" id="{BCD2C948-14EA-4611-A9E7-582142271F32}"/>
+              </a:ext>
+            </a:extLst>
+          </p:cNvPr>
+          <p:cNvPicPr>
+            <a:picLocks noChangeAspect="1" noChangeArrowheads="1"/>
+          </p:cNvPicPr>
+          <p:nvPr userDrawn="1"/>
+        </p:nvPicPr>
+        <p:blipFill rotWithShape="1">
+          <a:blip r:embed="rId2" cstate="print">
+            <a:extLst>
+              <a:ext uri="{28A0092B-C50C-407E-A947-70E740481C1C}">
+                <a14:useLocalDpi xmlns:a14="http://schemas.microsoft.com/office/drawing/2010/main" val="0"/>
+              </a:ext>
+            </a:extLst>
+          </a:blip>
+          <a:srcRect l="367" t="982" r="66344" b="-982"/>
+          <a:stretch/>
+        </p:blipFill>
+        <p:spPr bwMode="auto">
+          <a:xfrm>
+            <a:off x="11380620" y="48395"/>
+            <a:ext cx="766762" cy="766762"/>
+          </a:xfrm>
+          <a:prstGeom prst="ellipse">
+            <a:avLst/>
+          </a:prstGeom>
+          <a:noFill/>
+          <a:ln>
+            <a:noFill/>
+          </a:ln>
+          <a:extLst>
+            <a:ext uri="{909E8E84-426E-40DD-AFC4-6F175D3DCCD1}">
+              <a14:hiddenFill xmlns:a14="http://schemas.microsoft.com/office/drawing/2010/main">
+                <a:solidFill>
+                  <a:srgbClr val="FFFFFF"/>
+                </a:solidFill>
+              </a14:hiddenFill>
+            </a:ext>
+            <a:ext uri="{91240B29-F687-4F45-9708-019B960494DF}">
+              <a14:hiddenLine xmlns:a14="http://schemas.microsoft.com/office/drawing/2010/main" w="9525">
+                <a:solidFill>
+                  <a:srgbClr val="000000"/>
+                </a:solidFill>
+                <a:miter lim="800000"/>
+                <a:headEnd/>
+                <a:tailEnd/>
+              </a14:hiddenLine>
+            </a:ext>
+          </a:extLst>
+        </p:spPr>
+      </p:pic>
     </p:spTree>
     <p:extLst>
       <p:ext uri="{BB962C8B-B14F-4D97-AF65-F5344CB8AC3E}">
@@ -2918,7 +3161,7 @@
           <a:p>
             <a:fld id="{C27914CA-E117-4144-8F21-8B8E736BFB11}" type="datetimeFigureOut">
               <a:rPr lang="zh-CN" altLang="en-US" smtClean="0"/>
-              <a:t>2020/11/28</a:t>
+              <a:t>2020/11/29</a:t>
             </a:fld>
             <a:endParaRPr lang="zh-CN" altLang="en-US"/>
           </a:p>
@@ -2966,6 +3209,64 @@
           </a:p>
         </p:txBody>
       </p:sp>
+      <p:pic>
+        <p:nvPicPr>
+          <p:cNvPr id="13" name="Picture 5">
+            <a:extLst>
+              <a:ext uri="{FF2B5EF4-FFF2-40B4-BE49-F238E27FC236}">
+                <a16:creationId xmlns:a16="http://schemas.microsoft.com/office/drawing/2014/main" id="{830797CE-1CE9-4B0A-9434-4C46E8672A30}"/>
+              </a:ext>
+            </a:extLst>
+          </p:cNvPr>
+          <p:cNvPicPr>
+            <a:picLocks noChangeAspect="1" noChangeArrowheads="1"/>
+          </p:cNvPicPr>
+          <p:nvPr userDrawn="1"/>
+        </p:nvPicPr>
+        <p:blipFill rotWithShape="1">
+          <a:blip r:embed="rId2" cstate="print">
+            <a:extLst>
+              <a:ext uri="{28A0092B-C50C-407E-A947-70E740481C1C}">
+                <a14:useLocalDpi xmlns:a14="http://schemas.microsoft.com/office/drawing/2010/main" val="0"/>
+              </a:ext>
+            </a:extLst>
+          </a:blip>
+          <a:srcRect l="367" t="982" r="66344" b="-982"/>
+          <a:stretch/>
+        </p:blipFill>
+        <p:spPr bwMode="auto">
+          <a:xfrm>
+            <a:off x="11380620" y="48395"/>
+            <a:ext cx="766762" cy="766762"/>
+          </a:xfrm>
+          <a:prstGeom prst="ellipse">
+            <a:avLst/>
+          </a:prstGeom>
+          <a:noFill/>
+          <a:ln>
+            <a:noFill/>
+          </a:ln>
+          <a:extLst>
+            <a:ext uri="{909E8E84-426E-40DD-AFC4-6F175D3DCCD1}">
+              <a14:hiddenFill xmlns:a14="http://schemas.microsoft.com/office/drawing/2010/main">
+                <a:solidFill>
+                  <a:srgbClr val="FFFFFF"/>
+                </a:solidFill>
+              </a14:hiddenFill>
+            </a:ext>
+            <a:ext uri="{91240B29-F687-4F45-9708-019B960494DF}">
+              <a14:hiddenLine xmlns:a14="http://schemas.microsoft.com/office/drawing/2010/main" w="9525">
+                <a:solidFill>
+                  <a:srgbClr val="000000"/>
+                </a:solidFill>
+                <a:miter lim="800000"/>
+                <a:headEnd/>
+                <a:tailEnd/>
+              </a14:hiddenLine>
+            </a:ext>
+          </a:extLst>
+        </p:spPr>
+      </p:pic>
     </p:spTree>
     <p:extLst>
       <p:ext uri="{BB962C8B-B14F-4D97-AF65-F5344CB8AC3E}">
@@ -3564,7 +3865,7 @@
           <a:p>
             <a:fld id="{C27914CA-E117-4144-8F21-8B8E736BFB11}" type="datetimeFigureOut">
               <a:rPr lang="zh-CN" altLang="en-US" smtClean="0"/>
-              <a:t>2020/11/28</a:t>
+              <a:t>2020/11/29</a:t>
             </a:fld>
             <a:endParaRPr lang="zh-CN" altLang="en-US"/>
           </a:p>
@@ -3612,6 +3913,64 @@
           </a:p>
         </p:txBody>
       </p:sp>
+      <p:pic>
+        <p:nvPicPr>
+          <p:cNvPr id="15" name="Picture 5">
+            <a:extLst>
+              <a:ext uri="{FF2B5EF4-FFF2-40B4-BE49-F238E27FC236}">
+                <a16:creationId xmlns:a16="http://schemas.microsoft.com/office/drawing/2014/main" id="{FD44CFAD-EE42-4EF7-B0A5-7CAFCD6AB615}"/>
+              </a:ext>
+            </a:extLst>
+          </p:cNvPr>
+          <p:cNvPicPr>
+            <a:picLocks noChangeAspect="1" noChangeArrowheads="1"/>
+          </p:cNvPicPr>
+          <p:nvPr userDrawn="1"/>
+        </p:nvPicPr>
+        <p:blipFill rotWithShape="1">
+          <a:blip r:embed="rId2" cstate="print">
+            <a:extLst>
+              <a:ext uri="{28A0092B-C50C-407E-A947-70E740481C1C}">
+                <a14:useLocalDpi xmlns:a14="http://schemas.microsoft.com/office/drawing/2010/main" val="0"/>
+              </a:ext>
+            </a:extLst>
+          </a:blip>
+          <a:srcRect l="367" t="982" r="66344" b="-982"/>
+          <a:stretch/>
+        </p:blipFill>
+        <p:spPr bwMode="auto">
+          <a:xfrm>
+            <a:off x="11380620" y="48395"/>
+            <a:ext cx="766762" cy="766762"/>
+          </a:xfrm>
+          <a:prstGeom prst="ellipse">
+            <a:avLst/>
+          </a:prstGeom>
+          <a:noFill/>
+          <a:ln>
+            <a:noFill/>
+          </a:ln>
+          <a:extLst>
+            <a:ext uri="{909E8E84-426E-40DD-AFC4-6F175D3DCCD1}">
+              <a14:hiddenFill xmlns:a14="http://schemas.microsoft.com/office/drawing/2010/main">
+                <a:solidFill>
+                  <a:srgbClr val="FFFFFF"/>
+                </a:solidFill>
+              </a14:hiddenFill>
+            </a:ext>
+            <a:ext uri="{91240B29-F687-4F45-9708-019B960494DF}">
+              <a14:hiddenLine xmlns:a14="http://schemas.microsoft.com/office/drawing/2010/main" w="9525">
+                <a:solidFill>
+                  <a:srgbClr val="000000"/>
+                </a:solidFill>
+                <a:miter lim="800000"/>
+                <a:headEnd/>
+                <a:tailEnd/>
+              </a14:hiddenLine>
+            </a:ext>
+          </a:extLst>
+        </p:spPr>
+      </p:pic>
     </p:spTree>
     <p:extLst>
       <p:ext uri="{BB962C8B-B14F-4D97-AF65-F5344CB8AC3E}">
@@ -3902,7 +4261,7 @@
           <a:p>
             <a:fld id="{C27914CA-E117-4144-8F21-8B8E736BFB11}" type="datetimeFigureOut">
               <a:rPr lang="zh-CN" altLang="en-US" smtClean="0"/>
-              <a:t>2020/11/28</a:t>
+              <a:t>2020/11/29</a:t>
             </a:fld>
             <a:endParaRPr lang="zh-CN" altLang="en-US"/>
           </a:p>
@@ -3950,6 +4309,64 @@
           </a:p>
         </p:txBody>
       </p:sp>
+      <p:pic>
+        <p:nvPicPr>
+          <p:cNvPr id="11" name="Picture 5">
+            <a:extLst>
+              <a:ext uri="{FF2B5EF4-FFF2-40B4-BE49-F238E27FC236}">
+                <a16:creationId xmlns:a16="http://schemas.microsoft.com/office/drawing/2014/main" id="{D6FA78BA-6344-420B-84E3-EF65004425E7}"/>
+              </a:ext>
+            </a:extLst>
+          </p:cNvPr>
+          <p:cNvPicPr>
+            <a:picLocks noChangeAspect="1" noChangeArrowheads="1"/>
+          </p:cNvPicPr>
+          <p:nvPr userDrawn="1"/>
+        </p:nvPicPr>
+        <p:blipFill rotWithShape="1">
+          <a:blip r:embed="rId2" cstate="print">
+            <a:extLst>
+              <a:ext uri="{28A0092B-C50C-407E-A947-70E740481C1C}">
+                <a14:useLocalDpi xmlns:a14="http://schemas.microsoft.com/office/drawing/2010/main" val="0"/>
+              </a:ext>
+            </a:extLst>
+          </a:blip>
+          <a:srcRect l="367" t="982" r="66344" b="-982"/>
+          <a:stretch/>
+        </p:blipFill>
+        <p:spPr bwMode="auto">
+          <a:xfrm>
+            <a:off x="11380620" y="48395"/>
+            <a:ext cx="766762" cy="766762"/>
+          </a:xfrm>
+          <a:prstGeom prst="ellipse">
+            <a:avLst/>
+          </a:prstGeom>
+          <a:noFill/>
+          <a:ln>
+            <a:noFill/>
+          </a:ln>
+          <a:extLst>
+            <a:ext uri="{909E8E84-426E-40DD-AFC4-6F175D3DCCD1}">
+              <a14:hiddenFill xmlns:a14="http://schemas.microsoft.com/office/drawing/2010/main">
+                <a:solidFill>
+                  <a:srgbClr val="FFFFFF"/>
+                </a:solidFill>
+              </a14:hiddenFill>
+            </a:ext>
+            <a:ext uri="{91240B29-F687-4F45-9708-019B960494DF}">
+              <a14:hiddenLine xmlns:a14="http://schemas.microsoft.com/office/drawing/2010/main" w="9525">
+                <a:solidFill>
+                  <a:srgbClr val="000000"/>
+                </a:solidFill>
+                <a:miter lim="800000"/>
+                <a:headEnd/>
+                <a:tailEnd/>
+              </a14:hiddenLine>
+            </a:ext>
+          </a:extLst>
+        </p:spPr>
+      </p:pic>
     </p:spTree>
     <p:extLst>
       <p:ext uri="{BB962C8B-B14F-4D97-AF65-F5344CB8AC3E}">
@@ -3997,7 +4414,7 @@
           <a:p>
             <a:fld id="{C27914CA-E117-4144-8F21-8B8E736BFB11}" type="datetimeFigureOut">
               <a:rPr lang="zh-CN" altLang="en-US" smtClean="0"/>
-              <a:t>2020/11/28</a:t>
+              <a:t>2020/11/29</a:t>
             </a:fld>
             <a:endParaRPr lang="zh-CN" altLang="en-US"/>
           </a:p>
@@ -4098,7 +4515,7 @@
           <a:p>
             <a:fld id="{C27914CA-E117-4144-8F21-8B8E736BFB11}" type="datetimeFigureOut">
               <a:rPr lang="zh-CN" altLang="en-US" smtClean="0"/>
-              <a:t>2020/11/28</a:t>
+              <a:t>2020/11/29</a:t>
             </a:fld>
             <a:endParaRPr lang="zh-CN" altLang="en-US"/>
           </a:p>
@@ -4922,7 +5339,7 @@
           <a:p>
             <a:fld id="{C27914CA-E117-4144-8F21-8B8E736BFB11}" type="datetimeFigureOut">
               <a:rPr lang="zh-CN" altLang="en-US" smtClean="0"/>
-              <a:t>2020/11/28</a:t>
+              <a:t>2020/11/29</a:t>
             </a:fld>
             <a:endParaRPr lang="zh-CN" altLang="en-US"/>
           </a:p>
@@ -5133,7 +5550,7 @@
           <a:p>
             <a:fld id="{C27914CA-E117-4144-8F21-8B8E736BFB11}" type="datetimeFigureOut">
               <a:rPr lang="zh-CN" altLang="en-US" smtClean="0"/>
-              <a:t>2020/11/28</a:t>
+              <a:t>2020/11/29</a:t>
             </a:fld>
             <a:endParaRPr lang="zh-CN" altLang="en-US"/>
           </a:p>
@@ -5618,7 +6035,7 @@
           <p:cNvPr id="2" name="标题 1">
             <a:extLst>
               <a:ext uri="{FF2B5EF4-FFF2-40B4-BE49-F238E27FC236}">
-                <a16:creationId xmlns:a16="http://schemas.microsoft.com/office/drawing/2014/main" id="{115DC51D-D476-47CB-B7E2-55A2712EFC49}"/>
+                <a16:creationId xmlns:a16="http://schemas.microsoft.com/office/drawing/2014/main" id="{08F32C05-D2E3-405D-92A0-7BC6342AB1A3}"/>
               </a:ext>
             </a:extLst>
           </p:cNvPr>
@@ -5631,14 +6048,12 @@
         </p:nvSpPr>
         <p:spPr/>
         <p:txBody>
-          <a:bodyPr>
-            <a:normAutofit/>
-          </a:bodyPr>
+          <a:bodyPr/>
           <a:lstStyle/>
           <a:p>
             <a:r>
               <a:rPr lang="zh-CN" altLang="en-US" dirty="0"/>
-              <a:t>项目实现过程中的思考 </a:t>
+              <a:t>架构 </a:t>
             </a:r>
             <a:r>
               <a:rPr lang="en-US" altLang="zh-CN" dirty="0"/>
@@ -5646,7 +6061,7 @@
             </a:r>
             <a:r>
               <a:rPr lang="zh-CN" altLang="en-US" dirty="0"/>
-              <a:t>容器镜像分发</a:t>
+              <a:t>计算单元级联</a:t>
             </a:r>
           </a:p>
         </p:txBody>
@@ -5656,7 +6071,7 @@
           <p:cNvPr id="3" name="内容占位符 2">
             <a:extLst>
               <a:ext uri="{FF2B5EF4-FFF2-40B4-BE49-F238E27FC236}">
-                <a16:creationId xmlns:a16="http://schemas.microsoft.com/office/drawing/2014/main" id="{17EC72B3-39DB-47F2-AB3E-AC9EE68FDD5A}"/>
+                <a16:creationId xmlns:a16="http://schemas.microsoft.com/office/drawing/2014/main" id="{2D21BA03-EC72-482E-9258-21F453A456BE}"/>
               </a:ext>
             </a:extLst>
           </p:cNvPr>
@@ -5669,69 +6084,1171 @@
         </p:nvSpPr>
         <p:spPr/>
         <p:txBody>
-          <a:bodyPr>
-            <a:normAutofit/>
-          </a:bodyPr>
+          <a:bodyPr/>
           <a:lstStyle/>
           <a:p>
             <a:r>
               <a:rPr lang="zh-CN" altLang="en-US" dirty="0"/>
-              <a:t>容器镜像分发网络是一个典型的</a:t>
+              <a:t>计算任务传输协议全部相同</a:t>
+            </a:r>
+            <a:endParaRPr lang="en-US" altLang="zh-CN" dirty="0"/>
+          </a:p>
+          <a:p>
+            <a:r>
+              <a:rPr lang="zh-CN" altLang="en-US" dirty="0"/>
+              <a:t>计算单元可以无限制地级联，而无所谓是在云端还是边缘</a:t>
+            </a:r>
+            <a:endParaRPr lang="en-US" altLang="zh-CN" dirty="0"/>
+          </a:p>
+        </p:txBody>
+      </p:sp>
+      <p:sp>
+        <p:nvSpPr>
+          <p:cNvPr id="7" name="矩形 6">
+            <a:extLst>
+              <a:ext uri="{FF2B5EF4-FFF2-40B4-BE49-F238E27FC236}">
+                <a16:creationId xmlns:a16="http://schemas.microsoft.com/office/drawing/2014/main" id="{51562F53-1870-443A-8B19-9148AAD619B8}"/>
+              </a:ext>
+            </a:extLst>
+          </p:cNvPr>
+          <p:cNvSpPr/>
+          <p:nvPr/>
+        </p:nvSpPr>
+        <p:spPr>
+          <a:xfrm>
+            <a:off x="2002364" y="2662766"/>
+            <a:ext cx="1858435" cy="3149601"/>
+          </a:xfrm>
+          <a:prstGeom prst="rect">
+            <a:avLst/>
+          </a:prstGeom>
+        </p:spPr>
+        <p:style>
+          <a:lnRef idx="2">
+            <a:schemeClr val="dk1"/>
+          </a:lnRef>
+          <a:fillRef idx="1">
+            <a:schemeClr val="lt1"/>
+          </a:fillRef>
+          <a:effectRef idx="0">
+            <a:schemeClr val="dk1"/>
+          </a:effectRef>
+          <a:fontRef idx="minor">
+            <a:schemeClr val="dk1"/>
+          </a:fontRef>
+        </p:style>
+        <p:txBody>
+          <a:bodyPr rtlCol="0" anchor="ctr"/>
+          <a:lstStyle/>
+          <a:p>
+            <a:pPr algn="ctr"/>
+            <a:r>
+              <a:rPr lang="zh-CN" altLang="en-US" dirty="0"/>
+              <a:t>神经网络分块</a:t>
             </a:r>
             <a:r>
               <a:rPr lang="en-US" altLang="zh-CN" dirty="0"/>
-              <a:t>CDN</a:t>
-            </a:r>
-            <a:r>
-              <a:rPr lang="zh-CN" altLang="en-US" dirty="0"/>
-              <a:t>网络，特点：</a:t>
-            </a:r>
-            <a:endParaRPr lang="en-US" altLang="zh-CN" dirty="0"/>
-          </a:p>
-          <a:p>
-            <a:pPr lvl="1"/>
-            <a:r>
-              <a:rPr lang="zh-CN" altLang="en-US" dirty="0"/>
-              <a:t>容器镜像对应的服务间的依赖关系是一张有向图</a:t>
-            </a:r>
-            <a:endParaRPr lang="en-US" altLang="zh-CN" dirty="0"/>
-          </a:p>
-          <a:p>
-            <a:pPr lvl="1"/>
-            <a:r>
-              <a:rPr lang="zh-CN" altLang="en-US" dirty="0"/>
-              <a:t>容器镜像是分层的，不同镜像会底层可能相同</a:t>
-            </a:r>
-            <a:endParaRPr lang="en-US" altLang="zh-CN" dirty="0"/>
-          </a:p>
-          <a:p>
-            <a:pPr lvl="1"/>
-            <a:r>
-              <a:rPr lang="zh-CN" altLang="en-US" dirty="0"/>
-              <a:t>不同地域的边缘服务器需要的容器镜像不尽相同</a:t>
-            </a:r>
-            <a:endParaRPr lang="en-US" altLang="zh-CN" dirty="0"/>
-          </a:p>
-          <a:p>
-            <a:r>
-              <a:rPr lang="zh-CN" altLang="en-US" dirty="0"/>
-              <a:t>可能的研究点：给定场景，优化容器镜像的分发规则</a:t>
-            </a:r>
-            <a:endParaRPr lang="en-US" altLang="zh-CN" dirty="0"/>
-          </a:p>
-          <a:p>
-            <a:pPr lvl="1"/>
-            <a:r>
-              <a:rPr lang="zh-CN" altLang="en-US" dirty="0"/>
-              <a:t>例如，给任务加不同的优先级，使场景变复杂</a:t>
-            </a:r>
-          </a:p>
-        </p:txBody>
-      </p:sp>
+              <a:t>1</a:t>
+            </a:r>
+          </a:p>
+          <a:p>
+            <a:pPr algn="ctr"/>
+            <a:r>
+              <a:rPr lang="zh-CN" altLang="en-US" dirty="0"/>
+              <a:t>计算单元</a:t>
+            </a:r>
+          </a:p>
+        </p:txBody>
+      </p:sp>
+      <p:sp>
+        <p:nvSpPr>
+          <p:cNvPr id="9" name="矩形 8">
+            <a:extLst>
+              <a:ext uri="{FF2B5EF4-FFF2-40B4-BE49-F238E27FC236}">
+                <a16:creationId xmlns:a16="http://schemas.microsoft.com/office/drawing/2014/main" id="{307DB003-E342-4CB1-BF95-2E3222DF6269}"/>
+              </a:ext>
+            </a:extLst>
+          </p:cNvPr>
+          <p:cNvSpPr/>
+          <p:nvPr/>
+        </p:nvSpPr>
+        <p:spPr>
+          <a:xfrm>
+            <a:off x="4618564" y="2662766"/>
+            <a:ext cx="1858435" cy="3149601"/>
+          </a:xfrm>
+          <a:prstGeom prst="rect">
+            <a:avLst/>
+          </a:prstGeom>
+        </p:spPr>
+        <p:style>
+          <a:lnRef idx="2">
+            <a:schemeClr val="dk1"/>
+          </a:lnRef>
+          <a:fillRef idx="1">
+            <a:schemeClr val="lt1"/>
+          </a:fillRef>
+          <a:effectRef idx="0">
+            <a:schemeClr val="dk1"/>
+          </a:effectRef>
+          <a:fontRef idx="minor">
+            <a:schemeClr val="dk1"/>
+          </a:fontRef>
+        </p:style>
+        <p:txBody>
+          <a:bodyPr rtlCol="0" anchor="ctr"/>
+          <a:lstStyle/>
+          <a:p>
+            <a:pPr algn="ctr"/>
+            <a:r>
+              <a:rPr lang="zh-CN" altLang="en-US" dirty="0"/>
+              <a:t>神经网络分块</a:t>
+            </a:r>
+            <a:r>
+              <a:rPr lang="en-US" altLang="zh-CN" dirty="0"/>
+              <a:t>2</a:t>
+            </a:r>
+          </a:p>
+          <a:p>
+            <a:pPr algn="ctr"/>
+            <a:r>
+              <a:rPr lang="zh-CN" altLang="en-US" dirty="0"/>
+              <a:t>计算单元</a:t>
+            </a:r>
+          </a:p>
+        </p:txBody>
+      </p:sp>
+      <p:sp>
+        <p:nvSpPr>
+          <p:cNvPr id="11" name="矩形 10">
+            <a:extLst>
+              <a:ext uri="{FF2B5EF4-FFF2-40B4-BE49-F238E27FC236}">
+                <a16:creationId xmlns:a16="http://schemas.microsoft.com/office/drawing/2014/main" id="{79E3FEA5-5F4E-40AA-8746-E9725C3DFD42}"/>
+              </a:ext>
+            </a:extLst>
+          </p:cNvPr>
+          <p:cNvSpPr/>
+          <p:nvPr/>
+        </p:nvSpPr>
+        <p:spPr>
+          <a:xfrm>
+            <a:off x="7234764" y="2662766"/>
+            <a:ext cx="1858435" cy="3149601"/>
+          </a:xfrm>
+          <a:prstGeom prst="rect">
+            <a:avLst/>
+          </a:prstGeom>
+        </p:spPr>
+        <p:style>
+          <a:lnRef idx="2">
+            <a:schemeClr val="dk1"/>
+          </a:lnRef>
+          <a:fillRef idx="1">
+            <a:schemeClr val="lt1"/>
+          </a:fillRef>
+          <a:effectRef idx="0">
+            <a:schemeClr val="dk1"/>
+          </a:effectRef>
+          <a:fontRef idx="minor">
+            <a:schemeClr val="dk1"/>
+          </a:fontRef>
+        </p:style>
+        <p:txBody>
+          <a:bodyPr rtlCol="0" anchor="ctr"/>
+          <a:lstStyle/>
+          <a:p>
+            <a:pPr algn="ctr"/>
+            <a:r>
+              <a:rPr lang="zh-CN" altLang="en-US" dirty="0"/>
+              <a:t>神经网络分块</a:t>
+            </a:r>
+            <a:r>
+              <a:rPr lang="en-US" altLang="zh-CN" dirty="0"/>
+              <a:t>3</a:t>
+            </a:r>
+          </a:p>
+          <a:p>
+            <a:pPr algn="ctr"/>
+            <a:r>
+              <a:rPr lang="zh-CN" altLang="en-US" dirty="0"/>
+              <a:t>计算单元</a:t>
+            </a:r>
+          </a:p>
+        </p:txBody>
+      </p:sp>
+      <p:sp>
+        <p:nvSpPr>
+          <p:cNvPr id="13" name="矩形 12">
+            <a:extLst>
+              <a:ext uri="{FF2B5EF4-FFF2-40B4-BE49-F238E27FC236}">
+                <a16:creationId xmlns:a16="http://schemas.microsoft.com/office/drawing/2014/main" id="{21EB26AA-EE8F-49C7-BC97-1E664F82B6D9}"/>
+              </a:ext>
+            </a:extLst>
+          </p:cNvPr>
+          <p:cNvSpPr/>
+          <p:nvPr/>
+        </p:nvSpPr>
+        <p:spPr>
+          <a:xfrm>
+            <a:off x="9850964" y="2662766"/>
+            <a:ext cx="1858435" cy="3149601"/>
+          </a:xfrm>
+          <a:prstGeom prst="rect">
+            <a:avLst/>
+          </a:prstGeom>
+        </p:spPr>
+        <p:style>
+          <a:lnRef idx="2">
+            <a:schemeClr val="dk1"/>
+          </a:lnRef>
+          <a:fillRef idx="1">
+            <a:schemeClr val="lt1"/>
+          </a:fillRef>
+          <a:effectRef idx="0">
+            <a:schemeClr val="dk1"/>
+          </a:effectRef>
+          <a:fontRef idx="minor">
+            <a:schemeClr val="dk1"/>
+          </a:fontRef>
+        </p:style>
+        <p:txBody>
+          <a:bodyPr rtlCol="0" anchor="ctr"/>
+          <a:lstStyle/>
+          <a:p>
+            <a:pPr algn="ctr"/>
+            <a:r>
+              <a:rPr lang="zh-CN" altLang="en-US" dirty="0"/>
+              <a:t>神经网络分块</a:t>
+            </a:r>
+            <a:r>
+              <a:rPr lang="en-US" altLang="zh-CN" dirty="0"/>
+              <a:t>4</a:t>
+            </a:r>
+          </a:p>
+          <a:p>
+            <a:pPr algn="ctr"/>
+            <a:r>
+              <a:rPr lang="zh-CN" altLang="en-US" dirty="0"/>
+              <a:t>计算单元</a:t>
+            </a:r>
+          </a:p>
+        </p:txBody>
+      </p:sp>
+      <p:sp>
+        <p:nvSpPr>
+          <p:cNvPr id="15" name="矩形 14">
+            <a:extLst>
+              <a:ext uri="{FF2B5EF4-FFF2-40B4-BE49-F238E27FC236}">
+                <a16:creationId xmlns:a16="http://schemas.microsoft.com/office/drawing/2014/main" id="{FCB8EE2F-F9C2-42D1-A274-C7E7EC34D0E4}"/>
+              </a:ext>
+            </a:extLst>
+          </p:cNvPr>
+          <p:cNvSpPr/>
+          <p:nvPr/>
+        </p:nvSpPr>
+        <p:spPr>
+          <a:xfrm>
+            <a:off x="334386" y="4308996"/>
+            <a:ext cx="901703" cy="1976967"/>
+          </a:xfrm>
+          <a:prstGeom prst="rect">
+            <a:avLst/>
+          </a:prstGeom>
+        </p:spPr>
+        <p:style>
+          <a:lnRef idx="2">
+            <a:schemeClr val="dk1"/>
+          </a:lnRef>
+          <a:fillRef idx="1">
+            <a:schemeClr val="lt1"/>
+          </a:fillRef>
+          <a:effectRef idx="0">
+            <a:schemeClr val="dk1"/>
+          </a:effectRef>
+          <a:fontRef idx="minor">
+            <a:schemeClr val="dk1"/>
+          </a:fontRef>
+        </p:style>
+        <p:txBody>
+          <a:bodyPr rtlCol="0" anchor="ctr"/>
+          <a:lstStyle/>
+          <a:p>
+            <a:pPr algn="ctr"/>
+            <a:r>
+              <a:rPr lang="zh-CN" altLang="en-US" dirty="0"/>
+              <a:t>终端</a:t>
+            </a:r>
+          </a:p>
+        </p:txBody>
+      </p:sp>
+      <p:grpSp>
+        <p:nvGrpSpPr>
+          <p:cNvPr id="32" name="组合 31">
+            <a:extLst>
+              <a:ext uri="{FF2B5EF4-FFF2-40B4-BE49-F238E27FC236}">
+                <a16:creationId xmlns:a16="http://schemas.microsoft.com/office/drawing/2014/main" id="{CA8CEFE7-AA9C-49C2-A0CD-8E391FD5F3CC}"/>
+              </a:ext>
+            </a:extLst>
+          </p:cNvPr>
+          <p:cNvGrpSpPr/>
+          <p:nvPr/>
+        </p:nvGrpSpPr>
+        <p:grpSpPr>
+          <a:xfrm>
+            <a:off x="3860799" y="4797109"/>
+            <a:ext cx="757765" cy="1015258"/>
+            <a:chOff x="3860799" y="4797109"/>
+            <a:chExt cx="757765" cy="1015258"/>
+          </a:xfrm>
+        </p:grpSpPr>
+        <p:cxnSp>
+          <p:nvCxnSpPr>
+            <p:cNvPr id="28" name="直接箭头连接符 27">
+              <a:extLst>
+                <a:ext uri="{FF2B5EF4-FFF2-40B4-BE49-F238E27FC236}">
+                  <a16:creationId xmlns:a16="http://schemas.microsoft.com/office/drawing/2014/main" id="{69B6909A-165F-4212-8EA8-F1B73B14E2E7}"/>
+                </a:ext>
+              </a:extLst>
+            </p:cNvPr>
+            <p:cNvCxnSpPr/>
+            <p:nvPr/>
+          </p:nvCxnSpPr>
+          <p:spPr>
+            <a:xfrm>
+              <a:off x="3860799" y="5045480"/>
+              <a:ext cx="757765" cy="0"/>
+            </a:xfrm>
+            <a:prstGeom prst="straightConnector1">
+              <a:avLst/>
+            </a:prstGeom>
+            <a:ln>
+              <a:tailEnd type="triangle"/>
+            </a:ln>
+          </p:spPr>
+          <p:style>
+            <a:lnRef idx="3">
+              <a:schemeClr val="dk1"/>
+            </a:lnRef>
+            <a:fillRef idx="0">
+              <a:schemeClr val="dk1"/>
+            </a:fillRef>
+            <a:effectRef idx="2">
+              <a:schemeClr val="dk1"/>
+            </a:effectRef>
+            <a:fontRef idx="minor">
+              <a:schemeClr val="tx1"/>
+            </a:fontRef>
+          </p:style>
+        </p:cxnSp>
+        <p:cxnSp>
+          <p:nvCxnSpPr>
+            <p:cNvPr id="29" name="直接箭头连接符 28">
+              <a:extLst>
+                <a:ext uri="{FF2B5EF4-FFF2-40B4-BE49-F238E27FC236}">
+                  <a16:creationId xmlns:a16="http://schemas.microsoft.com/office/drawing/2014/main" id="{5D4DF51E-7F90-4BC8-956B-82287DFA6612}"/>
+                </a:ext>
+              </a:extLst>
+            </p:cNvPr>
+            <p:cNvCxnSpPr>
+              <a:cxnSpLocks/>
+            </p:cNvCxnSpPr>
+            <p:nvPr/>
+          </p:nvCxnSpPr>
+          <p:spPr>
+            <a:xfrm flipH="1">
+              <a:off x="3860799" y="5549480"/>
+              <a:ext cx="757765" cy="7258"/>
+            </a:xfrm>
+            <a:prstGeom prst="straightConnector1">
+              <a:avLst/>
+            </a:prstGeom>
+            <a:ln>
+              <a:tailEnd type="triangle"/>
+            </a:ln>
+          </p:spPr>
+          <p:style>
+            <a:lnRef idx="3">
+              <a:schemeClr val="dk1"/>
+            </a:lnRef>
+            <a:fillRef idx="0">
+              <a:schemeClr val="dk1"/>
+            </a:fillRef>
+            <a:effectRef idx="2">
+              <a:schemeClr val="dk1"/>
+            </a:effectRef>
+            <a:fontRef idx="minor">
+              <a:schemeClr val="tx1"/>
+            </a:fontRef>
+          </p:style>
+        </p:cxnSp>
+        <p:grpSp>
+          <p:nvGrpSpPr>
+            <p:cNvPr id="20" name="组合 19">
+              <a:extLst>
+                <a:ext uri="{FF2B5EF4-FFF2-40B4-BE49-F238E27FC236}">
+                  <a16:creationId xmlns:a16="http://schemas.microsoft.com/office/drawing/2014/main" id="{E7ABBF70-56DD-46CA-A41E-4BDF88D362CE}"/>
+                </a:ext>
+              </a:extLst>
+            </p:cNvPr>
+            <p:cNvGrpSpPr/>
+            <p:nvPr/>
+          </p:nvGrpSpPr>
+          <p:grpSpPr>
+            <a:xfrm>
+              <a:off x="3983519" y="4797109"/>
+              <a:ext cx="506775" cy="1015258"/>
+              <a:chOff x="3983519" y="4797109"/>
+              <a:chExt cx="506775" cy="1015258"/>
+            </a:xfrm>
+          </p:grpSpPr>
+          <p:sp>
+            <p:nvSpPr>
+              <p:cNvPr id="17" name="矩形 16">
+                <a:extLst>
+                  <a:ext uri="{FF2B5EF4-FFF2-40B4-BE49-F238E27FC236}">
+                    <a16:creationId xmlns:a16="http://schemas.microsoft.com/office/drawing/2014/main" id="{393D5EA2-DD80-4204-8276-3764881B7783}"/>
+                  </a:ext>
+                </a:extLst>
+              </p:cNvPr>
+              <p:cNvSpPr/>
+              <p:nvPr/>
+            </p:nvSpPr>
+            <p:spPr>
+              <a:xfrm>
+                <a:off x="3986294" y="5308367"/>
+                <a:ext cx="504000" cy="504000"/>
+              </a:xfrm>
+              <a:prstGeom prst="rect">
+                <a:avLst/>
+              </a:prstGeom>
+            </p:spPr>
+            <p:style>
+              <a:lnRef idx="2">
+                <a:schemeClr val="dk1"/>
+              </a:lnRef>
+              <a:fillRef idx="1">
+                <a:schemeClr val="lt1"/>
+              </a:fillRef>
+              <a:effectRef idx="0">
+                <a:schemeClr val="dk1"/>
+              </a:effectRef>
+              <a:fontRef idx="minor">
+                <a:schemeClr val="dk1"/>
+              </a:fontRef>
+            </p:style>
+            <p:txBody>
+              <a:bodyPr rtlCol="0" anchor="ctr"/>
+              <a:lstStyle/>
+              <a:p>
+                <a:pPr algn="ctr"/>
+                <a:r>
+                  <a:rPr lang="zh-CN" altLang="en-US" sz="1200" dirty="0"/>
+                  <a:t>计算结果</a:t>
+                </a:r>
+              </a:p>
+            </p:txBody>
+          </p:sp>
+          <p:sp>
+            <p:nvSpPr>
+              <p:cNvPr id="19" name="矩形 18">
+                <a:extLst>
+                  <a:ext uri="{FF2B5EF4-FFF2-40B4-BE49-F238E27FC236}">
+                    <a16:creationId xmlns:a16="http://schemas.microsoft.com/office/drawing/2014/main" id="{3D41763C-5D78-4BF9-A905-11A73875DE4F}"/>
+                  </a:ext>
+                </a:extLst>
+              </p:cNvPr>
+              <p:cNvSpPr/>
+              <p:nvPr/>
+            </p:nvSpPr>
+            <p:spPr>
+              <a:xfrm>
+                <a:off x="3983519" y="4797109"/>
+                <a:ext cx="504000" cy="504000"/>
+              </a:xfrm>
+              <a:prstGeom prst="rect">
+                <a:avLst/>
+              </a:prstGeom>
+            </p:spPr>
+            <p:style>
+              <a:lnRef idx="2">
+                <a:schemeClr val="dk1"/>
+              </a:lnRef>
+              <a:fillRef idx="1">
+                <a:schemeClr val="lt1"/>
+              </a:fillRef>
+              <a:effectRef idx="0">
+                <a:schemeClr val="dk1"/>
+              </a:effectRef>
+              <a:fontRef idx="minor">
+                <a:schemeClr val="dk1"/>
+              </a:fontRef>
+            </p:style>
+            <p:txBody>
+              <a:bodyPr rtlCol="0" anchor="ctr"/>
+              <a:lstStyle/>
+              <a:p>
+                <a:pPr algn="ctr"/>
+                <a:r>
+                  <a:rPr lang="zh-CN" altLang="en-US" sz="1200" dirty="0"/>
+                  <a:t>计算请求</a:t>
+                </a:r>
+              </a:p>
+            </p:txBody>
+          </p:sp>
+        </p:grpSp>
+      </p:grpSp>
+      <p:grpSp>
+        <p:nvGrpSpPr>
+          <p:cNvPr id="33" name="组合 32">
+            <a:extLst>
+              <a:ext uri="{FF2B5EF4-FFF2-40B4-BE49-F238E27FC236}">
+                <a16:creationId xmlns:a16="http://schemas.microsoft.com/office/drawing/2014/main" id="{76E521EA-A6C0-4E6E-BA8C-81563341943A}"/>
+              </a:ext>
+            </a:extLst>
+          </p:cNvPr>
+          <p:cNvGrpSpPr/>
+          <p:nvPr/>
+        </p:nvGrpSpPr>
+        <p:grpSpPr>
+          <a:xfrm>
+            <a:off x="6476999" y="4793480"/>
+            <a:ext cx="757765" cy="1015258"/>
+            <a:chOff x="3860799" y="4797109"/>
+            <a:chExt cx="757765" cy="1015258"/>
+          </a:xfrm>
+        </p:grpSpPr>
+        <p:cxnSp>
+          <p:nvCxnSpPr>
+            <p:cNvPr id="34" name="直接箭头连接符 33">
+              <a:extLst>
+                <a:ext uri="{FF2B5EF4-FFF2-40B4-BE49-F238E27FC236}">
+                  <a16:creationId xmlns:a16="http://schemas.microsoft.com/office/drawing/2014/main" id="{5A6E3B51-9310-4035-86D6-070B0ADFB8E0}"/>
+                </a:ext>
+              </a:extLst>
+            </p:cNvPr>
+            <p:cNvCxnSpPr/>
+            <p:nvPr/>
+          </p:nvCxnSpPr>
+          <p:spPr>
+            <a:xfrm>
+              <a:off x="3860799" y="5045480"/>
+              <a:ext cx="757765" cy="0"/>
+            </a:xfrm>
+            <a:prstGeom prst="straightConnector1">
+              <a:avLst/>
+            </a:prstGeom>
+            <a:ln>
+              <a:tailEnd type="triangle"/>
+            </a:ln>
+          </p:spPr>
+          <p:style>
+            <a:lnRef idx="3">
+              <a:schemeClr val="dk1"/>
+            </a:lnRef>
+            <a:fillRef idx="0">
+              <a:schemeClr val="dk1"/>
+            </a:fillRef>
+            <a:effectRef idx="2">
+              <a:schemeClr val="dk1"/>
+            </a:effectRef>
+            <a:fontRef idx="minor">
+              <a:schemeClr val="tx1"/>
+            </a:fontRef>
+          </p:style>
+        </p:cxnSp>
+        <p:cxnSp>
+          <p:nvCxnSpPr>
+            <p:cNvPr id="35" name="直接箭头连接符 34">
+              <a:extLst>
+                <a:ext uri="{FF2B5EF4-FFF2-40B4-BE49-F238E27FC236}">
+                  <a16:creationId xmlns:a16="http://schemas.microsoft.com/office/drawing/2014/main" id="{8F25BCF6-7D0F-4E57-91B0-BB812B053330}"/>
+                </a:ext>
+              </a:extLst>
+            </p:cNvPr>
+            <p:cNvCxnSpPr>
+              <a:cxnSpLocks/>
+            </p:cNvCxnSpPr>
+            <p:nvPr/>
+          </p:nvCxnSpPr>
+          <p:spPr>
+            <a:xfrm flipH="1">
+              <a:off x="3860799" y="5549480"/>
+              <a:ext cx="757765" cy="7258"/>
+            </a:xfrm>
+            <a:prstGeom prst="straightConnector1">
+              <a:avLst/>
+            </a:prstGeom>
+            <a:ln>
+              <a:tailEnd type="triangle"/>
+            </a:ln>
+          </p:spPr>
+          <p:style>
+            <a:lnRef idx="3">
+              <a:schemeClr val="dk1"/>
+            </a:lnRef>
+            <a:fillRef idx="0">
+              <a:schemeClr val="dk1"/>
+            </a:fillRef>
+            <a:effectRef idx="2">
+              <a:schemeClr val="dk1"/>
+            </a:effectRef>
+            <a:fontRef idx="minor">
+              <a:schemeClr val="tx1"/>
+            </a:fontRef>
+          </p:style>
+        </p:cxnSp>
+        <p:grpSp>
+          <p:nvGrpSpPr>
+            <p:cNvPr id="36" name="组合 35">
+              <a:extLst>
+                <a:ext uri="{FF2B5EF4-FFF2-40B4-BE49-F238E27FC236}">
+                  <a16:creationId xmlns:a16="http://schemas.microsoft.com/office/drawing/2014/main" id="{1DBF2BE8-72C6-47CE-A45A-CE0CEC1C4143}"/>
+                </a:ext>
+              </a:extLst>
+            </p:cNvPr>
+            <p:cNvGrpSpPr/>
+            <p:nvPr/>
+          </p:nvGrpSpPr>
+          <p:grpSpPr>
+            <a:xfrm>
+              <a:off x="3983519" y="4797109"/>
+              <a:ext cx="506775" cy="1015258"/>
+              <a:chOff x="3983519" y="4797109"/>
+              <a:chExt cx="506775" cy="1015258"/>
+            </a:xfrm>
+          </p:grpSpPr>
+          <p:sp>
+            <p:nvSpPr>
+              <p:cNvPr id="37" name="矩形 36">
+                <a:extLst>
+                  <a:ext uri="{FF2B5EF4-FFF2-40B4-BE49-F238E27FC236}">
+                    <a16:creationId xmlns:a16="http://schemas.microsoft.com/office/drawing/2014/main" id="{84A6AF61-23E1-4211-9A27-67E29A914963}"/>
+                  </a:ext>
+                </a:extLst>
+              </p:cNvPr>
+              <p:cNvSpPr/>
+              <p:nvPr/>
+            </p:nvSpPr>
+            <p:spPr>
+              <a:xfrm>
+                <a:off x="3986294" y="5308367"/>
+                <a:ext cx="504000" cy="504000"/>
+              </a:xfrm>
+              <a:prstGeom prst="rect">
+                <a:avLst/>
+              </a:prstGeom>
+            </p:spPr>
+            <p:style>
+              <a:lnRef idx="2">
+                <a:schemeClr val="dk1"/>
+              </a:lnRef>
+              <a:fillRef idx="1">
+                <a:schemeClr val="lt1"/>
+              </a:fillRef>
+              <a:effectRef idx="0">
+                <a:schemeClr val="dk1"/>
+              </a:effectRef>
+              <a:fontRef idx="minor">
+                <a:schemeClr val="dk1"/>
+              </a:fontRef>
+            </p:style>
+            <p:txBody>
+              <a:bodyPr rtlCol="0" anchor="ctr"/>
+              <a:lstStyle/>
+              <a:p>
+                <a:pPr algn="ctr"/>
+                <a:r>
+                  <a:rPr lang="zh-CN" altLang="en-US" sz="1200" dirty="0"/>
+                  <a:t>计算结果</a:t>
+                </a:r>
+              </a:p>
+            </p:txBody>
+          </p:sp>
+          <p:sp>
+            <p:nvSpPr>
+              <p:cNvPr id="38" name="矩形 37">
+                <a:extLst>
+                  <a:ext uri="{FF2B5EF4-FFF2-40B4-BE49-F238E27FC236}">
+                    <a16:creationId xmlns:a16="http://schemas.microsoft.com/office/drawing/2014/main" id="{BC1948EF-C1B0-4264-BD5F-4459C3F0B2D8}"/>
+                  </a:ext>
+                </a:extLst>
+              </p:cNvPr>
+              <p:cNvSpPr/>
+              <p:nvPr/>
+            </p:nvSpPr>
+            <p:spPr>
+              <a:xfrm>
+                <a:off x="3983519" y="4797109"/>
+                <a:ext cx="504000" cy="504000"/>
+              </a:xfrm>
+              <a:prstGeom prst="rect">
+                <a:avLst/>
+              </a:prstGeom>
+            </p:spPr>
+            <p:style>
+              <a:lnRef idx="2">
+                <a:schemeClr val="dk1"/>
+              </a:lnRef>
+              <a:fillRef idx="1">
+                <a:schemeClr val="lt1"/>
+              </a:fillRef>
+              <a:effectRef idx="0">
+                <a:schemeClr val="dk1"/>
+              </a:effectRef>
+              <a:fontRef idx="minor">
+                <a:schemeClr val="dk1"/>
+              </a:fontRef>
+            </p:style>
+            <p:txBody>
+              <a:bodyPr rtlCol="0" anchor="ctr"/>
+              <a:lstStyle/>
+              <a:p>
+                <a:pPr algn="ctr"/>
+                <a:r>
+                  <a:rPr lang="zh-CN" altLang="en-US" sz="1200" dirty="0"/>
+                  <a:t>计算请求</a:t>
+                </a:r>
+              </a:p>
+            </p:txBody>
+          </p:sp>
+        </p:grpSp>
+      </p:grpSp>
+      <p:grpSp>
+        <p:nvGrpSpPr>
+          <p:cNvPr id="39" name="组合 38">
+            <a:extLst>
+              <a:ext uri="{FF2B5EF4-FFF2-40B4-BE49-F238E27FC236}">
+                <a16:creationId xmlns:a16="http://schemas.microsoft.com/office/drawing/2014/main" id="{D3B7B29D-D940-4C0F-9AC6-9183EF43BEBB}"/>
+              </a:ext>
+            </a:extLst>
+          </p:cNvPr>
+          <p:cNvGrpSpPr/>
+          <p:nvPr/>
+        </p:nvGrpSpPr>
+        <p:grpSpPr>
+          <a:xfrm>
+            <a:off x="9093199" y="4789851"/>
+            <a:ext cx="757765" cy="1015258"/>
+            <a:chOff x="3860799" y="4797109"/>
+            <a:chExt cx="757765" cy="1015258"/>
+          </a:xfrm>
+        </p:grpSpPr>
+        <p:cxnSp>
+          <p:nvCxnSpPr>
+            <p:cNvPr id="40" name="直接箭头连接符 39">
+              <a:extLst>
+                <a:ext uri="{FF2B5EF4-FFF2-40B4-BE49-F238E27FC236}">
+                  <a16:creationId xmlns:a16="http://schemas.microsoft.com/office/drawing/2014/main" id="{79473FE2-E1A7-4D59-AB78-736A8911D9C4}"/>
+                </a:ext>
+              </a:extLst>
+            </p:cNvPr>
+            <p:cNvCxnSpPr/>
+            <p:nvPr/>
+          </p:nvCxnSpPr>
+          <p:spPr>
+            <a:xfrm>
+              <a:off x="3860799" y="5045480"/>
+              <a:ext cx="757765" cy="0"/>
+            </a:xfrm>
+            <a:prstGeom prst="straightConnector1">
+              <a:avLst/>
+            </a:prstGeom>
+            <a:ln>
+              <a:tailEnd type="triangle"/>
+            </a:ln>
+          </p:spPr>
+          <p:style>
+            <a:lnRef idx="3">
+              <a:schemeClr val="dk1"/>
+            </a:lnRef>
+            <a:fillRef idx="0">
+              <a:schemeClr val="dk1"/>
+            </a:fillRef>
+            <a:effectRef idx="2">
+              <a:schemeClr val="dk1"/>
+            </a:effectRef>
+            <a:fontRef idx="minor">
+              <a:schemeClr val="tx1"/>
+            </a:fontRef>
+          </p:style>
+        </p:cxnSp>
+        <p:cxnSp>
+          <p:nvCxnSpPr>
+            <p:cNvPr id="41" name="直接箭头连接符 40">
+              <a:extLst>
+                <a:ext uri="{FF2B5EF4-FFF2-40B4-BE49-F238E27FC236}">
+                  <a16:creationId xmlns:a16="http://schemas.microsoft.com/office/drawing/2014/main" id="{8DAF811C-0E8E-4A33-AA02-213D0E3AA119}"/>
+                </a:ext>
+              </a:extLst>
+            </p:cNvPr>
+            <p:cNvCxnSpPr>
+              <a:cxnSpLocks/>
+            </p:cNvCxnSpPr>
+            <p:nvPr/>
+          </p:nvCxnSpPr>
+          <p:spPr>
+            <a:xfrm flipH="1">
+              <a:off x="3860799" y="5549480"/>
+              <a:ext cx="757765" cy="7258"/>
+            </a:xfrm>
+            <a:prstGeom prst="straightConnector1">
+              <a:avLst/>
+            </a:prstGeom>
+            <a:ln>
+              <a:tailEnd type="triangle"/>
+            </a:ln>
+          </p:spPr>
+          <p:style>
+            <a:lnRef idx="3">
+              <a:schemeClr val="dk1"/>
+            </a:lnRef>
+            <a:fillRef idx="0">
+              <a:schemeClr val="dk1"/>
+            </a:fillRef>
+            <a:effectRef idx="2">
+              <a:schemeClr val="dk1"/>
+            </a:effectRef>
+            <a:fontRef idx="minor">
+              <a:schemeClr val="tx1"/>
+            </a:fontRef>
+          </p:style>
+        </p:cxnSp>
+        <p:grpSp>
+          <p:nvGrpSpPr>
+            <p:cNvPr id="42" name="组合 41">
+              <a:extLst>
+                <a:ext uri="{FF2B5EF4-FFF2-40B4-BE49-F238E27FC236}">
+                  <a16:creationId xmlns:a16="http://schemas.microsoft.com/office/drawing/2014/main" id="{532512E8-D8CD-4EA2-84B0-B17194A8C8F6}"/>
+                </a:ext>
+              </a:extLst>
+            </p:cNvPr>
+            <p:cNvGrpSpPr/>
+            <p:nvPr/>
+          </p:nvGrpSpPr>
+          <p:grpSpPr>
+            <a:xfrm>
+              <a:off x="3983519" y="4797109"/>
+              <a:ext cx="506775" cy="1015258"/>
+              <a:chOff x="3983519" y="4797109"/>
+              <a:chExt cx="506775" cy="1015258"/>
+            </a:xfrm>
+          </p:grpSpPr>
+          <p:sp>
+            <p:nvSpPr>
+              <p:cNvPr id="43" name="矩形 42">
+                <a:extLst>
+                  <a:ext uri="{FF2B5EF4-FFF2-40B4-BE49-F238E27FC236}">
+                    <a16:creationId xmlns:a16="http://schemas.microsoft.com/office/drawing/2014/main" id="{B8A2E35B-7182-4219-8259-E30DADAB09CE}"/>
+                  </a:ext>
+                </a:extLst>
+              </p:cNvPr>
+              <p:cNvSpPr/>
+              <p:nvPr/>
+            </p:nvSpPr>
+            <p:spPr>
+              <a:xfrm>
+                <a:off x="3986294" y="5308367"/>
+                <a:ext cx="504000" cy="504000"/>
+              </a:xfrm>
+              <a:prstGeom prst="rect">
+                <a:avLst/>
+              </a:prstGeom>
+            </p:spPr>
+            <p:style>
+              <a:lnRef idx="2">
+                <a:schemeClr val="dk1"/>
+              </a:lnRef>
+              <a:fillRef idx="1">
+                <a:schemeClr val="lt1"/>
+              </a:fillRef>
+              <a:effectRef idx="0">
+                <a:schemeClr val="dk1"/>
+              </a:effectRef>
+              <a:fontRef idx="minor">
+                <a:schemeClr val="dk1"/>
+              </a:fontRef>
+            </p:style>
+            <p:txBody>
+              <a:bodyPr rtlCol="0" anchor="ctr"/>
+              <a:lstStyle/>
+              <a:p>
+                <a:pPr algn="ctr"/>
+                <a:r>
+                  <a:rPr lang="zh-CN" altLang="en-US" sz="1200" dirty="0"/>
+                  <a:t>计算结果</a:t>
+                </a:r>
+              </a:p>
+            </p:txBody>
+          </p:sp>
+          <p:sp>
+            <p:nvSpPr>
+              <p:cNvPr id="44" name="矩形 43">
+                <a:extLst>
+                  <a:ext uri="{FF2B5EF4-FFF2-40B4-BE49-F238E27FC236}">
+                    <a16:creationId xmlns:a16="http://schemas.microsoft.com/office/drawing/2014/main" id="{535E3DB1-7096-45DF-9AC0-95CD4095BF33}"/>
+                  </a:ext>
+                </a:extLst>
+              </p:cNvPr>
+              <p:cNvSpPr/>
+              <p:nvPr/>
+            </p:nvSpPr>
+            <p:spPr>
+              <a:xfrm>
+                <a:off x="3983519" y="4797109"/>
+                <a:ext cx="504000" cy="504000"/>
+              </a:xfrm>
+              <a:prstGeom prst="rect">
+                <a:avLst/>
+              </a:prstGeom>
+            </p:spPr>
+            <p:style>
+              <a:lnRef idx="2">
+                <a:schemeClr val="dk1"/>
+              </a:lnRef>
+              <a:fillRef idx="1">
+                <a:schemeClr val="lt1"/>
+              </a:fillRef>
+              <a:effectRef idx="0">
+                <a:schemeClr val="dk1"/>
+              </a:effectRef>
+              <a:fontRef idx="minor">
+                <a:schemeClr val="dk1"/>
+              </a:fontRef>
+            </p:style>
+            <p:txBody>
+              <a:bodyPr rtlCol="0" anchor="ctr"/>
+              <a:lstStyle/>
+              <a:p>
+                <a:pPr algn="ctr"/>
+                <a:r>
+                  <a:rPr lang="zh-CN" altLang="en-US" sz="1200" dirty="0"/>
+                  <a:t>计算请求</a:t>
+                </a:r>
+              </a:p>
+            </p:txBody>
+          </p:sp>
+        </p:grpSp>
+      </p:grpSp>
+      <p:grpSp>
+        <p:nvGrpSpPr>
+          <p:cNvPr id="45" name="组合 44">
+            <a:extLst>
+              <a:ext uri="{FF2B5EF4-FFF2-40B4-BE49-F238E27FC236}">
+                <a16:creationId xmlns:a16="http://schemas.microsoft.com/office/drawing/2014/main" id="{BF705054-D6A4-434E-8180-85048950724B}"/>
+              </a:ext>
+            </a:extLst>
+          </p:cNvPr>
+          <p:cNvGrpSpPr/>
+          <p:nvPr/>
+        </p:nvGrpSpPr>
+        <p:grpSpPr>
+          <a:xfrm>
+            <a:off x="1244599" y="4786222"/>
+            <a:ext cx="757765" cy="1015258"/>
+            <a:chOff x="3860799" y="4797109"/>
+            <a:chExt cx="757765" cy="1015258"/>
+          </a:xfrm>
+        </p:grpSpPr>
+        <p:cxnSp>
+          <p:nvCxnSpPr>
+            <p:cNvPr id="46" name="直接箭头连接符 45">
+              <a:extLst>
+                <a:ext uri="{FF2B5EF4-FFF2-40B4-BE49-F238E27FC236}">
+                  <a16:creationId xmlns:a16="http://schemas.microsoft.com/office/drawing/2014/main" id="{FE1D2D96-507B-4958-B078-9823CE5219C5}"/>
+                </a:ext>
+              </a:extLst>
+            </p:cNvPr>
+            <p:cNvCxnSpPr/>
+            <p:nvPr/>
+          </p:nvCxnSpPr>
+          <p:spPr>
+            <a:xfrm>
+              <a:off x="3860799" y="5045480"/>
+              <a:ext cx="757765" cy="0"/>
+            </a:xfrm>
+            <a:prstGeom prst="straightConnector1">
+              <a:avLst/>
+            </a:prstGeom>
+            <a:ln>
+              <a:tailEnd type="triangle"/>
+            </a:ln>
+          </p:spPr>
+          <p:style>
+            <a:lnRef idx="3">
+              <a:schemeClr val="dk1"/>
+            </a:lnRef>
+            <a:fillRef idx="0">
+              <a:schemeClr val="dk1"/>
+            </a:fillRef>
+            <a:effectRef idx="2">
+              <a:schemeClr val="dk1"/>
+            </a:effectRef>
+            <a:fontRef idx="minor">
+              <a:schemeClr val="tx1"/>
+            </a:fontRef>
+          </p:style>
+        </p:cxnSp>
+        <p:cxnSp>
+          <p:nvCxnSpPr>
+            <p:cNvPr id="47" name="直接箭头连接符 46">
+              <a:extLst>
+                <a:ext uri="{FF2B5EF4-FFF2-40B4-BE49-F238E27FC236}">
+                  <a16:creationId xmlns:a16="http://schemas.microsoft.com/office/drawing/2014/main" id="{3D8D76DA-000A-48F4-ACEA-04B396E464F4}"/>
+                </a:ext>
+              </a:extLst>
+            </p:cNvPr>
+            <p:cNvCxnSpPr>
+              <a:cxnSpLocks/>
+            </p:cNvCxnSpPr>
+            <p:nvPr/>
+          </p:nvCxnSpPr>
+          <p:spPr>
+            <a:xfrm flipH="1">
+              <a:off x="3860799" y="5549480"/>
+              <a:ext cx="757765" cy="7258"/>
+            </a:xfrm>
+            <a:prstGeom prst="straightConnector1">
+              <a:avLst/>
+            </a:prstGeom>
+            <a:ln>
+              <a:tailEnd type="triangle"/>
+            </a:ln>
+          </p:spPr>
+          <p:style>
+            <a:lnRef idx="3">
+              <a:schemeClr val="dk1"/>
+            </a:lnRef>
+            <a:fillRef idx="0">
+              <a:schemeClr val="dk1"/>
+            </a:fillRef>
+            <a:effectRef idx="2">
+              <a:schemeClr val="dk1"/>
+            </a:effectRef>
+            <a:fontRef idx="minor">
+              <a:schemeClr val="tx1"/>
+            </a:fontRef>
+          </p:style>
+        </p:cxnSp>
+        <p:grpSp>
+          <p:nvGrpSpPr>
+            <p:cNvPr id="48" name="组合 47">
+              <a:extLst>
+                <a:ext uri="{FF2B5EF4-FFF2-40B4-BE49-F238E27FC236}">
+                  <a16:creationId xmlns:a16="http://schemas.microsoft.com/office/drawing/2014/main" id="{7083F9AC-C5C0-48F4-B635-2C4D4225CDF3}"/>
+                </a:ext>
+              </a:extLst>
+            </p:cNvPr>
+            <p:cNvGrpSpPr/>
+            <p:nvPr/>
+          </p:nvGrpSpPr>
+          <p:grpSpPr>
+            <a:xfrm>
+              <a:off x="3983519" y="4797109"/>
+              <a:ext cx="506775" cy="1015258"/>
+              <a:chOff x="3983519" y="4797109"/>
+              <a:chExt cx="506775" cy="1015258"/>
+            </a:xfrm>
+          </p:grpSpPr>
+          <p:sp>
+            <p:nvSpPr>
+              <p:cNvPr id="49" name="矩形 48">
+                <a:extLst>
+                  <a:ext uri="{FF2B5EF4-FFF2-40B4-BE49-F238E27FC236}">
+                    <a16:creationId xmlns:a16="http://schemas.microsoft.com/office/drawing/2014/main" id="{99AD185A-8AB0-44A1-97C6-F213E1BA24DB}"/>
+                  </a:ext>
+                </a:extLst>
+              </p:cNvPr>
+              <p:cNvSpPr/>
+              <p:nvPr/>
+            </p:nvSpPr>
+            <p:spPr>
+              <a:xfrm>
+                <a:off x="3986294" y="5308367"/>
+                <a:ext cx="504000" cy="504000"/>
+              </a:xfrm>
+              <a:prstGeom prst="rect">
+                <a:avLst/>
+              </a:prstGeom>
+            </p:spPr>
+            <p:style>
+              <a:lnRef idx="2">
+                <a:schemeClr val="dk1"/>
+              </a:lnRef>
+              <a:fillRef idx="1">
+                <a:schemeClr val="lt1"/>
+              </a:fillRef>
+              <a:effectRef idx="0">
+                <a:schemeClr val="dk1"/>
+              </a:effectRef>
+              <a:fontRef idx="minor">
+                <a:schemeClr val="dk1"/>
+              </a:fontRef>
+            </p:style>
+            <p:txBody>
+              <a:bodyPr rtlCol="0" anchor="ctr"/>
+              <a:lstStyle/>
+              <a:p>
+                <a:pPr algn="ctr"/>
+                <a:r>
+                  <a:rPr lang="zh-CN" altLang="en-US" sz="1200" dirty="0"/>
+                  <a:t>计算结果</a:t>
+                </a:r>
+              </a:p>
+            </p:txBody>
+          </p:sp>
+          <p:sp>
+            <p:nvSpPr>
+              <p:cNvPr id="50" name="矩形 49">
+                <a:extLst>
+                  <a:ext uri="{FF2B5EF4-FFF2-40B4-BE49-F238E27FC236}">
+                    <a16:creationId xmlns:a16="http://schemas.microsoft.com/office/drawing/2014/main" id="{97566DD2-9340-43BB-9E4F-03A13A0ACD05}"/>
+                  </a:ext>
+                </a:extLst>
+              </p:cNvPr>
+              <p:cNvSpPr/>
+              <p:nvPr/>
+            </p:nvSpPr>
+            <p:spPr>
+              <a:xfrm>
+                <a:off x="3983519" y="4797109"/>
+                <a:ext cx="504000" cy="504000"/>
+              </a:xfrm>
+              <a:prstGeom prst="rect">
+                <a:avLst/>
+              </a:prstGeom>
+            </p:spPr>
+            <p:style>
+              <a:lnRef idx="2">
+                <a:schemeClr val="dk1"/>
+              </a:lnRef>
+              <a:fillRef idx="1">
+                <a:schemeClr val="lt1"/>
+              </a:fillRef>
+              <a:effectRef idx="0">
+                <a:schemeClr val="dk1"/>
+              </a:effectRef>
+              <a:fontRef idx="minor">
+                <a:schemeClr val="dk1"/>
+              </a:fontRef>
+            </p:style>
+            <p:txBody>
+              <a:bodyPr rtlCol="0" anchor="ctr"/>
+              <a:lstStyle/>
+              <a:p>
+                <a:pPr algn="ctr"/>
+                <a:r>
+                  <a:rPr lang="zh-CN" altLang="en-US" sz="1200" dirty="0"/>
+                  <a:t>计算请求</a:t>
+                </a:r>
+              </a:p>
+            </p:txBody>
+          </p:sp>
+        </p:grpSp>
+      </p:grpSp>
     </p:spTree>
     <p:extLst>
       <p:ext uri="{BB962C8B-B14F-4D97-AF65-F5344CB8AC3E}">
-        <p14:creationId xmlns:p14="http://schemas.microsoft.com/office/powerpoint/2010/main" val="2834661511"/>
+        <p14:creationId xmlns:p14="http://schemas.microsoft.com/office/powerpoint/2010/main" val="3535249289"/>
       </p:ext>
     </p:extLst>
   </p:cSld>
@@ -5760,10 +7277,10 @@
       </p:grpSpPr>
       <p:sp>
         <p:nvSpPr>
-          <p:cNvPr id="2" name="标题 1">
-            <a:extLst>
-              <a:ext uri="{FF2B5EF4-FFF2-40B4-BE49-F238E27FC236}">
-                <a16:creationId xmlns:a16="http://schemas.microsoft.com/office/drawing/2014/main" id="{115DC51D-D476-47CB-B7E2-55A2712EFC49}"/>
+          <p:cNvPr id="2" name="竖排标题 1">
+            <a:extLst>
+              <a:ext uri="{FF2B5EF4-FFF2-40B4-BE49-F238E27FC236}">
+                <a16:creationId xmlns:a16="http://schemas.microsoft.com/office/drawing/2014/main" id="{17F5D55A-2652-4FDE-996A-43417E9EFC1B}"/>
               </a:ext>
             </a:extLst>
           </p:cNvPr>
@@ -5771,140 +7288,1812 @@
             <a:spLocks noGrp="1"/>
           </p:cNvSpPr>
           <p:nvPr>
-            <p:ph type="title"/>
+            <p:ph type="title" orient="vert"/>
           </p:nvPr>
         </p:nvSpPr>
         <p:spPr/>
         <p:txBody>
-          <a:bodyPr>
-            <a:normAutofit/>
+          <a:bodyPr/>
+          <a:lstStyle/>
+          <a:p>
+            <a:r>
+              <a:rPr lang="zh-CN" altLang="en-US" dirty="0"/>
+              <a:t>实现</a:t>
+            </a:r>
+          </a:p>
+        </p:txBody>
+      </p:sp>
+      <p:sp>
+        <p:nvSpPr>
+          <p:cNvPr id="45" name="矩形 44">
+            <a:extLst>
+              <a:ext uri="{FF2B5EF4-FFF2-40B4-BE49-F238E27FC236}">
+                <a16:creationId xmlns:a16="http://schemas.microsoft.com/office/drawing/2014/main" id="{BA2B2F2D-598D-426A-A7B9-F5EEAC92EC4C}"/>
+              </a:ext>
+            </a:extLst>
+          </p:cNvPr>
+          <p:cNvSpPr/>
+          <p:nvPr/>
+        </p:nvSpPr>
+        <p:spPr>
+          <a:xfrm>
+            <a:off x="1625591" y="42328"/>
+            <a:ext cx="4419600" cy="6654800"/>
+          </a:xfrm>
+          <a:prstGeom prst="rect">
+            <a:avLst/>
+          </a:prstGeom>
+        </p:spPr>
+        <p:style>
+          <a:lnRef idx="2">
+            <a:schemeClr val="dk1"/>
+          </a:lnRef>
+          <a:fillRef idx="1">
+            <a:schemeClr val="lt1"/>
+          </a:fillRef>
+          <a:effectRef idx="0">
+            <a:schemeClr val="dk1"/>
+          </a:effectRef>
+          <a:fontRef idx="minor">
+            <a:schemeClr val="dk1"/>
+          </a:fontRef>
+        </p:style>
+        <p:txBody>
+          <a:bodyPr rtlCol="0" anchor="t"/>
+          <a:lstStyle/>
+          <a:p>
+            <a:pPr algn="ctr"/>
+            <a:r>
+              <a:rPr lang="zh-CN" altLang="en-US" dirty="0"/>
+              <a:t>计算单元</a:t>
+            </a:r>
+          </a:p>
+        </p:txBody>
+      </p:sp>
+      <p:sp>
+        <p:nvSpPr>
+          <p:cNvPr id="46" name="矩形: 圆角 45">
+            <a:extLst>
+              <a:ext uri="{FF2B5EF4-FFF2-40B4-BE49-F238E27FC236}">
+                <a16:creationId xmlns:a16="http://schemas.microsoft.com/office/drawing/2014/main" id="{A5AB0C73-B318-4A93-BB4D-A61D11FB2C62}"/>
+              </a:ext>
+            </a:extLst>
+          </p:cNvPr>
+          <p:cNvSpPr/>
+          <p:nvPr/>
+        </p:nvSpPr>
+        <p:spPr>
+          <a:xfrm>
+            <a:off x="2191799" y="4767526"/>
+            <a:ext cx="3287184" cy="1805084"/>
+          </a:xfrm>
+          <a:prstGeom prst="roundRect">
+            <a:avLst/>
+          </a:prstGeom>
+        </p:spPr>
+        <p:style>
+          <a:lnRef idx="2">
+            <a:schemeClr val="dk1"/>
+          </a:lnRef>
+          <a:fillRef idx="1">
+            <a:schemeClr val="lt1"/>
+          </a:fillRef>
+          <a:effectRef idx="0">
+            <a:schemeClr val="dk1"/>
+          </a:effectRef>
+          <a:fontRef idx="minor">
+            <a:schemeClr val="dk1"/>
+          </a:fontRef>
+        </p:style>
+        <p:txBody>
+          <a:bodyPr rtlCol="0" anchor="b"/>
+          <a:lstStyle/>
+          <a:p>
+            <a:pPr algn="ctr"/>
+            <a:r>
+              <a:rPr lang="zh-CN" altLang="en-US" dirty="0"/>
+              <a:t>传输层</a:t>
+            </a:r>
+          </a:p>
+        </p:txBody>
+      </p:sp>
+      <p:grpSp>
+        <p:nvGrpSpPr>
+          <p:cNvPr id="47" name="组合 46">
+            <a:extLst>
+              <a:ext uri="{FF2B5EF4-FFF2-40B4-BE49-F238E27FC236}">
+                <a16:creationId xmlns:a16="http://schemas.microsoft.com/office/drawing/2014/main" id="{FCC3EBBA-682A-4F95-92DD-EB76FE34C360}"/>
+              </a:ext>
+            </a:extLst>
+          </p:cNvPr>
+          <p:cNvGrpSpPr/>
+          <p:nvPr/>
+        </p:nvGrpSpPr>
+        <p:grpSpPr>
+          <a:xfrm>
+            <a:off x="2755391" y="2298689"/>
+            <a:ext cx="2160000" cy="2160000"/>
+            <a:chOff x="5016000" y="1955799"/>
+            <a:chExt cx="2160000" cy="2160000"/>
+          </a:xfrm>
+        </p:grpSpPr>
+        <p:sp>
+          <p:nvSpPr>
+            <p:cNvPr id="48" name="椭圆 47">
+              <a:extLst>
+                <a:ext uri="{FF2B5EF4-FFF2-40B4-BE49-F238E27FC236}">
+                  <a16:creationId xmlns:a16="http://schemas.microsoft.com/office/drawing/2014/main" id="{775F91C0-5567-43AD-9FF2-97DF78D5BB72}"/>
+                </a:ext>
+              </a:extLst>
+            </p:cNvPr>
+            <p:cNvSpPr/>
+            <p:nvPr/>
+          </p:nvSpPr>
+          <p:spPr>
+            <a:xfrm>
+              <a:off x="5016000" y="1955799"/>
+              <a:ext cx="2160000" cy="2160000"/>
+            </a:xfrm>
+            <a:prstGeom prst="ellipse">
+              <a:avLst/>
+            </a:prstGeom>
+          </p:spPr>
+          <p:style>
+            <a:lnRef idx="2">
+              <a:schemeClr val="dk1"/>
+            </a:lnRef>
+            <a:fillRef idx="1">
+              <a:schemeClr val="lt1"/>
+            </a:fillRef>
+            <a:effectRef idx="0">
+              <a:schemeClr val="dk1"/>
+            </a:effectRef>
+            <a:fontRef idx="minor">
+              <a:schemeClr val="dk1"/>
+            </a:fontRef>
+          </p:style>
+          <p:txBody>
+            <a:bodyPr rtlCol="0" anchor="ctr"/>
+            <a:lstStyle/>
+            <a:p>
+              <a:pPr algn="ctr"/>
+              <a:r>
+                <a:rPr lang="en-US" altLang="zh-CN" dirty="0"/>
+                <a:t>RabbitMQ</a:t>
+              </a:r>
+              <a:endParaRPr lang="zh-CN" altLang="en-US" dirty="0"/>
+            </a:p>
+          </p:txBody>
+        </p:sp>
+        <p:sp>
+          <p:nvSpPr>
+            <p:cNvPr id="49" name="箭头: 右 48">
+              <a:extLst>
+                <a:ext uri="{FF2B5EF4-FFF2-40B4-BE49-F238E27FC236}">
+                  <a16:creationId xmlns:a16="http://schemas.microsoft.com/office/drawing/2014/main" id="{8BC931D5-B09A-4AC2-AD34-7BA09DF6ABC2}"/>
+                </a:ext>
+              </a:extLst>
+            </p:cNvPr>
+            <p:cNvSpPr/>
+            <p:nvPr/>
+          </p:nvSpPr>
+          <p:spPr>
+            <a:xfrm rot="16200000">
+              <a:off x="4572000" y="2793482"/>
+              <a:ext cx="1735667" cy="484632"/>
+            </a:xfrm>
+            <a:prstGeom prst="rightArrow">
+              <a:avLst/>
+            </a:prstGeom>
+          </p:spPr>
+          <p:style>
+            <a:lnRef idx="2">
+              <a:schemeClr val="dk1"/>
+            </a:lnRef>
+            <a:fillRef idx="1">
+              <a:schemeClr val="lt1"/>
+            </a:fillRef>
+            <a:effectRef idx="0">
+              <a:schemeClr val="dk1"/>
+            </a:effectRef>
+            <a:fontRef idx="minor">
+              <a:schemeClr val="dk1"/>
+            </a:fontRef>
+          </p:style>
+          <p:txBody>
+            <a:bodyPr rtlCol="0" anchor="ctr"/>
+            <a:lstStyle/>
+            <a:p>
+              <a:pPr algn="ctr"/>
+              <a:r>
+                <a:rPr lang="zh-CN" altLang="en-US" sz="1600" dirty="0"/>
+                <a:t>计算请求队列</a:t>
+              </a:r>
+            </a:p>
+          </p:txBody>
+        </p:sp>
+        <p:sp>
+          <p:nvSpPr>
+            <p:cNvPr id="50" name="箭头: 右 49">
+              <a:extLst>
+                <a:ext uri="{FF2B5EF4-FFF2-40B4-BE49-F238E27FC236}">
+                  <a16:creationId xmlns:a16="http://schemas.microsoft.com/office/drawing/2014/main" id="{5510F28D-63E1-4B61-B40C-52171699DA6F}"/>
+                </a:ext>
+              </a:extLst>
+            </p:cNvPr>
+            <p:cNvSpPr/>
+            <p:nvPr/>
+          </p:nvSpPr>
+          <p:spPr>
+            <a:xfrm rot="5400000">
+              <a:off x="5884334" y="2793482"/>
+              <a:ext cx="1735667" cy="484632"/>
+            </a:xfrm>
+            <a:prstGeom prst="rightArrow">
+              <a:avLst/>
+            </a:prstGeom>
+          </p:spPr>
+          <p:style>
+            <a:lnRef idx="2">
+              <a:schemeClr val="dk1"/>
+            </a:lnRef>
+            <a:fillRef idx="1">
+              <a:schemeClr val="lt1"/>
+            </a:fillRef>
+            <a:effectRef idx="0">
+              <a:schemeClr val="dk1"/>
+            </a:effectRef>
+            <a:fontRef idx="minor">
+              <a:schemeClr val="dk1"/>
+            </a:fontRef>
+          </p:style>
+          <p:txBody>
+            <a:bodyPr rtlCol="0" anchor="ctr"/>
+            <a:lstStyle/>
+            <a:p>
+              <a:pPr algn="ctr"/>
+              <a:r>
+                <a:rPr lang="zh-CN" altLang="en-US" sz="1600" dirty="0"/>
+                <a:t>计算结果队列</a:t>
+              </a:r>
+            </a:p>
+          </p:txBody>
+        </p:sp>
+      </p:grpSp>
+      <p:grpSp>
+        <p:nvGrpSpPr>
+          <p:cNvPr id="51" name="组合 50">
+            <a:extLst>
+              <a:ext uri="{FF2B5EF4-FFF2-40B4-BE49-F238E27FC236}">
+                <a16:creationId xmlns:a16="http://schemas.microsoft.com/office/drawing/2014/main" id="{75C1414C-DA6E-419D-A069-2459B9F57756}"/>
+              </a:ext>
+            </a:extLst>
+          </p:cNvPr>
+          <p:cNvGrpSpPr/>
+          <p:nvPr/>
+        </p:nvGrpSpPr>
+        <p:grpSpPr>
+          <a:xfrm>
+            <a:off x="2705091" y="448727"/>
+            <a:ext cx="2260600" cy="1566336"/>
+            <a:chOff x="4965700" y="745065"/>
+            <a:chExt cx="2260600" cy="1566336"/>
+          </a:xfrm>
+        </p:grpSpPr>
+        <p:sp>
+          <p:nvSpPr>
+            <p:cNvPr id="52" name="矩形: 圆角 51">
+              <a:extLst>
+                <a:ext uri="{FF2B5EF4-FFF2-40B4-BE49-F238E27FC236}">
+                  <a16:creationId xmlns:a16="http://schemas.microsoft.com/office/drawing/2014/main" id="{0EDDDD11-78DB-443E-B2EF-BC88E7F66BC9}"/>
+                </a:ext>
+              </a:extLst>
+            </p:cNvPr>
+            <p:cNvSpPr/>
+            <p:nvPr/>
+          </p:nvSpPr>
+          <p:spPr>
+            <a:xfrm>
+              <a:off x="4965700" y="745065"/>
+              <a:ext cx="2260600" cy="1566336"/>
+            </a:xfrm>
+            <a:prstGeom prst="roundRect">
+              <a:avLst/>
+            </a:prstGeom>
+          </p:spPr>
+          <p:style>
+            <a:lnRef idx="2">
+              <a:schemeClr val="dk1"/>
+            </a:lnRef>
+            <a:fillRef idx="1">
+              <a:schemeClr val="lt1"/>
+            </a:fillRef>
+            <a:effectRef idx="0">
+              <a:schemeClr val="dk1"/>
+            </a:effectRef>
+            <a:fontRef idx="minor">
+              <a:schemeClr val="dk1"/>
+            </a:fontRef>
+          </p:style>
+          <p:txBody>
+            <a:bodyPr rtlCol="0" anchor="t"/>
+            <a:lstStyle/>
+            <a:p>
+              <a:pPr algn="ctr"/>
+              <a:r>
+                <a:rPr lang="zh-CN" altLang="en-US" dirty="0"/>
+                <a:t>计算层</a:t>
+              </a:r>
+            </a:p>
+          </p:txBody>
+        </p:sp>
+        <p:sp>
+          <p:nvSpPr>
+            <p:cNvPr id="53" name="椭圆 52">
+              <a:extLst>
+                <a:ext uri="{FF2B5EF4-FFF2-40B4-BE49-F238E27FC236}">
+                  <a16:creationId xmlns:a16="http://schemas.microsoft.com/office/drawing/2014/main" id="{BB9E8C25-E3A0-435A-8B80-959FF84E38BF}"/>
+                </a:ext>
+              </a:extLst>
+            </p:cNvPr>
+            <p:cNvSpPr/>
+            <p:nvPr/>
+          </p:nvSpPr>
+          <p:spPr>
+            <a:xfrm>
+              <a:off x="5610000" y="1205631"/>
+              <a:ext cx="972000" cy="972000"/>
+            </a:xfrm>
+            <a:prstGeom prst="ellipse">
+              <a:avLst/>
+            </a:prstGeom>
+          </p:spPr>
+          <p:style>
+            <a:lnRef idx="2">
+              <a:schemeClr val="dk1"/>
+            </a:lnRef>
+            <a:fillRef idx="1">
+              <a:schemeClr val="lt1"/>
+            </a:fillRef>
+            <a:effectRef idx="0">
+              <a:schemeClr val="dk1"/>
+            </a:effectRef>
+            <a:fontRef idx="minor">
+              <a:schemeClr val="dk1"/>
+            </a:fontRef>
+          </p:style>
+          <p:txBody>
+            <a:bodyPr rtlCol="0" anchor="ctr"/>
+            <a:lstStyle/>
+            <a:p>
+              <a:pPr algn="ctr"/>
+              <a:r>
+                <a:rPr lang="en-US" altLang="zh-CN" sz="1200" dirty="0" err="1"/>
+                <a:t>Pytorch</a:t>
+              </a:r>
+              <a:endParaRPr lang="en-US" altLang="zh-CN" sz="1200" dirty="0"/>
+            </a:p>
+            <a:p>
+              <a:pPr algn="ctr"/>
+              <a:r>
+                <a:rPr lang="zh-CN" altLang="en-US" sz="1600" dirty="0"/>
+                <a:t>神经网络</a:t>
+              </a:r>
+            </a:p>
+          </p:txBody>
+        </p:sp>
+      </p:grpSp>
+      <p:cxnSp>
+        <p:nvCxnSpPr>
+          <p:cNvPr id="54" name="连接符: 肘形 53">
+            <a:extLst>
+              <a:ext uri="{FF2B5EF4-FFF2-40B4-BE49-F238E27FC236}">
+                <a16:creationId xmlns:a16="http://schemas.microsoft.com/office/drawing/2014/main" id="{60C842B0-B1F3-43EA-B8A9-6C574F484794}"/>
+              </a:ext>
+            </a:extLst>
+          </p:cNvPr>
+          <p:cNvCxnSpPr>
+            <a:stCxn id="49" idx="3"/>
+            <a:endCxn id="53" idx="2"/>
+          </p:cNvCxnSpPr>
+          <p:nvPr/>
+        </p:nvCxnSpPr>
+        <p:spPr>
+          <a:xfrm rot="5400000" flipH="1" flipV="1">
+            <a:off x="2706527" y="1867991"/>
+            <a:ext cx="1115562" cy="170166"/>
+          </a:xfrm>
+          <a:prstGeom prst="bentConnector2">
+            <a:avLst/>
+          </a:prstGeom>
+          <a:ln>
+            <a:tailEnd type="triangle"/>
+          </a:ln>
+        </p:spPr>
+        <p:style>
+          <a:lnRef idx="3">
+            <a:schemeClr val="dk1"/>
+          </a:lnRef>
+          <a:fillRef idx="0">
+            <a:schemeClr val="dk1"/>
+          </a:fillRef>
+          <a:effectRef idx="2">
+            <a:schemeClr val="dk1"/>
+          </a:effectRef>
+          <a:fontRef idx="minor">
+            <a:schemeClr val="tx1"/>
+          </a:fontRef>
+        </p:style>
+      </p:cxnSp>
+      <p:cxnSp>
+        <p:nvCxnSpPr>
+          <p:cNvPr id="55" name="连接符: 肘形 54">
+            <a:extLst>
+              <a:ext uri="{FF2B5EF4-FFF2-40B4-BE49-F238E27FC236}">
+                <a16:creationId xmlns:a16="http://schemas.microsoft.com/office/drawing/2014/main" id="{1868B5C8-A852-42C9-8A83-C12FEB16B112}"/>
+              </a:ext>
+            </a:extLst>
+          </p:cNvPr>
+          <p:cNvCxnSpPr>
+            <a:cxnSpLocks/>
+            <a:stCxn id="53" idx="6"/>
+            <a:endCxn id="50" idx="1"/>
+          </p:cNvCxnSpPr>
+          <p:nvPr/>
+        </p:nvCxnSpPr>
+        <p:spPr>
+          <a:xfrm>
+            <a:off x="4321391" y="1395293"/>
+            <a:ext cx="170168" cy="1115562"/>
+          </a:xfrm>
+          <a:prstGeom prst="bentConnector2">
+            <a:avLst/>
+          </a:prstGeom>
+          <a:ln>
+            <a:tailEnd type="triangle"/>
+          </a:ln>
+        </p:spPr>
+        <p:style>
+          <a:lnRef idx="3">
+            <a:schemeClr val="dk1"/>
+          </a:lnRef>
+          <a:fillRef idx="0">
+            <a:schemeClr val="dk1"/>
+          </a:fillRef>
+          <a:effectRef idx="2">
+            <a:schemeClr val="dk1"/>
+          </a:effectRef>
+          <a:fontRef idx="minor">
+            <a:schemeClr val="tx1"/>
+          </a:fontRef>
+        </p:style>
+      </p:cxnSp>
+      <p:sp>
+        <p:nvSpPr>
+          <p:cNvPr id="56" name="矩形 55">
+            <a:extLst>
+              <a:ext uri="{FF2B5EF4-FFF2-40B4-BE49-F238E27FC236}">
+                <a16:creationId xmlns:a16="http://schemas.microsoft.com/office/drawing/2014/main" id="{75095657-863B-4D1A-B02B-0F240031AB59}"/>
+              </a:ext>
+            </a:extLst>
+          </p:cNvPr>
+          <p:cNvSpPr/>
+          <p:nvPr/>
+        </p:nvSpPr>
+        <p:spPr>
+          <a:xfrm>
+            <a:off x="2639151" y="1785743"/>
+            <a:ext cx="504000" cy="504000"/>
+          </a:xfrm>
+          <a:prstGeom prst="rect">
+            <a:avLst/>
+          </a:prstGeom>
+        </p:spPr>
+        <p:style>
+          <a:lnRef idx="2">
+            <a:schemeClr val="dk1"/>
+          </a:lnRef>
+          <a:fillRef idx="1">
+            <a:schemeClr val="lt1"/>
+          </a:fillRef>
+          <a:effectRef idx="0">
+            <a:schemeClr val="dk1"/>
+          </a:effectRef>
+          <a:fontRef idx="minor">
+            <a:schemeClr val="dk1"/>
+          </a:fontRef>
+        </p:style>
+        <p:txBody>
+          <a:bodyPr rtlCol="0" anchor="ctr"/>
+          <a:lstStyle/>
+          <a:p>
+            <a:pPr algn="ctr"/>
+            <a:r>
+              <a:rPr lang="zh-CN" altLang="en-US" sz="1200" dirty="0"/>
+              <a:t>计算请求</a:t>
+            </a:r>
+          </a:p>
+        </p:txBody>
+      </p:sp>
+      <p:sp>
+        <p:nvSpPr>
+          <p:cNvPr id="57" name="矩形 56">
+            <a:extLst>
+              <a:ext uri="{FF2B5EF4-FFF2-40B4-BE49-F238E27FC236}">
+                <a16:creationId xmlns:a16="http://schemas.microsoft.com/office/drawing/2014/main" id="{8ADCF0DE-845C-448B-9FD2-D2D93B9E4263}"/>
+              </a:ext>
+            </a:extLst>
+          </p:cNvPr>
+          <p:cNvSpPr/>
+          <p:nvPr/>
+        </p:nvSpPr>
+        <p:spPr>
+          <a:xfrm>
+            <a:off x="4527631" y="1763063"/>
+            <a:ext cx="504000" cy="504000"/>
+          </a:xfrm>
+          <a:prstGeom prst="rect">
+            <a:avLst/>
+          </a:prstGeom>
+        </p:spPr>
+        <p:style>
+          <a:lnRef idx="2">
+            <a:schemeClr val="dk1"/>
+          </a:lnRef>
+          <a:fillRef idx="1">
+            <a:schemeClr val="lt1"/>
+          </a:fillRef>
+          <a:effectRef idx="0">
+            <a:schemeClr val="dk1"/>
+          </a:effectRef>
+          <a:fontRef idx="minor">
+            <a:schemeClr val="dk1"/>
+          </a:fontRef>
+        </p:style>
+        <p:txBody>
+          <a:bodyPr rtlCol="0" anchor="ctr"/>
+          <a:lstStyle/>
+          <a:p>
+            <a:pPr algn="ctr"/>
+            <a:r>
+              <a:rPr lang="zh-CN" altLang="en-US" sz="1200" dirty="0"/>
+              <a:t>计算结果</a:t>
+            </a:r>
+          </a:p>
+        </p:txBody>
+      </p:sp>
+      <p:sp>
+        <p:nvSpPr>
+          <p:cNvPr id="58" name="文本框 57">
+            <a:extLst>
+              <a:ext uri="{FF2B5EF4-FFF2-40B4-BE49-F238E27FC236}">
+                <a16:creationId xmlns:a16="http://schemas.microsoft.com/office/drawing/2014/main" id="{B73591BD-307E-43A3-81CE-6DAC13B9BAD6}"/>
+              </a:ext>
+            </a:extLst>
+          </p:cNvPr>
+          <p:cNvSpPr txBox="1"/>
+          <p:nvPr/>
+        </p:nvSpPr>
+        <p:spPr>
+          <a:xfrm>
+            <a:off x="2329073" y="742162"/>
+            <a:ext cx="1124155" cy="830997"/>
+          </a:xfrm>
+          <a:prstGeom prst="rect">
+            <a:avLst/>
+          </a:prstGeom>
+          <a:noFill/>
+        </p:spPr>
+        <p:txBody>
+          <a:bodyPr wrap="square" rtlCol="0">
+            <a:spAutoFit/>
           </a:bodyPr>
           <a:lstStyle/>
           <a:p>
             <a:r>
-              <a:rPr lang="zh-CN" altLang="en-US" dirty="0"/>
-              <a:t>项目实现过程中的思考 </a:t>
-            </a:r>
-            <a:r>
-              <a:rPr lang="en-US" altLang="zh-CN" dirty="0"/>
-              <a:t>- </a:t>
-            </a:r>
-            <a:r>
-              <a:rPr lang="zh-CN" altLang="en-US" dirty="0"/>
-              <a:t>边缘计算中心内部的资源分配</a:t>
-            </a:r>
-          </a:p>
-        </p:txBody>
-      </p:sp>
-      <p:sp>
-        <p:nvSpPr>
-          <p:cNvPr id="3" name="内容占位符 2">
-            <a:extLst>
-              <a:ext uri="{FF2B5EF4-FFF2-40B4-BE49-F238E27FC236}">
-                <a16:creationId xmlns:a16="http://schemas.microsoft.com/office/drawing/2014/main" id="{17EC72B3-39DB-47F2-AB3E-AC9EE68FDD5A}"/>
-              </a:ext>
-            </a:extLst>
-          </p:cNvPr>
-          <p:cNvSpPr>
-            <a:spLocks noGrp="1"/>
-          </p:cNvSpPr>
-          <p:nvPr>
-            <p:ph idx="1"/>
-          </p:nvPr>
-        </p:nvSpPr>
-        <p:spPr/>
-        <p:txBody>
-          <a:bodyPr>
-            <a:normAutofit/>
+              <a:rPr lang="zh-CN" altLang="en-US" sz="1200" dirty="0">
+                <a:solidFill>
+                  <a:srgbClr val="C00000"/>
+                </a:solidFill>
+              </a:rPr>
+              <a:t>一个一个依次计算请求队列中的计算请求并</a:t>
+            </a:r>
+            <a:r>
+              <a:rPr lang="en-US" altLang="zh-CN" sz="1200" dirty="0">
+                <a:solidFill>
+                  <a:srgbClr val="C00000"/>
+                </a:solidFill>
+              </a:rPr>
+              <a:t>·</a:t>
+            </a:r>
+            <a:r>
+              <a:rPr lang="zh-CN" altLang="en-US" sz="1200" dirty="0">
+                <a:solidFill>
+                  <a:srgbClr val="C00000"/>
+                </a:solidFill>
+              </a:rPr>
+              <a:t>返回结果</a:t>
+            </a:r>
+            <a:endParaRPr lang="en-US" altLang="zh-CN" sz="1200" dirty="0">
+              <a:solidFill>
+                <a:srgbClr val="C00000"/>
+              </a:solidFill>
+            </a:endParaRPr>
+          </a:p>
+        </p:txBody>
+      </p:sp>
+      <p:sp>
+        <p:nvSpPr>
+          <p:cNvPr id="59" name="矩形 58">
+            <a:extLst>
+              <a:ext uri="{FF2B5EF4-FFF2-40B4-BE49-F238E27FC236}">
+                <a16:creationId xmlns:a16="http://schemas.microsoft.com/office/drawing/2014/main" id="{D79FAE23-559D-4305-A31E-942D859BEE5D}"/>
+              </a:ext>
+            </a:extLst>
+          </p:cNvPr>
+          <p:cNvSpPr/>
+          <p:nvPr/>
+        </p:nvSpPr>
+        <p:spPr>
+          <a:xfrm>
+            <a:off x="2639151" y="4437027"/>
+            <a:ext cx="504000" cy="504000"/>
+          </a:xfrm>
+          <a:prstGeom prst="rect">
+            <a:avLst/>
+          </a:prstGeom>
+        </p:spPr>
+        <p:style>
+          <a:lnRef idx="2">
+            <a:schemeClr val="dk1"/>
+          </a:lnRef>
+          <a:fillRef idx="1">
+            <a:schemeClr val="lt1"/>
+          </a:fillRef>
+          <a:effectRef idx="0">
+            <a:schemeClr val="dk1"/>
+          </a:effectRef>
+          <a:fontRef idx="minor">
+            <a:schemeClr val="dk1"/>
+          </a:fontRef>
+        </p:style>
+        <p:txBody>
+          <a:bodyPr rtlCol="0" anchor="ctr"/>
+          <a:lstStyle/>
+          <a:p>
+            <a:pPr algn="ctr"/>
+            <a:r>
+              <a:rPr lang="zh-CN" altLang="en-US" sz="1200" dirty="0"/>
+              <a:t>计算请求</a:t>
+            </a:r>
+          </a:p>
+        </p:txBody>
+      </p:sp>
+      <p:sp>
+        <p:nvSpPr>
+          <p:cNvPr id="60" name="矩形 59">
+            <a:extLst>
+              <a:ext uri="{FF2B5EF4-FFF2-40B4-BE49-F238E27FC236}">
+                <a16:creationId xmlns:a16="http://schemas.microsoft.com/office/drawing/2014/main" id="{34769BC9-C155-4D15-987F-5C920D64788E}"/>
+              </a:ext>
+            </a:extLst>
+          </p:cNvPr>
+          <p:cNvSpPr/>
+          <p:nvPr/>
+        </p:nvSpPr>
+        <p:spPr>
+          <a:xfrm>
+            <a:off x="2191799" y="5016609"/>
+            <a:ext cx="296516" cy="948634"/>
+          </a:xfrm>
+          <a:prstGeom prst="rect">
+            <a:avLst/>
+          </a:prstGeom>
+        </p:spPr>
+        <p:style>
+          <a:lnRef idx="2">
+            <a:schemeClr val="dk1"/>
+          </a:lnRef>
+          <a:fillRef idx="1">
+            <a:schemeClr val="lt1"/>
+          </a:fillRef>
+          <a:effectRef idx="0">
+            <a:schemeClr val="dk1"/>
+          </a:effectRef>
+          <a:fontRef idx="minor">
+            <a:schemeClr val="dk1"/>
+          </a:fontRef>
+        </p:style>
+        <p:txBody>
+          <a:bodyPr vert="eaVert" rtlCol="0" anchor="ctr"/>
+          <a:lstStyle/>
+          <a:p>
+            <a:pPr algn="ctr"/>
+            <a:r>
+              <a:rPr lang="en-US" altLang="zh-CN" sz="1400" dirty="0" err="1"/>
+              <a:t>gRPC</a:t>
+            </a:r>
+            <a:r>
+              <a:rPr lang="zh-CN" altLang="en-US" sz="1400" dirty="0"/>
+              <a:t>接口</a:t>
+            </a:r>
+          </a:p>
+        </p:txBody>
+      </p:sp>
+      <p:cxnSp>
+        <p:nvCxnSpPr>
+          <p:cNvPr id="61" name="连接符: 肘形 60">
+            <a:extLst>
+              <a:ext uri="{FF2B5EF4-FFF2-40B4-BE49-F238E27FC236}">
+                <a16:creationId xmlns:a16="http://schemas.microsoft.com/office/drawing/2014/main" id="{DC5F3977-80C8-4881-8F2A-BD733FC09656}"/>
+              </a:ext>
+            </a:extLst>
+          </p:cNvPr>
+          <p:cNvCxnSpPr>
+            <a:stCxn id="60" idx="3"/>
+            <a:endCxn id="49" idx="1"/>
+          </p:cNvCxnSpPr>
+          <p:nvPr/>
+        </p:nvCxnSpPr>
+        <p:spPr>
+          <a:xfrm flipV="1">
+            <a:off x="2488315" y="4246522"/>
+            <a:ext cx="690910" cy="1244404"/>
+          </a:xfrm>
+          <a:prstGeom prst="bentConnector2">
+            <a:avLst/>
+          </a:prstGeom>
+          <a:ln>
+            <a:tailEnd type="triangle"/>
+          </a:ln>
+        </p:spPr>
+        <p:style>
+          <a:lnRef idx="3">
+            <a:schemeClr val="dk1"/>
+          </a:lnRef>
+          <a:fillRef idx="0">
+            <a:schemeClr val="dk1"/>
+          </a:fillRef>
+          <a:effectRef idx="2">
+            <a:schemeClr val="dk1"/>
+          </a:effectRef>
+          <a:fontRef idx="minor">
+            <a:schemeClr val="tx1"/>
+          </a:fontRef>
+        </p:style>
+      </p:cxnSp>
+      <p:sp>
+        <p:nvSpPr>
+          <p:cNvPr id="62" name="菱形 61">
+            <a:extLst>
+              <a:ext uri="{FF2B5EF4-FFF2-40B4-BE49-F238E27FC236}">
+                <a16:creationId xmlns:a16="http://schemas.microsoft.com/office/drawing/2014/main" id="{E1D69E60-E3D2-4115-9D37-73795D856689}"/>
+              </a:ext>
+            </a:extLst>
+          </p:cNvPr>
+          <p:cNvSpPr/>
+          <p:nvPr/>
+        </p:nvSpPr>
+        <p:spPr>
+          <a:xfrm>
+            <a:off x="3807566" y="5011612"/>
+            <a:ext cx="1367984" cy="738486"/>
+          </a:xfrm>
+          <a:prstGeom prst="diamond">
+            <a:avLst/>
+          </a:prstGeom>
+        </p:spPr>
+        <p:style>
+          <a:lnRef idx="2">
+            <a:schemeClr val="dk1"/>
+          </a:lnRef>
+          <a:fillRef idx="1">
+            <a:schemeClr val="lt1"/>
+          </a:fillRef>
+          <a:effectRef idx="0">
+            <a:schemeClr val="dk1"/>
+          </a:effectRef>
+          <a:fontRef idx="minor">
+            <a:schemeClr val="dk1"/>
+          </a:fontRef>
+        </p:style>
+        <p:txBody>
+          <a:bodyPr rtlCol="0" anchor="ctr"/>
+          <a:lstStyle/>
+          <a:p>
+            <a:pPr algn="ctr"/>
+            <a:r>
+              <a:rPr lang="zh-CN" altLang="en-US" sz="1050" dirty="0"/>
+              <a:t>需要请求下一分块？</a:t>
+            </a:r>
+          </a:p>
+        </p:txBody>
+      </p:sp>
+      <p:sp>
+        <p:nvSpPr>
+          <p:cNvPr id="63" name="矩形 62">
+            <a:extLst>
+              <a:ext uri="{FF2B5EF4-FFF2-40B4-BE49-F238E27FC236}">
+                <a16:creationId xmlns:a16="http://schemas.microsoft.com/office/drawing/2014/main" id="{E1C16C61-22B8-4CCF-879F-64AF41E21506}"/>
+              </a:ext>
+            </a:extLst>
+          </p:cNvPr>
+          <p:cNvSpPr/>
+          <p:nvPr/>
+        </p:nvSpPr>
+        <p:spPr>
+          <a:xfrm>
+            <a:off x="4521691" y="4437027"/>
+            <a:ext cx="504000" cy="504000"/>
+          </a:xfrm>
+          <a:prstGeom prst="rect">
+            <a:avLst/>
+          </a:prstGeom>
+        </p:spPr>
+        <p:style>
+          <a:lnRef idx="2">
+            <a:schemeClr val="dk1"/>
+          </a:lnRef>
+          <a:fillRef idx="1">
+            <a:schemeClr val="lt1"/>
+          </a:fillRef>
+          <a:effectRef idx="0">
+            <a:schemeClr val="dk1"/>
+          </a:effectRef>
+          <a:fontRef idx="minor">
+            <a:schemeClr val="dk1"/>
+          </a:fontRef>
+        </p:style>
+        <p:txBody>
+          <a:bodyPr rtlCol="0" anchor="ctr"/>
+          <a:lstStyle/>
+          <a:p>
+            <a:pPr algn="ctr"/>
+            <a:r>
+              <a:rPr lang="zh-CN" altLang="en-US" sz="1200" dirty="0"/>
+              <a:t>计算结果</a:t>
+            </a:r>
+          </a:p>
+        </p:txBody>
+      </p:sp>
+      <p:cxnSp>
+        <p:nvCxnSpPr>
+          <p:cNvPr id="64" name="直接箭头连接符 63">
+            <a:extLst>
+              <a:ext uri="{FF2B5EF4-FFF2-40B4-BE49-F238E27FC236}">
+                <a16:creationId xmlns:a16="http://schemas.microsoft.com/office/drawing/2014/main" id="{EE7381CA-8ED1-4DA5-94E9-25640753267E}"/>
+              </a:ext>
+            </a:extLst>
+          </p:cNvPr>
+          <p:cNvCxnSpPr>
+            <a:stCxn id="50" idx="3"/>
+            <a:endCxn id="62" idx="0"/>
+          </p:cNvCxnSpPr>
+          <p:nvPr/>
+        </p:nvCxnSpPr>
+        <p:spPr>
+          <a:xfrm flipH="1">
+            <a:off x="4491558" y="4246522"/>
+            <a:ext cx="1" cy="765090"/>
+          </a:xfrm>
+          <a:prstGeom prst="straightConnector1">
+            <a:avLst/>
+          </a:prstGeom>
+          <a:ln>
+            <a:tailEnd type="triangle"/>
+          </a:ln>
+        </p:spPr>
+        <p:style>
+          <a:lnRef idx="3">
+            <a:schemeClr val="dk1"/>
+          </a:lnRef>
+          <a:fillRef idx="0">
+            <a:schemeClr val="dk1"/>
+          </a:fillRef>
+          <a:effectRef idx="2">
+            <a:schemeClr val="dk1"/>
+          </a:effectRef>
+          <a:fontRef idx="minor">
+            <a:schemeClr val="tx1"/>
+          </a:fontRef>
+        </p:style>
+      </p:cxnSp>
+      <p:sp>
+        <p:nvSpPr>
+          <p:cNvPr id="65" name="矩形 64">
+            <a:extLst>
+              <a:ext uri="{FF2B5EF4-FFF2-40B4-BE49-F238E27FC236}">
+                <a16:creationId xmlns:a16="http://schemas.microsoft.com/office/drawing/2014/main" id="{C2D73F84-CEDA-466F-8F66-B3ACC25E2C60}"/>
+              </a:ext>
+            </a:extLst>
+          </p:cNvPr>
+          <p:cNvSpPr/>
+          <p:nvPr/>
+        </p:nvSpPr>
+        <p:spPr>
+          <a:xfrm>
+            <a:off x="630240" y="5555889"/>
+            <a:ext cx="504000" cy="504000"/>
+          </a:xfrm>
+          <a:prstGeom prst="rect">
+            <a:avLst/>
+          </a:prstGeom>
+        </p:spPr>
+        <p:style>
+          <a:lnRef idx="2">
+            <a:schemeClr val="dk1"/>
+          </a:lnRef>
+          <a:fillRef idx="1">
+            <a:schemeClr val="lt1"/>
+          </a:fillRef>
+          <a:effectRef idx="0">
+            <a:schemeClr val="dk1"/>
+          </a:effectRef>
+          <a:fontRef idx="minor">
+            <a:schemeClr val="dk1"/>
+          </a:fontRef>
+        </p:style>
+        <p:txBody>
+          <a:bodyPr rtlCol="0" anchor="ctr"/>
+          <a:lstStyle/>
+          <a:p>
+            <a:pPr algn="ctr"/>
+            <a:r>
+              <a:rPr lang="zh-CN" altLang="en-US" sz="1200" dirty="0"/>
+              <a:t>计算结果</a:t>
+            </a:r>
+          </a:p>
+        </p:txBody>
+      </p:sp>
+      <p:sp>
+        <p:nvSpPr>
+          <p:cNvPr id="66" name="矩形 65">
+            <a:extLst>
+              <a:ext uri="{FF2B5EF4-FFF2-40B4-BE49-F238E27FC236}">
+                <a16:creationId xmlns:a16="http://schemas.microsoft.com/office/drawing/2014/main" id="{694CA37E-6084-452B-B677-47F85D8870F2}"/>
+              </a:ext>
+            </a:extLst>
+          </p:cNvPr>
+          <p:cNvSpPr/>
+          <p:nvPr/>
+        </p:nvSpPr>
+        <p:spPr>
+          <a:xfrm>
+            <a:off x="627465" y="5044631"/>
+            <a:ext cx="504000" cy="504000"/>
+          </a:xfrm>
+          <a:prstGeom prst="rect">
+            <a:avLst/>
+          </a:prstGeom>
+        </p:spPr>
+        <p:style>
+          <a:lnRef idx="2">
+            <a:schemeClr val="dk1"/>
+          </a:lnRef>
+          <a:fillRef idx="1">
+            <a:schemeClr val="lt1"/>
+          </a:fillRef>
+          <a:effectRef idx="0">
+            <a:schemeClr val="dk1"/>
+          </a:effectRef>
+          <a:fontRef idx="minor">
+            <a:schemeClr val="dk1"/>
+          </a:fontRef>
+        </p:style>
+        <p:txBody>
+          <a:bodyPr rtlCol="0" anchor="ctr"/>
+          <a:lstStyle/>
+          <a:p>
+            <a:pPr algn="ctr"/>
+            <a:r>
+              <a:rPr lang="zh-CN" altLang="en-US" sz="1200" dirty="0"/>
+              <a:t>计算请求</a:t>
+            </a:r>
+          </a:p>
+        </p:txBody>
+      </p:sp>
+      <p:cxnSp>
+        <p:nvCxnSpPr>
+          <p:cNvPr id="67" name="直接箭头连接符 66">
+            <a:extLst>
+              <a:ext uri="{FF2B5EF4-FFF2-40B4-BE49-F238E27FC236}">
+                <a16:creationId xmlns:a16="http://schemas.microsoft.com/office/drawing/2014/main" id="{AF45B06E-0AC2-43CB-A1EF-4D3BB572E3B0}"/>
+              </a:ext>
+            </a:extLst>
+          </p:cNvPr>
+          <p:cNvCxnSpPr>
+            <a:cxnSpLocks/>
+            <a:stCxn id="66" idx="3"/>
+          </p:cNvCxnSpPr>
+          <p:nvPr/>
+        </p:nvCxnSpPr>
+        <p:spPr>
+          <a:xfrm>
+            <a:off x="1131465" y="5296631"/>
+            <a:ext cx="1046409" cy="0"/>
+          </a:xfrm>
+          <a:prstGeom prst="straightConnector1">
+            <a:avLst/>
+          </a:prstGeom>
+          <a:ln>
+            <a:tailEnd type="triangle"/>
+          </a:ln>
+        </p:spPr>
+        <p:style>
+          <a:lnRef idx="3">
+            <a:schemeClr val="dk1"/>
+          </a:lnRef>
+          <a:fillRef idx="0">
+            <a:schemeClr val="dk1"/>
+          </a:fillRef>
+          <a:effectRef idx="2">
+            <a:schemeClr val="dk1"/>
+          </a:effectRef>
+          <a:fontRef idx="minor">
+            <a:schemeClr val="tx1"/>
+          </a:fontRef>
+        </p:style>
+      </p:cxnSp>
+      <p:cxnSp>
+        <p:nvCxnSpPr>
+          <p:cNvPr id="68" name="直接箭头连接符 67">
+            <a:extLst>
+              <a:ext uri="{FF2B5EF4-FFF2-40B4-BE49-F238E27FC236}">
+                <a16:creationId xmlns:a16="http://schemas.microsoft.com/office/drawing/2014/main" id="{1872666B-9AD5-4E9A-8430-5BBB0B71B3A9}"/>
+              </a:ext>
+            </a:extLst>
+          </p:cNvPr>
+          <p:cNvCxnSpPr>
+            <a:cxnSpLocks/>
+            <a:endCxn id="65" idx="3"/>
+          </p:cNvCxnSpPr>
+          <p:nvPr/>
+        </p:nvCxnSpPr>
+        <p:spPr>
+          <a:xfrm flipH="1">
+            <a:off x="1134240" y="5807889"/>
+            <a:ext cx="1057559" cy="0"/>
+          </a:xfrm>
+          <a:prstGeom prst="straightConnector1">
+            <a:avLst/>
+          </a:prstGeom>
+          <a:ln>
+            <a:tailEnd type="triangle"/>
+          </a:ln>
+        </p:spPr>
+        <p:style>
+          <a:lnRef idx="3">
+            <a:schemeClr val="dk1"/>
+          </a:lnRef>
+          <a:fillRef idx="0">
+            <a:schemeClr val="dk1"/>
+          </a:fillRef>
+          <a:effectRef idx="2">
+            <a:schemeClr val="dk1"/>
+          </a:effectRef>
+          <a:fontRef idx="minor">
+            <a:schemeClr val="tx1"/>
+          </a:fontRef>
+        </p:style>
+      </p:cxnSp>
+      <p:cxnSp>
+        <p:nvCxnSpPr>
+          <p:cNvPr id="69" name="连接符: 肘形 68">
+            <a:extLst>
+              <a:ext uri="{FF2B5EF4-FFF2-40B4-BE49-F238E27FC236}">
+                <a16:creationId xmlns:a16="http://schemas.microsoft.com/office/drawing/2014/main" id="{80A0CD67-18A9-4A55-8D7A-E169143E4A46}"/>
+              </a:ext>
+            </a:extLst>
+          </p:cNvPr>
+          <p:cNvCxnSpPr>
+            <a:cxnSpLocks/>
+            <a:stCxn id="62" idx="1"/>
+          </p:cNvCxnSpPr>
+          <p:nvPr/>
+        </p:nvCxnSpPr>
+        <p:spPr>
+          <a:xfrm rot="10800000" flipV="1">
+            <a:off x="2515054" y="5380854"/>
+            <a:ext cx="1292512" cy="426479"/>
+          </a:xfrm>
+          <a:prstGeom prst="bentConnector3">
+            <a:avLst>
+              <a:gd name="adj1" fmla="val 33624"/>
+            </a:avLst>
+          </a:prstGeom>
+          <a:ln>
+            <a:tailEnd type="triangle"/>
+          </a:ln>
+        </p:spPr>
+        <p:style>
+          <a:lnRef idx="3">
+            <a:schemeClr val="dk1"/>
+          </a:lnRef>
+          <a:fillRef idx="0">
+            <a:schemeClr val="dk1"/>
+          </a:fillRef>
+          <a:effectRef idx="2">
+            <a:schemeClr val="dk1"/>
+          </a:effectRef>
+          <a:fontRef idx="minor">
+            <a:schemeClr val="tx1"/>
+          </a:fontRef>
+        </p:style>
+      </p:cxnSp>
+      <p:sp>
+        <p:nvSpPr>
+          <p:cNvPr id="70" name="文本框 69">
+            <a:extLst>
+              <a:ext uri="{FF2B5EF4-FFF2-40B4-BE49-F238E27FC236}">
+                <a16:creationId xmlns:a16="http://schemas.microsoft.com/office/drawing/2014/main" id="{F92A9BED-6777-49F7-AB0F-074B106B2F33}"/>
+              </a:ext>
+            </a:extLst>
+          </p:cNvPr>
+          <p:cNvSpPr txBox="1"/>
+          <p:nvPr/>
+        </p:nvSpPr>
+        <p:spPr>
+          <a:xfrm>
+            <a:off x="3447718" y="5056689"/>
+            <a:ext cx="415498" cy="369332"/>
+          </a:xfrm>
+          <a:prstGeom prst="rect">
+            <a:avLst/>
+          </a:prstGeom>
+          <a:noFill/>
+        </p:spPr>
+        <p:txBody>
+          <a:bodyPr wrap="none" rtlCol="0">
+            <a:spAutoFit/>
           </a:bodyPr>
           <a:lstStyle/>
           <a:p>
             <a:r>
               <a:rPr lang="zh-CN" altLang="en-US" dirty="0"/>
-              <a:t>边缘计算中心内部同时运行着多种计算任务</a:t>
-            </a:r>
-            <a:endParaRPr lang="en-US" altLang="zh-CN" dirty="0"/>
-          </a:p>
-          <a:p>
-            <a:r>
-              <a:rPr lang="zh-CN" altLang="en-US" dirty="0"/>
-              <a:t>每个计算任务需要一定的</a:t>
-            </a:r>
+              <a:t>否</a:t>
+            </a:r>
+          </a:p>
+        </p:txBody>
+      </p:sp>
+      <p:cxnSp>
+        <p:nvCxnSpPr>
+          <p:cNvPr id="71" name="直接箭头连接符 70">
+            <a:extLst>
+              <a:ext uri="{FF2B5EF4-FFF2-40B4-BE49-F238E27FC236}">
+                <a16:creationId xmlns:a16="http://schemas.microsoft.com/office/drawing/2014/main" id="{02BE895E-4EB1-44E4-8E9A-259E10BF4500}"/>
+              </a:ext>
+            </a:extLst>
+          </p:cNvPr>
+          <p:cNvCxnSpPr>
+            <a:cxnSpLocks/>
+            <a:stCxn id="62" idx="3"/>
+          </p:cNvCxnSpPr>
+          <p:nvPr/>
+        </p:nvCxnSpPr>
+        <p:spPr>
+          <a:xfrm>
+            <a:off x="5175550" y="5380855"/>
+            <a:ext cx="1478717" cy="0"/>
+          </a:xfrm>
+          <a:prstGeom prst="straightConnector1">
+            <a:avLst/>
+          </a:prstGeom>
+          <a:ln>
+            <a:tailEnd type="triangle"/>
+          </a:ln>
+        </p:spPr>
+        <p:style>
+          <a:lnRef idx="3">
+            <a:schemeClr val="dk1"/>
+          </a:lnRef>
+          <a:fillRef idx="0">
+            <a:schemeClr val="dk1"/>
+          </a:fillRef>
+          <a:effectRef idx="2">
+            <a:schemeClr val="dk1"/>
+          </a:effectRef>
+          <a:fontRef idx="minor">
+            <a:schemeClr val="tx1"/>
+          </a:fontRef>
+        </p:style>
+      </p:cxnSp>
+      <p:sp>
+        <p:nvSpPr>
+          <p:cNvPr id="72" name="矩形 71">
+            <a:extLst>
+              <a:ext uri="{FF2B5EF4-FFF2-40B4-BE49-F238E27FC236}">
+                <a16:creationId xmlns:a16="http://schemas.microsoft.com/office/drawing/2014/main" id="{C3B5E52F-C1E4-420F-9984-650A2E4B3E8E}"/>
+              </a:ext>
+            </a:extLst>
+          </p:cNvPr>
+          <p:cNvSpPr/>
+          <p:nvPr/>
+        </p:nvSpPr>
+        <p:spPr>
+          <a:xfrm>
+            <a:off x="6654267" y="42328"/>
+            <a:ext cx="3421057" cy="6654798"/>
+          </a:xfrm>
+          <a:prstGeom prst="rect">
+            <a:avLst/>
+          </a:prstGeom>
+        </p:spPr>
+        <p:style>
+          <a:lnRef idx="2">
+            <a:schemeClr val="dk1"/>
+          </a:lnRef>
+          <a:fillRef idx="1">
+            <a:schemeClr val="lt1"/>
+          </a:fillRef>
+          <a:effectRef idx="0">
+            <a:schemeClr val="dk1"/>
+          </a:effectRef>
+          <a:fontRef idx="minor">
+            <a:schemeClr val="dk1"/>
+          </a:fontRef>
+        </p:style>
+        <p:txBody>
+          <a:bodyPr rtlCol="0" anchor="ctr"/>
+          <a:lstStyle/>
+          <a:p>
+            <a:pPr algn="ctr"/>
+            <a:r>
+              <a:rPr lang="zh-CN" altLang="en-US" dirty="0"/>
+              <a:t>下一分块的计算单元</a:t>
+            </a:r>
+          </a:p>
+        </p:txBody>
+      </p:sp>
+      <p:cxnSp>
+        <p:nvCxnSpPr>
+          <p:cNvPr id="73" name="直接箭头连接符 72">
+            <a:extLst>
+              <a:ext uri="{FF2B5EF4-FFF2-40B4-BE49-F238E27FC236}">
+                <a16:creationId xmlns:a16="http://schemas.microsoft.com/office/drawing/2014/main" id="{5DAE1961-C9E0-428B-ADA5-E36F110AACF1}"/>
+              </a:ext>
+            </a:extLst>
+          </p:cNvPr>
+          <p:cNvCxnSpPr>
+            <a:cxnSpLocks/>
+            <a:stCxn id="76" idx="1"/>
+          </p:cNvCxnSpPr>
+          <p:nvPr/>
+        </p:nvCxnSpPr>
+        <p:spPr>
+          <a:xfrm flipH="1">
+            <a:off x="2502240" y="5807889"/>
+            <a:ext cx="3293455" cy="0"/>
+          </a:xfrm>
+          <a:prstGeom prst="straightConnector1">
+            <a:avLst/>
+          </a:prstGeom>
+          <a:ln>
+            <a:tailEnd type="triangle"/>
+          </a:ln>
+        </p:spPr>
+        <p:style>
+          <a:lnRef idx="3">
+            <a:schemeClr val="dk1"/>
+          </a:lnRef>
+          <a:fillRef idx="0">
+            <a:schemeClr val="dk1"/>
+          </a:fillRef>
+          <a:effectRef idx="2">
+            <a:schemeClr val="dk1"/>
+          </a:effectRef>
+          <a:fontRef idx="minor">
+            <a:schemeClr val="tx1"/>
+          </a:fontRef>
+        </p:style>
+      </p:cxnSp>
+      <p:sp>
+        <p:nvSpPr>
+          <p:cNvPr id="74" name="矩形 73">
+            <a:extLst>
+              <a:ext uri="{FF2B5EF4-FFF2-40B4-BE49-F238E27FC236}">
+                <a16:creationId xmlns:a16="http://schemas.microsoft.com/office/drawing/2014/main" id="{FD258FCD-8C0F-40E5-B6F0-28B6E0CBF79E}"/>
+              </a:ext>
+            </a:extLst>
+          </p:cNvPr>
+          <p:cNvSpPr/>
+          <p:nvPr/>
+        </p:nvSpPr>
+        <p:spPr>
+          <a:xfrm>
+            <a:off x="3097391" y="5633833"/>
+            <a:ext cx="504000" cy="504000"/>
+          </a:xfrm>
+          <a:prstGeom prst="rect">
+            <a:avLst/>
+          </a:prstGeom>
+        </p:spPr>
+        <p:style>
+          <a:lnRef idx="2">
+            <a:schemeClr val="dk1"/>
+          </a:lnRef>
+          <a:fillRef idx="1">
+            <a:schemeClr val="lt1"/>
+          </a:fillRef>
+          <a:effectRef idx="0">
+            <a:schemeClr val="dk1"/>
+          </a:effectRef>
+          <a:fontRef idx="minor">
+            <a:schemeClr val="dk1"/>
+          </a:fontRef>
+        </p:style>
+        <p:txBody>
+          <a:bodyPr rtlCol="0" anchor="ctr"/>
+          <a:lstStyle/>
+          <a:p>
+            <a:pPr algn="ctr"/>
+            <a:r>
+              <a:rPr lang="zh-CN" altLang="en-US" sz="1200" dirty="0"/>
+              <a:t>计算结果</a:t>
+            </a:r>
+          </a:p>
+        </p:txBody>
+      </p:sp>
+      <p:sp>
+        <p:nvSpPr>
+          <p:cNvPr id="75" name="矩形 74">
+            <a:extLst>
+              <a:ext uri="{FF2B5EF4-FFF2-40B4-BE49-F238E27FC236}">
+                <a16:creationId xmlns:a16="http://schemas.microsoft.com/office/drawing/2014/main" id="{29EEB049-78F1-4829-8941-12E36A8BEA1E}"/>
+              </a:ext>
+            </a:extLst>
+          </p:cNvPr>
+          <p:cNvSpPr/>
+          <p:nvPr/>
+        </p:nvSpPr>
+        <p:spPr>
+          <a:xfrm>
+            <a:off x="5795695" y="5044631"/>
+            <a:ext cx="504000" cy="504000"/>
+          </a:xfrm>
+          <a:prstGeom prst="rect">
+            <a:avLst/>
+          </a:prstGeom>
+        </p:spPr>
+        <p:style>
+          <a:lnRef idx="2">
+            <a:schemeClr val="dk1"/>
+          </a:lnRef>
+          <a:fillRef idx="1">
+            <a:schemeClr val="lt1"/>
+          </a:fillRef>
+          <a:effectRef idx="0">
+            <a:schemeClr val="dk1"/>
+          </a:effectRef>
+          <a:fontRef idx="minor">
+            <a:schemeClr val="dk1"/>
+          </a:fontRef>
+        </p:style>
+        <p:txBody>
+          <a:bodyPr rtlCol="0" anchor="ctr"/>
+          <a:lstStyle/>
+          <a:p>
+            <a:pPr algn="ctr"/>
+            <a:r>
+              <a:rPr lang="zh-CN" altLang="en-US" sz="1200" dirty="0"/>
+              <a:t>计算请求</a:t>
+            </a:r>
+          </a:p>
+        </p:txBody>
+      </p:sp>
+      <p:sp>
+        <p:nvSpPr>
+          <p:cNvPr id="76" name="矩形 75">
+            <a:extLst>
+              <a:ext uri="{FF2B5EF4-FFF2-40B4-BE49-F238E27FC236}">
+                <a16:creationId xmlns:a16="http://schemas.microsoft.com/office/drawing/2014/main" id="{2C2B753B-A3D5-48A0-9DB9-608B78FE7FDA}"/>
+              </a:ext>
+            </a:extLst>
+          </p:cNvPr>
+          <p:cNvSpPr/>
+          <p:nvPr/>
+        </p:nvSpPr>
+        <p:spPr>
+          <a:xfrm>
+            <a:off x="5795695" y="5555889"/>
+            <a:ext cx="504000" cy="504000"/>
+          </a:xfrm>
+          <a:prstGeom prst="rect">
+            <a:avLst/>
+          </a:prstGeom>
+        </p:spPr>
+        <p:style>
+          <a:lnRef idx="2">
+            <a:schemeClr val="dk1"/>
+          </a:lnRef>
+          <a:fillRef idx="1">
+            <a:schemeClr val="lt1"/>
+          </a:fillRef>
+          <a:effectRef idx="0">
+            <a:schemeClr val="dk1"/>
+          </a:effectRef>
+          <a:fontRef idx="minor">
+            <a:schemeClr val="dk1"/>
+          </a:fontRef>
+        </p:style>
+        <p:txBody>
+          <a:bodyPr rtlCol="0" anchor="ctr"/>
+          <a:lstStyle/>
+          <a:p>
+            <a:pPr algn="ctr"/>
+            <a:r>
+              <a:rPr lang="zh-CN" altLang="en-US" sz="1200" dirty="0"/>
+              <a:t>计算结果</a:t>
+            </a:r>
+          </a:p>
+        </p:txBody>
+      </p:sp>
+      <p:cxnSp>
+        <p:nvCxnSpPr>
+          <p:cNvPr id="77" name="直接箭头连接符 76">
+            <a:extLst>
+              <a:ext uri="{FF2B5EF4-FFF2-40B4-BE49-F238E27FC236}">
+                <a16:creationId xmlns:a16="http://schemas.microsoft.com/office/drawing/2014/main" id="{763AF116-32B8-427C-8FE2-2B4E55A2381F}"/>
+              </a:ext>
+            </a:extLst>
+          </p:cNvPr>
+          <p:cNvCxnSpPr>
+            <a:cxnSpLocks/>
+            <a:endCxn id="76" idx="3"/>
+          </p:cNvCxnSpPr>
+          <p:nvPr/>
+        </p:nvCxnSpPr>
+        <p:spPr>
+          <a:xfrm flipH="1">
+            <a:off x="6299695" y="5807889"/>
+            <a:ext cx="354572" cy="0"/>
+          </a:xfrm>
+          <a:prstGeom prst="straightConnector1">
+            <a:avLst/>
+          </a:prstGeom>
+          <a:ln>
+            <a:tailEnd type="triangle"/>
+          </a:ln>
+        </p:spPr>
+        <p:style>
+          <a:lnRef idx="3">
+            <a:schemeClr val="dk1"/>
+          </a:lnRef>
+          <a:fillRef idx="0">
+            <a:schemeClr val="dk1"/>
+          </a:fillRef>
+          <a:effectRef idx="2">
+            <a:schemeClr val="dk1"/>
+          </a:effectRef>
+          <a:fontRef idx="minor">
+            <a:schemeClr val="tx1"/>
+          </a:fontRef>
+        </p:style>
+      </p:cxnSp>
+      <p:sp>
+        <p:nvSpPr>
+          <p:cNvPr id="78" name="文本框 77">
+            <a:extLst>
+              <a:ext uri="{FF2B5EF4-FFF2-40B4-BE49-F238E27FC236}">
+                <a16:creationId xmlns:a16="http://schemas.microsoft.com/office/drawing/2014/main" id="{AE09546B-DB6F-48C2-A22E-47A4F820E042}"/>
+              </a:ext>
+            </a:extLst>
+          </p:cNvPr>
+          <p:cNvSpPr txBox="1"/>
+          <p:nvPr/>
+        </p:nvSpPr>
+        <p:spPr>
+          <a:xfrm>
+            <a:off x="5184643" y="5008857"/>
+            <a:ext cx="415498" cy="369332"/>
+          </a:xfrm>
+          <a:prstGeom prst="rect">
+            <a:avLst/>
+          </a:prstGeom>
+          <a:noFill/>
+        </p:spPr>
+        <p:txBody>
+          <a:bodyPr wrap="none" rtlCol="0">
+            <a:spAutoFit/>
+          </a:bodyPr>
+          <a:lstStyle/>
+          <a:p>
+            <a:r>
+              <a:rPr lang="zh-CN" altLang="en-US" dirty="0"/>
+              <a:t>是</a:t>
+            </a:r>
+          </a:p>
+        </p:txBody>
+      </p:sp>
+      <p:sp>
+        <p:nvSpPr>
+          <p:cNvPr id="79" name="文本框 78">
+            <a:extLst>
+              <a:ext uri="{FF2B5EF4-FFF2-40B4-BE49-F238E27FC236}">
+                <a16:creationId xmlns:a16="http://schemas.microsoft.com/office/drawing/2014/main" id="{DCD9525B-B31A-46E3-954C-C9B80C9E147E}"/>
+              </a:ext>
+            </a:extLst>
+          </p:cNvPr>
+          <p:cNvSpPr txBox="1"/>
+          <p:nvPr/>
+        </p:nvSpPr>
+        <p:spPr>
+          <a:xfrm>
+            <a:off x="5487660" y="4437027"/>
+            <a:ext cx="1124155" cy="646331"/>
+          </a:xfrm>
+          <a:prstGeom prst="rect">
+            <a:avLst/>
+          </a:prstGeom>
+          <a:noFill/>
+        </p:spPr>
+        <p:txBody>
+          <a:bodyPr wrap="square" rtlCol="0">
+            <a:spAutoFit/>
+          </a:bodyPr>
+          <a:lstStyle/>
+          <a:p>
+            <a:r>
+              <a:rPr lang="zh-CN" altLang="en-US" sz="1200" dirty="0">
+                <a:solidFill>
+                  <a:srgbClr val="C00000"/>
+                </a:solidFill>
+              </a:rPr>
+              <a:t>创建计算请求发往下一分块计算单元</a:t>
+            </a:r>
+            <a:endParaRPr lang="en-US" altLang="zh-CN" sz="1200" dirty="0">
+              <a:solidFill>
+                <a:srgbClr val="C00000"/>
+              </a:solidFill>
+            </a:endParaRPr>
+          </a:p>
+        </p:txBody>
+      </p:sp>
+      <p:sp>
+        <p:nvSpPr>
+          <p:cNvPr id="80" name="文本框 79">
+            <a:extLst>
+              <a:ext uri="{FF2B5EF4-FFF2-40B4-BE49-F238E27FC236}">
+                <a16:creationId xmlns:a16="http://schemas.microsoft.com/office/drawing/2014/main" id="{CD332722-3AD3-4CFF-9957-EB30F8E04908}"/>
+              </a:ext>
+            </a:extLst>
+          </p:cNvPr>
+          <p:cNvSpPr txBox="1"/>
+          <p:nvPr/>
+        </p:nvSpPr>
+        <p:spPr>
+          <a:xfrm>
+            <a:off x="5483113" y="6010166"/>
+            <a:ext cx="1124155" cy="646331"/>
+          </a:xfrm>
+          <a:prstGeom prst="rect">
+            <a:avLst/>
+          </a:prstGeom>
+          <a:noFill/>
+        </p:spPr>
+        <p:txBody>
+          <a:bodyPr wrap="square" rtlCol="0">
+            <a:spAutoFit/>
+          </a:bodyPr>
+          <a:lstStyle/>
+          <a:p>
+            <a:r>
+              <a:rPr lang="zh-CN" altLang="en-US" sz="1200" dirty="0">
+                <a:solidFill>
+                  <a:srgbClr val="C00000"/>
+                </a:solidFill>
+              </a:rPr>
+              <a:t>转发下一分块计算单元的计算结果</a:t>
+            </a:r>
+            <a:endParaRPr lang="en-US" altLang="zh-CN" sz="1200" dirty="0">
+              <a:solidFill>
+                <a:srgbClr val="C00000"/>
+              </a:solidFill>
+            </a:endParaRPr>
+          </a:p>
+        </p:txBody>
+      </p:sp>
+      <p:sp>
+        <p:nvSpPr>
+          <p:cNvPr id="81" name="文本框 80">
+            <a:extLst>
+              <a:ext uri="{FF2B5EF4-FFF2-40B4-BE49-F238E27FC236}">
+                <a16:creationId xmlns:a16="http://schemas.microsoft.com/office/drawing/2014/main" id="{9BD78FC4-DE00-4AD6-BB52-AA05E06C687D}"/>
+              </a:ext>
+            </a:extLst>
+          </p:cNvPr>
+          <p:cNvSpPr txBox="1"/>
+          <p:nvPr/>
+        </p:nvSpPr>
+        <p:spPr>
+          <a:xfrm>
+            <a:off x="2228547" y="5885833"/>
+            <a:ext cx="1124155" cy="276999"/>
+          </a:xfrm>
+          <a:prstGeom prst="rect">
+            <a:avLst/>
+          </a:prstGeom>
+          <a:noFill/>
+        </p:spPr>
+        <p:txBody>
+          <a:bodyPr wrap="square" rtlCol="0">
+            <a:spAutoFit/>
+          </a:bodyPr>
+          <a:lstStyle/>
+          <a:p>
+            <a:r>
+              <a:rPr lang="zh-CN" altLang="en-US" sz="1200" dirty="0">
+                <a:solidFill>
+                  <a:srgbClr val="C00000"/>
+                </a:solidFill>
+              </a:rPr>
+              <a:t>返回计算结果</a:t>
+            </a:r>
+            <a:endParaRPr lang="en-US" altLang="zh-CN" sz="1200" dirty="0">
+              <a:solidFill>
+                <a:srgbClr val="C00000"/>
+              </a:solidFill>
+            </a:endParaRPr>
+          </a:p>
+        </p:txBody>
+      </p:sp>
+      <p:sp>
+        <p:nvSpPr>
+          <p:cNvPr id="82" name="文本框 81">
+            <a:extLst>
+              <a:ext uri="{FF2B5EF4-FFF2-40B4-BE49-F238E27FC236}">
+                <a16:creationId xmlns:a16="http://schemas.microsoft.com/office/drawing/2014/main" id="{BF25B35E-8537-4138-BE92-F9CC0771E106}"/>
+              </a:ext>
+            </a:extLst>
+          </p:cNvPr>
+          <p:cNvSpPr txBox="1"/>
+          <p:nvPr/>
+        </p:nvSpPr>
+        <p:spPr>
+          <a:xfrm>
+            <a:off x="3205080" y="1989406"/>
+            <a:ext cx="1260621" cy="369332"/>
+          </a:xfrm>
+          <a:prstGeom prst="rect">
+            <a:avLst/>
+          </a:prstGeom>
+          <a:noFill/>
+        </p:spPr>
+        <p:txBody>
+          <a:bodyPr wrap="square">
+            <a:spAutoFit/>
+          </a:bodyPr>
+          <a:lstStyle/>
+          <a:p>
+            <a:pPr algn="ctr"/>
+            <a:r>
+              <a:rPr lang="en-US" altLang="zh-CN" sz="1800" dirty="0"/>
+              <a:t>AMQP</a:t>
+            </a:r>
+            <a:r>
+              <a:rPr lang="zh-CN" altLang="en-US" sz="1800" dirty="0"/>
+              <a:t>协议</a:t>
+            </a:r>
+            <a:endParaRPr lang="zh-CN" altLang="en-US" dirty="0"/>
+          </a:p>
+        </p:txBody>
+      </p:sp>
+      <p:sp>
+        <p:nvSpPr>
+          <p:cNvPr id="83" name="文本框 82">
+            <a:extLst>
+              <a:ext uri="{FF2B5EF4-FFF2-40B4-BE49-F238E27FC236}">
+                <a16:creationId xmlns:a16="http://schemas.microsoft.com/office/drawing/2014/main" id="{46E64CEF-6AE0-495D-9351-02FAF86C214E}"/>
+              </a:ext>
+            </a:extLst>
+          </p:cNvPr>
+          <p:cNvSpPr txBox="1"/>
+          <p:nvPr/>
+        </p:nvSpPr>
+        <p:spPr>
+          <a:xfrm>
+            <a:off x="3189456" y="4385581"/>
+            <a:ext cx="1260621" cy="369332"/>
+          </a:xfrm>
+          <a:prstGeom prst="rect">
+            <a:avLst/>
+          </a:prstGeom>
+          <a:noFill/>
+        </p:spPr>
+        <p:txBody>
+          <a:bodyPr wrap="square">
+            <a:spAutoFit/>
+          </a:bodyPr>
+          <a:lstStyle/>
+          <a:p>
+            <a:pPr algn="ctr"/>
+            <a:r>
+              <a:rPr lang="en-US" altLang="zh-CN" sz="1800" dirty="0"/>
+              <a:t>AMQP</a:t>
+            </a:r>
+            <a:r>
+              <a:rPr lang="zh-CN" altLang="en-US" sz="1800" dirty="0"/>
+              <a:t>协议</a:t>
+            </a:r>
+            <a:endParaRPr lang="zh-CN" altLang="en-US" dirty="0"/>
+          </a:p>
+        </p:txBody>
+      </p:sp>
+      <p:sp>
+        <p:nvSpPr>
+          <p:cNvPr id="84" name="文本框 83">
+            <a:extLst>
+              <a:ext uri="{FF2B5EF4-FFF2-40B4-BE49-F238E27FC236}">
+                <a16:creationId xmlns:a16="http://schemas.microsoft.com/office/drawing/2014/main" id="{C0180F88-15D3-4C52-9EBC-CD17D26CCD83}"/>
+              </a:ext>
+            </a:extLst>
+          </p:cNvPr>
+          <p:cNvSpPr txBox="1"/>
+          <p:nvPr/>
+        </p:nvSpPr>
+        <p:spPr>
+          <a:xfrm>
+            <a:off x="4148967" y="6116200"/>
+            <a:ext cx="888624" cy="369332"/>
+          </a:xfrm>
+          <a:prstGeom prst="rect">
+            <a:avLst/>
+          </a:prstGeom>
+          <a:noFill/>
+        </p:spPr>
+        <p:txBody>
+          <a:bodyPr wrap="square">
+            <a:spAutoFit/>
+          </a:bodyPr>
+          <a:lstStyle/>
+          <a:p>
+            <a:pPr algn="ctr"/>
             <a:r>
               <a:rPr lang="en-US" altLang="zh-CN" dirty="0"/>
-              <a:t>CPU</a:t>
-            </a:r>
-            <a:r>
-              <a:rPr lang="zh-CN" altLang="en-US" dirty="0"/>
-              <a:t>和内存资源，特点：</a:t>
-            </a:r>
-            <a:endParaRPr lang="en-US" altLang="zh-CN" dirty="0"/>
-          </a:p>
-          <a:p>
-            <a:pPr lvl="1"/>
-            <a:r>
-              <a:rPr lang="zh-CN" altLang="en-US" dirty="0"/>
-              <a:t>每个计算任务只能交由一台设备处理</a:t>
-            </a:r>
-            <a:endParaRPr lang="en-US" altLang="zh-CN" dirty="0"/>
-          </a:p>
-          <a:p>
-            <a:pPr lvl="1"/>
-            <a:r>
-              <a:rPr lang="zh-CN" altLang="en-US" dirty="0"/>
-              <a:t>可以证明</a:t>
-            </a:r>
+              <a:t>Node.js</a:t>
+            </a:r>
+          </a:p>
+        </p:txBody>
+      </p:sp>
+      <p:sp>
+        <p:nvSpPr>
+          <p:cNvPr id="85" name="文本框 84">
+            <a:extLst>
+              <a:ext uri="{FF2B5EF4-FFF2-40B4-BE49-F238E27FC236}">
+                <a16:creationId xmlns:a16="http://schemas.microsoft.com/office/drawing/2014/main" id="{7B642E37-6BA5-46B8-AC37-21E538731297}"/>
+              </a:ext>
+            </a:extLst>
+          </p:cNvPr>
+          <p:cNvSpPr txBox="1"/>
+          <p:nvPr/>
+        </p:nvSpPr>
+        <p:spPr>
+          <a:xfrm>
+            <a:off x="4158449" y="522007"/>
+            <a:ext cx="888624" cy="369332"/>
+          </a:xfrm>
+          <a:prstGeom prst="rect">
+            <a:avLst/>
+          </a:prstGeom>
+          <a:noFill/>
+        </p:spPr>
+        <p:txBody>
+          <a:bodyPr wrap="square">
+            <a:spAutoFit/>
+          </a:bodyPr>
+          <a:lstStyle/>
+          <a:p>
+            <a:pPr algn="ctr"/>
             <a:r>
               <a:rPr lang="en-US" altLang="zh-CN" dirty="0"/>
-              <a:t>CPU</a:t>
-            </a:r>
-            <a:r>
-              <a:rPr lang="zh-CN" altLang="en-US" dirty="0"/>
-              <a:t>抢占和时间片轮转对于平均性能的提升无意义</a:t>
-            </a:r>
-            <a:endParaRPr lang="en-US" altLang="zh-CN" dirty="0"/>
-          </a:p>
-          <a:p>
-            <a:pPr lvl="1"/>
-            <a:r>
-              <a:rPr lang="zh-CN" altLang="en-US" dirty="0"/>
-              <a:t>失去了</a:t>
-            </a:r>
-            <a:r>
-              <a:rPr lang="en-US" altLang="zh-CN" dirty="0"/>
-              <a:t>CPU</a:t>
-            </a:r>
-            <a:r>
-              <a:rPr lang="zh-CN" altLang="en-US" dirty="0"/>
-              <a:t>抢占和时间片轮转，讨论内存分配也没有意义</a:t>
-            </a:r>
-            <a:endParaRPr lang="en-US" altLang="zh-CN" dirty="0"/>
-          </a:p>
-          <a:p>
-            <a:r>
-              <a:rPr lang="zh-CN" altLang="en-US" dirty="0"/>
-              <a:t>似乎没有可以可以优化的点</a:t>
-            </a:r>
-            <a:endParaRPr lang="en-US" altLang="zh-CN" dirty="0"/>
-          </a:p>
-          <a:p>
-            <a:pPr lvl="1"/>
-            <a:r>
-              <a:rPr lang="zh-CN" altLang="en-US" dirty="0"/>
-              <a:t>可能需要增加设定或改变优化目标</a:t>
-            </a:r>
-            <a:endParaRPr lang="en-US" altLang="zh-CN" dirty="0"/>
-          </a:p>
-          <a:p>
-            <a:pPr lvl="1"/>
-            <a:endParaRPr lang="en-US" altLang="zh-CN" dirty="0"/>
+              <a:t>Python</a:t>
+            </a:r>
           </a:p>
         </p:txBody>
       </p:sp>
     </p:spTree>
     <p:extLst>
       <p:ext uri="{BB962C8B-B14F-4D97-AF65-F5344CB8AC3E}">
-        <p14:creationId xmlns:p14="http://schemas.microsoft.com/office/powerpoint/2010/main" val="3114036938"/>
+        <p14:creationId xmlns:p14="http://schemas.microsoft.com/office/powerpoint/2010/main" val="2001903206"/>
       </p:ext>
     </p:extLst>
   </p:cSld>
@@ -5936,7 +9125,7 @@
           <p:cNvPr id="2" name="标题 1">
             <a:extLst>
               <a:ext uri="{FF2B5EF4-FFF2-40B4-BE49-F238E27FC236}">
-                <a16:creationId xmlns:a16="http://schemas.microsoft.com/office/drawing/2014/main" id="{115DC51D-D476-47CB-B7E2-55A2712EFC49}"/>
+                <a16:creationId xmlns:a16="http://schemas.microsoft.com/office/drawing/2014/main" id="{AA7B8389-8CA4-433D-9C25-A0A0143EFA34}"/>
               </a:ext>
             </a:extLst>
           </p:cNvPr>
@@ -5949,32 +9138,22 @@
         </p:nvSpPr>
         <p:spPr/>
         <p:txBody>
-          <a:bodyPr>
-            <a:normAutofit/>
-          </a:bodyPr>
+          <a:bodyPr/>
           <a:lstStyle/>
           <a:p>
             <a:r>
               <a:rPr lang="zh-CN" altLang="en-US" dirty="0"/>
-              <a:t>项目实现过程中的思考 </a:t>
-            </a:r>
-            <a:r>
-              <a:rPr lang="en-US" altLang="zh-CN" dirty="0"/>
-              <a:t>- </a:t>
-            </a:r>
-            <a:r>
-              <a:rPr lang="zh-CN" altLang="en-US" dirty="0"/>
-              <a:t>边缘计算中心内部的任务分派</a:t>
-            </a:r>
-          </a:p>
-        </p:txBody>
-      </p:sp>
-      <p:sp>
-        <p:nvSpPr>
-          <p:cNvPr id="3" name="内容占位符 2">
-            <a:extLst>
-              <a:ext uri="{FF2B5EF4-FFF2-40B4-BE49-F238E27FC236}">
-                <a16:creationId xmlns:a16="http://schemas.microsoft.com/office/drawing/2014/main" id="{17EC72B3-39DB-47F2-AB3E-AC9EE68FDD5A}"/>
+              <a:t>封装部署</a:t>
+            </a:r>
+          </a:p>
+        </p:txBody>
+      </p:sp>
+      <p:sp>
+        <p:nvSpPr>
+          <p:cNvPr id="3" name="文本占位符 2">
+            <a:extLst>
+              <a:ext uri="{FF2B5EF4-FFF2-40B4-BE49-F238E27FC236}">
+                <a16:creationId xmlns:a16="http://schemas.microsoft.com/office/drawing/2014/main" id="{D80BE589-111F-449A-80FB-7C874CE64373}"/>
               </a:ext>
             </a:extLst>
           </p:cNvPr>
@@ -5982,95 +9161,26 @@
             <a:spLocks noGrp="1"/>
           </p:cNvSpPr>
           <p:nvPr>
-            <p:ph idx="1"/>
+            <p:ph type="body" idx="1"/>
           </p:nvPr>
         </p:nvSpPr>
         <p:spPr/>
         <p:txBody>
-          <a:bodyPr>
-            <a:normAutofit/>
-          </a:bodyPr>
+          <a:bodyPr/>
           <a:lstStyle/>
           <a:p>
             <a:r>
-              <a:rPr lang="zh-CN" altLang="en-US" dirty="0"/>
-              <a:t>边缘计算中心内部的任务分派的特点：</a:t>
-            </a:r>
-            <a:endParaRPr lang="en-US" altLang="zh-CN" dirty="0"/>
-          </a:p>
-          <a:p>
-            <a:pPr lvl="1"/>
-            <a:r>
-              <a:rPr lang="zh-CN" altLang="en-US" dirty="0"/>
-              <a:t>当前架构假定边缘计算中心内部网络良好</a:t>
-            </a:r>
-            <a:endParaRPr lang="en-US" altLang="zh-CN" dirty="0"/>
-          </a:p>
-          <a:p>
-            <a:pPr lvl="1"/>
-            <a:r>
-              <a:rPr lang="zh-CN" altLang="en-US" dirty="0"/>
-              <a:t>因此可以使用一个队列为多台机器分派任务</a:t>
-            </a:r>
-            <a:endParaRPr lang="en-US" altLang="zh-CN" dirty="0"/>
-          </a:p>
-          <a:p>
-            <a:pPr lvl="1"/>
-            <a:r>
-              <a:rPr lang="zh-CN" altLang="en-US" dirty="0"/>
-              <a:t>进而抽象模型就是一个</a:t>
-            </a:r>
-            <a:r>
-              <a:rPr lang="en-US" altLang="zh-CN" dirty="0" err="1"/>
-              <a:t>M|M|m|n</a:t>
-            </a:r>
-            <a:r>
-              <a:rPr lang="zh-CN" altLang="en-US" dirty="0"/>
-              <a:t>队列</a:t>
-            </a:r>
-            <a:endParaRPr lang="en-US" altLang="zh-CN" dirty="0"/>
-          </a:p>
-          <a:p>
-            <a:r>
-              <a:rPr lang="zh-CN" altLang="en-US" dirty="0"/>
-              <a:t>似乎不存在计算任务分派时负载均衡的问题</a:t>
-            </a:r>
-            <a:endParaRPr lang="en-US" altLang="zh-CN" dirty="0"/>
-          </a:p>
-          <a:p>
-            <a:pPr lvl="1"/>
-            <a:r>
-              <a:rPr lang="zh-CN" altLang="en-US" dirty="0"/>
-              <a:t>可能需要增加设定或改变优化目标</a:t>
-            </a:r>
-            <a:endParaRPr lang="en-US" altLang="zh-CN" dirty="0"/>
-          </a:p>
-          <a:p>
-            <a:pPr lvl="1"/>
-            <a:r>
-              <a:rPr lang="en-US" altLang="zh-CN" dirty="0" err="1"/>
-              <a:t>M|M|m|n</a:t>
-            </a:r>
-            <a:r>
-              <a:rPr lang="zh-CN" altLang="en-US" dirty="0"/>
-              <a:t>队列中</a:t>
-            </a:r>
-            <a:r>
               <a:rPr lang="en-US" altLang="zh-CN" dirty="0"/>
-              <a:t>m</a:t>
-            </a:r>
-            <a:r>
-              <a:rPr lang="zh-CN" altLang="en-US" dirty="0"/>
-              <a:t>个服务能力不同的情况？</a:t>
-            </a:r>
-            <a:endParaRPr lang="en-US" altLang="zh-CN" dirty="0"/>
+              <a:t>Deployment</a:t>
+            </a:r>
+            <a:endParaRPr lang="zh-CN" altLang="en-US" dirty="0"/>
           </a:p>
         </p:txBody>
       </p:sp>
     </p:spTree>
     <p:extLst>
       <p:ext uri="{BB962C8B-B14F-4D97-AF65-F5344CB8AC3E}">
-        <p14:creationId xmlns:p14="http://schemas.microsoft.com/office/powerpoint/2010/main" val="2031965791"/>
+        <p14:creationId xmlns:p14="http://schemas.microsoft.com/office/powerpoint/2010/main" val="1716423386"/>
       </p:ext>
     </p:extLst>
   </p:cSld>
@@ -6115,22 +9225,12 @@
         </p:nvSpPr>
         <p:spPr/>
         <p:txBody>
-          <a:bodyPr>
-            <a:normAutofit/>
-          </a:bodyPr>
+          <a:bodyPr/>
           <a:lstStyle/>
           <a:p>
             <a:r>
               <a:rPr lang="zh-CN" altLang="en-US" dirty="0"/>
-              <a:t>项目实现过程中的思考 </a:t>
-            </a:r>
-            <a:r>
-              <a:rPr lang="en-US" altLang="zh-CN" dirty="0"/>
-              <a:t>- </a:t>
-            </a:r>
-            <a:r>
-              <a:rPr lang="zh-CN" altLang="en-US" dirty="0"/>
-              <a:t>边缘计算中心间的任务分派</a:t>
+              <a:t>封装方案</a:t>
             </a:r>
           </a:p>
         </p:txBody>
@@ -6160,7 +9260,15 @@
           <a:p>
             <a:r>
               <a:rPr lang="zh-CN" altLang="en-US" dirty="0"/>
-              <a:t>边缘计算中心间的任务分派的特点：</a:t>
+              <a:t>传输层容器（</a:t>
+            </a:r>
+            <a:r>
+              <a:rPr lang="en-US" altLang="zh-CN" dirty="0"/>
+              <a:t>amd64+arm64v8</a:t>
+            </a:r>
+            <a:r>
+              <a:rPr lang="zh-CN" altLang="en-US" dirty="0"/>
+              <a:t>）</a:t>
             </a:r>
             <a:endParaRPr lang="en-US" altLang="zh-CN" dirty="0"/>
           </a:p>
@@ -6168,7 +9276,1051 @@
             <a:pPr lvl="1"/>
             <a:r>
               <a:rPr lang="zh-CN" altLang="en-US" dirty="0"/>
-              <a:t>边缘计算中心抽象模型是一个</a:t>
+              <a:t>基础：</a:t>
+            </a:r>
+            <a:r>
+              <a:rPr lang="en-US" altLang="zh-CN" dirty="0"/>
+              <a:t>node:12-stretch</a:t>
+            </a:r>
+          </a:p>
+          <a:p>
+            <a:pPr lvl="1"/>
+            <a:r>
+              <a:rPr lang="zh-CN" altLang="en-US" dirty="0"/>
+              <a:t>第三方库：</a:t>
+            </a:r>
+            <a:r>
+              <a:rPr lang="en-US" altLang="zh-CN" dirty="0" err="1"/>
+              <a:t>amqplib</a:t>
+            </a:r>
+            <a:r>
+              <a:rPr lang="zh-CN" altLang="en-US" dirty="0"/>
+              <a:t>、</a:t>
+            </a:r>
+            <a:r>
+              <a:rPr lang="en-US" altLang="zh-CN" dirty="0" err="1"/>
+              <a:t>grpc</a:t>
+            </a:r>
+            <a:endParaRPr lang="en-US" altLang="zh-CN" dirty="0"/>
+          </a:p>
+          <a:p>
+            <a:pPr lvl="1"/>
+            <a:r>
+              <a:rPr lang="zh-CN" altLang="en-US" dirty="0"/>
+              <a:t>传输层程序脚本</a:t>
+            </a:r>
+            <a:endParaRPr lang="en-US" altLang="zh-CN" dirty="0"/>
+          </a:p>
+          <a:p>
+            <a:r>
+              <a:rPr lang="zh-CN" altLang="en-US" dirty="0"/>
+              <a:t>计算层容器（</a:t>
+            </a:r>
+            <a:r>
+              <a:rPr lang="en-US" altLang="zh-CN" dirty="0"/>
+              <a:t>amd64+arm64v8</a:t>
+            </a:r>
+            <a:r>
+              <a:rPr lang="zh-CN" altLang="en-US" dirty="0"/>
+              <a:t>）</a:t>
+            </a:r>
+            <a:endParaRPr lang="en-US" altLang="zh-CN" dirty="0"/>
+          </a:p>
+          <a:p>
+            <a:pPr lvl="1"/>
+            <a:r>
+              <a:rPr lang="zh-CN" altLang="en-US" dirty="0"/>
+              <a:t>基础： </a:t>
+            </a:r>
+            <a:r>
+              <a:rPr lang="en-US" altLang="zh-CN" dirty="0"/>
+              <a:t>python:3.7.9-slim-buster</a:t>
+            </a:r>
+          </a:p>
+          <a:p>
+            <a:pPr lvl="1"/>
+            <a:r>
+              <a:rPr lang="zh-CN" altLang="en-US" dirty="0"/>
+              <a:t>第三方库：</a:t>
+            </a:r>
+            <a:r>
+              <a:rPr lang="en-US" altLang="zh-CN" dirty="0"/>
+              <a:t>pika</a:t>
+            </a:r>
+            <a:r>
+              <a:rPr lang="zh-CN" altLang="en-US" dirty="0"/>
+              <a:t>、</a:t>
+            </a:r>
+            <a:r>
+              <a:rPr lang="en-US" altLang="zh-CN" dirty="0" err="1"/>
+              <a:t>grpcio</a:t>
+            </a:r>
+            <a:r>
+              <a:rPr lang="zh-CN" altLang="en-US" dirty="0"/>
+              <a:t>、</a:t>
+            </a:r>
+            <a:r>
+              <a:rPr lang="en-US" altLang="zh-CN" dirty="0" err="1"/>
+              <a:t>pytorch</a:t>
+            </a:r>
+            <a:endParaRPr lang="en-US" altLang="zh-CN" dirty="0"/>
+          </a:p>
+          <a:p>
+            <a:pPr lvl="1"/>
+            <a:r>
+              <a:rPr lang="zh-CN" altLang="en-US" dirty="0"/>
+              <a:t>计算层程序脚本</a:t>
+            </a:r>
+            <a:endParaRPr lang="en-US" altLang="zh-CN" dirty="0"/>
+          </a:p>
+          <a:p>
+            <a:r>
+              <a:rPr lang="en-US" altLang="zh-CN" dirty="0"/>
+              <a:t>RabbitMQ</a:t>
+            </a:r>
+            <a:r>
+              <a:rPr lang="zh-CN" altLang="en-US" dirty="0"/>
+              <a:t>队列容器（</a:t>
+            </a:r>
+            <a:r>
+              <a:rPr lang="en-US" altLang="zh-CN" dirty="0"/>
+              <a:t>amd64+arm64v8</a:t>
+            </a:r>
+            <a:r>
+              <a:rPr lang="zh-CN" altLang="en-US" dirty="0"/>
+              <a:t>）</a:t>
+            </a:r>
+            <a:endParaRPr lang="en-US" altLang="zh-CN" dirty="0"/>
+          </a:p>
+          <a:p>
+            <a:pPr lvl="1"/>
+            <a:r>
+              <a:rPr lang="en-US" altLang="zh-CN" dirty="0" err="1"/>
+              <a:t>rabbitmq:alpine</a:t>
+            </a:r>
+            <a:endParaRPr lang="en-US" altLang="zh-CN" dirty="0"/>
+          </a:p>
+        </p:txBody>
+      </p:sp>
+    </p:spTree>
+    <p:extLst>
+      <p:ext uri="{BB962C8B-B14F-4D97-AF65-F5344CB8AC3E}">
+        <p14:creationId xmlns:p14="http://schemas.microsoft.com/office/powerpoint/2010/main" val="1820276335"/>
+      </p:ext>
+    </p:extLst>
+  </p:cSld>
+  <p:clrMapOvr>
+    <a:masterClrMapping/>
+  </p:clrMapOvr>
+</p:sld>
+</file>
+
+<file path=ppt/slides/slide14.xml><?xml version="1.0" encoding="utf-8"?>
+<p:sld xmlns:a="http://schemas.openxmlformats.org/drawingml/2006/main" xmlns:r="http://schemas.openxmlformats.org/officeDocument/2006/relationships" xmlns:p="http://schemas.openxmlformats.org/presentationml/2006/main">
+  <p:cSld>
+    <p:spTree>
+      <p:nvGrpSpPr>
+        <p:cNvPr id="1" name=""/>
+        <p:cNvGrpSpPr/>
+        <p:nvPr/>
+      </p:nvGrpSpPr>
+      <p:grpSpPr>
+        <a:xfrm>
+          <a:off x="0" y="0"/>
+          <a:ext cx="0" cy="0"/>
+          <a:chOff x="0" y="0"/>
+          <a:chExt cx="0" cy="0"/>
+        </a:xfrm>
+      </p:grpSpPr>
+      <p:sp>
+        <p:nvSpPr>
+          <p:cNvPr id="2" name="标题 1">
+            <a:extLst>
+              <a:ext uri="{FF2B5EF4-FFF2-40B4-BE49-F238E27FC236}">
+                <a16:creationId xmlns:a16="http://schemas.microsoft.com/office/drawing/2014/main" id="{115DC51D-D476-47CB-B7E2-55A2712EFC49}"/>
+              </a:ext>
+            </a:extLst>
+          </p:cNvPr>
+          <p:cNvSpPr>
+            <a:spLocks noGrp="1"/>
+          </p:cNvSpPr>
+          <p:nvPr>
+            <p:ph type="title"/>
+          </p:nvPr>
+        </p:nvSpPr>
+        <p:spPr/>
+        <p:txBody>
+          <a:bodyPr/>
+          <a:lstStyle/>
+          <a:p>
+            <a:r>
+              <a:rPr lang="zh-CN" altLang="en-US" dirty="0"/>
+              <a:t>部署方案</a:t>
+            </a:r>
+          </a:p>
+        </p:txBody>
+      </p:sp>
+      <p:sp>
+        <p:nvSpPr>
+          <p:cNvPr id="3" name="内容占位符 2">
+            <a:extLst>
+              <a:ext uri="{FF2B5EF4-FFF2-40B4-BE49-F238E27FC236}">
+                <a16:creationId xmlns:a16="http://schemas.microsoft.com/office/drawing/2014/main" id="{17EC72B3-39DB-47F2-AB3E-AC9EE68FDD5A}"/>
+              </a:ext>
+            </a:extLst>
+          </p:cNvPr>
+          <p:cNvSpPr>
+            <a:spLocks noGrp="1"/>
+          </p:cNvSpPr>
+          <p:nvPr>
+            <p:ph idx="1"/>
+          </p:nvPr>
+        </p:nvSpPr>
+        <p:spPr/>
+        <p:txBody>
+          <a:bodyPr>
+            <a:normAutofit/>
+          </a:bodyPr>
+          <a:lstStyle/>
+          <a:p>
+            <a:r>
+              <a:rPr lang="zh-CN" altLang="en-US" dirty="0"/>
+              <a:t>台式机上部署</a:t>
+            </a:r>
+            <a:r>
+              <a:rPr lang="en-US" altLang="zh-CN" dirty="0"/>
+              <a:t>Kubernetes</a:t>
+            </a:r>
+            <a:r>
+              <a:rPr lang="zh-CN" altLang="en-US" dirty="0"/>
+              <a:t>、树莓派上部署</a:t>
+            </a:r>
+            <a:r>
+              <a:rPr lang="en-US" altLang="zh-CN" dirty="0" err="1"/>
+              <a:t>KubeEdge</a:t>
+            </a:r>
+            <a:endParaRPr lang="en-US" altLang="zh-CN" dirty="0"/>
+          </a:p>
+          <a:p>
+            <a:r>
+              <a:rPr lang="zh-CN" altLang="en-US" dirty="0"/>
+              <a:t>将服务部署在指定位置</a:t>
+            </a:r>
+            <a:endParaRPr lang="en-US" altLang="zh-CN" dirty="0"/>
+          </a:p>
+          <a:p>
+            <a:pPr lvl="1"/>
+            <a:r>
+              <a:rPr lang="zh-CN" altLang="en-US" dirty="0"/>
+              <a:t>在</a:t>
+            </a:r>
+            <a:r>
+              <a:rPr lang="en-US" altLang="zh-CN" dirty="0"/>
+              <a:t>Kubernetes</a:t>
+            </a:r>
+            <a:r>
+              <a:rPr lang="zh-CN" altLang="en-US" dirty="0"/>
+              <a:t>中为台式机和树莓派打上标签</a:t>
+            </a:r>
+            <a:endParaRPr lang="en-US" altLang="zh-CN" dirty="0"/>
+          </a:p>
+          <a:p>
+            <a:pPr lvl="1"/>
+            <a:r>
+              <a:rPr lang="zh-CN" altLang="en-US" dirty="0"/>
+              <a:t>部署</a:t>
+            </a:r>
+            <a:r>
+              <a:rPr lang="en-US" altLang="zh-CN" dirty="0"/>
+              <a:t>Pod</a:t>
+            </a:r>
+            <a:r>
+              <a:rPr lang="zh-CN" altLang="en-US" dirty="0"/>
+              <a:t>时设置</a:t>
+            </a:r>
+            <a:r>
+              <a:rPr lang="en-US" altLang="zh-CN" dirty="0" err="1"/>
+              <a:t>NodeAffinity</a:t>
+            </a:r>
+            <a:endParaRPr lang="en-US" altLang="zh-CN" dirty="0"/>
+          </a:p>
+          <a:p>
+            <a:r>
+              <a:rPr lang="zh-CN" altLang="en-US" dirty="0"/>
+              <a:t>自动冗余部署</a:t>
+            </a:r>
+            <a:endParaRPr lang="en-US" altLang="zh-CN" dirty="0"/>
+          </a:p>
+          <a:p>
+            <a:pPr lvl="1"/>
+            <a:r>
+              <a:rPr lang="zh-CN" altLang="en-US" dirty="0"/>
+              <a:t>在</a:t>
+            </a:r>
+            <a:r>
+              <a:rPr lang="en-US" altLang="zh-CN" dirty="0"/>
+              <a:t>Deployment</a:t>
+            </a:r>
+            <a:r>
+              <a:rPr lang="zh-CN" altLang="en-US" dirty="0"/>
+              <a:t>中设置副本数量</a:t>
+            </a:r>
+            <a:endParaRPr lang="en-US" altLang="zh-CN" dirty="0"/>
+          </a:p>
+          <a:p>
+            <a:r>
+              <a:rPr lang="zh-CN" altLang="en-US" dirty="0"/>
+              <a:t>冗余服务间负载均衡</a:t>
+            </a:r>
+            <a:endParaRPr lang="en-US" altLang="zh-CN" dirty="0"/>
+          </a:p>
+          <a:p>
+            <a:pPr lvl="1"/>
+            <a:r>
+              <a:rPr lang="zh-CN" altLang="en-US" dirty="0"/>
+              <a:t>使用</a:t>
+            </a:r>
+            <a:r>
+              <a:rPr lang="en-US" altLang="zh-CN" dirty="0"/>
+              <a:t>Kubernetes</a:t>
+            </a:r>
+            <a:r>
+              <a:rPr lang="zh-CN" altLang="en-US" dirty="0"/>
+              <a:t>中的</a:t>
+            </a:r>
+            <a:r>
+              <a:rPr lang="en-US" altLang="zh-CN" dirty="0"/>
+              <a:t>Service</a:t>
+            </a:r>
+            <a:r>
+              <a:rPr lang="zh-CN" altLang="en-US" dirty="0"/>
+              <a:t>功能</a:t>
+            </a:r>
+            <a:endParaRPr lang="en-US" altLang="zh-CN" dirty="0"/>
+          </a:p>
+        </p:txBody>
+      </p:sp>
+    </p:spTree>
+    <p:extLst>
+      <p:ext uri="{BB962C8B-B14F-4D97-AF65-F5344CB8AC3E}">
+        <p14:creationId xmlns:p14="http://schemas.microsoft.com/office/powerpoint/2010/main" val="2184803808"/>
+      </p:ext>
+    </p:extLst>
+  </p:cSld>
+  <p:clrMapOvr>
+    <a:masterClrMapping/>
+  </p:clrMapOvr>
+</p:sld>
+</file>
+
+<file path=ppt/slides/slide15.xml><?xml version="1.0" encoding="utf-8"?>
+<p:sld xmlns:a="http://schemas.openxmlformats.org/drawingml/2006/main" xmlns:r="http://schemas.openxmlformats.org/officeDocument/2006/relationships" xmlns:p="http://schemas.openxmlformats.org/presentationml/2006/main">
+  <p:cSld>
+    <p:spTree>
+      <p:nvGrpSpPr>
+        <p:cNvPr id="1" name=""/>
+        <p:cNvGrpSpPr/>
+        <p:nvPr/>
+      </p:nvGrpSpPr>
+      <p:grpSpPr>
+        <a:xfrm>
+          <a:off x="0" y="0"/>
+          <a:ext cx="0" cy="0"/>
+          <a:chOff x="0" y="0"/>
+          <a:chExt cx="0" cy="0"/>
+        </a:xfrm>
+      </p:grpSpPr>
+      <p:sp>
+        <p:nvSpPr>
+          <p:cNvPr id="2" name="标题 1">
+            <a:extLst>
+              <a:ext uri="{FF2B5EF4-FFF2-40B4-BE49-F238E27FC236}">
+                <a16:creationId xmlns:a16="http://schemas.microsoft.com/office/drawing/2014/main" id="{AA7B8389-8CA4-433D-9C25-A0A0143EFA34}"/>
+              </a:ext>
+            </a:extLst>
+          </p:cNvPr>
+          <p:cNvSpPr>
+            <a:spLocks noGrp="1"/>
+          </p:cNvSpPr>
+          <p:nvPr>
+            <p:ph type="title"/>
+          </p:nvPr>
+        </p:nvSpPr>
+        <p:spPr/>
+        <p:txBody>
+          <a:bodyPr/>
+          <a:lstStyle/>
+          <a:p>
+            <a:r>
+              <a:rPr lang="zh-CN" altLang="en-US" dirty="0"/>
+              <a:t>项目总结</a:t>
+            </a:r>
+          </a:p>
+        </p:txBody>
+      </p:sp>
+      <p:sp>
+        <p:nvSpPr>
+          <p:cNvPr id="3" name="文本占位符 2">
+            <a:extLst>
+              <a:ext uri="{FF2B5EF4-FFF2-40B4-BE49-F238E27FC236}">
+                <a16:creationId xmlns:a16="http://schemas.microsoft.com/office/drawing/2014/main" id="{D80BE589-111F-449A-80FB-7C874CE64373}"/>
+              </a:ext>
+            </a:extLst>
+          </p:cNvPr>
+          <p:cNvSpPr>
+            <a:spLocks noGrp="1"/>
+          </p:cNvSpPr>
+          <p:nvPr>
+            <p:ph type="body" idx="1"/>
+          </p:nvPr>
+        </p:nvSpPr>
+        <p:spPr/>
+        <p:txBody>
+          <a:bodyPr/>
+          <a:lstStyle/>
+          <a:p>
+            <a:r>
+              <a:rPr lang="en-US" altLang="zh-CN" dirty="0"/>
+              <a:t>Summary &amp; Further work</a:t>
+            </a:r>
+            <a:endParaRPr lang="zh-CN" altLang="en-US" dirty="0"/>
+          </a:p>
+        </p:txBody>
+      </p:sp>
+    </p:spTree>
+    <p:extLst>
+      <p:ext uri="{BB962C8B-B14F-4D97-AF65-F5344CB8AC3E}">
+        <p14:creationId xmlns:p14="http://schemas.microsoft.com/office/powerpoint/2010/main" val="2815660763"/>
+      </p:ext>
+    </p:extLst>
+  </p:cSld>
+  <p:clrMapOvr>
+    <a:masterClrMapping/>
+  </p:clrMapOvr>
+</p:sld>
+</file>
+
+<file path=ppt/slides/slide16.xml><?xml version="1.0" encoding="utf-8"?>
+<p:sld xmlns:a="http://schemas.openxmlformats.org/drawingml/2006/main" xmlns:r="http://schemas.openxmlformats.org/officeDocument/2006/relationships" xmlns:p="http://schemas.openxmlformats.org/presentationml/2006/main">
+  <p:cSld>
+    <p:spTree>
+      <p:nvGrpSpPr>
+        <p:cNvPr id="1" name=""/>
+        <p:cNvGrpSpPr/>
+        <p:nvPr/>
+      </p:nvGrpSpPr>
+      <p:grpSpPr>
+        <a:xfrm>
+          <a:off x="0" y="0"/>
+          <a:ext cx="0" cy="0"/>
+          <a:chOff x="0" y="0"/>
+          <a:chExt cx="0" cy="0"/>
+        </a:xfrm>
+      </p:grpSpPr>
+      <p:sp>
+        <p:nvSpPr>
+          <p:cNvPr id="2" name="标题 1">
+            <a:extLst>
+              <a:ext uri="{FF2B5EF4-FFF2-40B4-BE49-F238E27FC236}">
+                <a16:creationId xmlns:a16="http://schemas.microsoft.com/office/drawing/2014/main" id="{115DC51D-D476-47CB-B7E2-55A2712EFC49}"/>
+              </a:ext>
+            </a:extLst>
+          </p:cNvPr>
+          <p:cNvSpPr>
+            <a:spLocks noGrp="1"/>
+          </p:cNvSpPr>
+          <p:nvPr>
+            <p:ph type="title"/>
+          </p:nvPr>
+        </p:nvSpPr>
+        <p:spPr/>
+        <p:txBody>
+          <a:bodyPr/>
+          <a:lstStyle/>
+          <a:p>
+            <a:r>
+              <a:rPr lang="zh-CN" altLang="en-US" dirty="0"/>
+              <a:t>项目实现过程中发现的问题</a:t>
+            </a:r>
+          </a:p>
+        </p:txBody>
+      </p:sp>
+      <p:sp>
+        <p:nvSpPr>
+          <p:cNvPr id="3" name="内容占位符 2">
+            <a:extLst>
+              <a:ext uri="{FF2B5EF4-FFF2-40B4-BE49-F238E27FC236}">
+                <a16:creationId xmlns:a16="http://schemas.microsoft.com/office/drawing/2014/main" id="{17EC72B3-39DB-47F2-AB3E-AC9EE68FDD5A}"/>
+              </a:ext>
+            </a:extLst>
+          </p:cNvPr>
+          <p:cNvSpPr>
+            <a:spLocks noGrp="1"/>
+          </p:cNvSpPr>
+          <p:nvPr>
+            <p:ph idx="1"/>
+          </p:nvPr>
+        </p:nvSpPr>
+        <p:spPr/>
+        <p:txBody>
+          <a:bodyPr>
+            <a:normAutofit/>
+          </a:bodyPr>
+          <a:lstStyle/>
+          <a:p>
+            <a:r>
+              <a:rPr lang="en-US" altLang="zh-CN" dirty="0" err="1"/>
+              <a:t>KubeEdge</a:t>
+            </a:r>
+            <a:r>
+              <a:rPr lang="zh-CN" altLang="en-US" dirty="0"/>
+              <a:t>还不够完善</a:t>
+            </a:r>
+            <a:endParaRPr lang="en-US" altLang="zh-CN" dirty="0"/>
+          </a:p>
+          <a:p>
+            <a:pPr lvl="1"/>
+            <a:r>
+              <a:rPr lang="zh-CN" altLang="en-US" dirty="0"/>
+              <a:t>没有很好的批量部署方案</a:t>
+            </a:r>
+            <a:endParaRPr lang="en-US" altLang="zh-CN" dirty="0"/>
+          </a:p>
+          <a:p>
+            <a:pPr lvl="1"/>
+            <a:r>
+              <a:rPr lang="en-US" altLang="zh-CN" dirty="0"/>
+              <a:t>Bug</a:t>
+            </a:r>
+            <a:r>
+              <a:rPr lang="zh-CN" altLang="en-US" dirty="0"/>
+              <a:t>很多，</a:t>
+            </a:r>
+            <a:r>
+              <a:rPr lang="en-US" altLang="zh-CN" dirty="0"/>
+              <a:t>24h</a:t>
+            </a:r>
+            <a:r>
+              <a:rPr lang="zh-CN" altLang="en-US" dirty="0"/>
+              <a:t>内必宕机一次</a:t>
+            </a:r>
+            <a:endParaRPr lang="en-US" altLang="zh-CN" dirty="0"/>
+          </a:p>
+          <a:p>
+            <a:r>
+              <a:rPr lang="zh-CN" altLang="en-US" dirty="0"/>
+              <a:t>容器镜像很大、分发很慢</a:t>
+            </a:r>
+            <a:endParaRPr lang="en-US" altLang="zh-CN" dirty="0"/>
+          </a:p>
+          <a:p>
+            <a:pPr lvl="1"/>
+            <a:r>
+              <a:rPr lang="zh-CN" altLang="en-US" dirty="0"/>
+              <a:t>神经网络模型文件</a:t>
+            </a:r>
+            <a:r>
+              <a:rPr lang="en-US" altLang="zh-CN" dirty="0"/>
+              <a:t>&gt;100M</a:t>
+            </a:r>
+            <a:r>
+              <a:rPr lang="zh-CN" altLang="en-US" dirty="0"/>
+              <a:t>，神经网络框架</a:t>
+            </a:r>
+            <a:r>
+              <a:rPr lang="en-US" altLang="zh-CN" dirty="0"/>
+              <a:t>&gt;100M</a:t>
+            </a:r>
+            <a:r>
+              <a:rPr lang="zh-CN" altLang="en-US" dirty="0"/>
+              <a:t>，显卡驱动</a:t>
+            </a:r>
+            <a:r>
+              <a:rPr lang="en-US" altLang="zh-CN" dirty="0"/>
+              <a:t>&gt;1G</a:t>
+            </a:r>
+          </a:p>
+          <a:p>
+            <a:pPr lvl="1"/>
+            <a:r>
+              <a:rPr lang="zh-CN" altLang="en-US" dirty="0"/>
+              <a:t>从云端下载镜像网速很慢，但每个设备下载的又都是同一个镜像</a:t>
+            </a:r>
+          </a:p>
+        </p:txBody>
+      </p:sp>
+    </p:spTree>
+    <p:extLst>
+      <p:ext uri="{BB962C8B-B14F-4D97-AF65-F5344CB8AC3E}">
+        <p14:creationId xmlns:p14="http://schemas.microsoft.com/office/powerpoint/2010/main" val="3351031832"/>
+      </p:ext>
+    </p:extLst>
+  </p:cSld>
+  <p:clrMapOvr>
+    <a:masterClrMapping/>
+  </p:clrMapOvr>
+</p:sld>
+</file>
+
+<file path=ppt/slides/slide17.xml><?xml version="1.0" encoding="utf-8"?>
+<p:sld xmlns:a="http://schemas.openxmlformats.org/drawingml/2006/main" xmlns:r="http://schemas.openxmlformats.org/officeDocument/2006/relationships" xmlns:p="http://schemas.openxmlformats.org/presentationml/2006/main">
+  <p:cSld>
+    <p:spTree>
+      <p:nvGrpSpPr>
+        <p:cNvPr id="1" name=""/>
+        <p:cNvGrpSpPr/>
+        <p:nvPr/>
+      </p:nvGrpSpPr>
+      <p:grpSpPr>
+        <a:xfrm>
+          <a:off x="0" y="0"/>
+          <a:ext cx="0" cy="0"/>
+          <a:chOff x="0" y="0"/>
+          <a:chExt cx="0" cy="0"/>
+        </a:xfrm>
+      </p:grpSpPr>
+      <p:sp>
+        <p:nvSpPr>
+          <p:cNvPr id="2" name="标题 1">
+            <a:extLst>
+              <a:ext uri="{FF2B5EF4-FFF2-40B4-BE49-F238E27FC236}">
+                <a16:creationId xmlns:a16="http://schemas.microsoft.com/office/drawing/2014/main" id="{115DC51D-D476-47CB-B7E2-55A2712EFC49}"/>
+              </a:ext>
+            </a:extLst>
+          </p:cNvPr>
+          <p:cNvSpPr>
+            <a:spLocks noGrp="1"/>
+          </p:cNvSpPr>
+          <p:nvPr>
+            <p:ph type="title"/>
+          </p:nvPr>
+        </p:nvSpPr>
+        <p:spPr/>
+        <p:txBody>
+          <a:bodyPr>
+            <a:normAutofit/>
+          </a:bodyPr>
+          <a:lstStyle/>
+          <a:p>
+            <a:r>
+              <a:rPr lang="zh-CN" altLang="en-US" dirty="0"/>
+              <a:t>项目实现过程中的思考 </a:t>
+            </a:r>
+            <a:r>
+              <a:rPr lang="en-US" altLang="zh-CN" dirty="0"/>
+              <a:t>- </a:t>
+            </a:r>
+            <a:r>
+              <a:rPr lang="zh-CN" altLang="en-US" dirty="0"/>
+              <a:t>容器镜像分发</a:t>
+            </a:r>
+          </a:p>
+        </p:txBody>
+      </p:sp>
+      <p:sp>
+        <p:nvSpPr>
+          <p:cNvPr id="3" name="内容占位符 2">
+            <a:extLst>
+              <a:ext uri="{FF2B5EF4-FFF2-40B4-BE49-F238E27FC236}">
+                <a16:creationId xmlns:a16="http://schemas.microsoft.com/office/drawing/2014/main" id="{17EC72B3-39DB-47F2-AB3E-AC9EE68FDD5A}"/>
+              </a:ext>
+            </a:extLst>
+          </p:cNvPr>
+          <p:cNvSpPr>
+            <a:spLocks noGrp="1"/>
+          </p:cNvSpPr>
+          <p:nvPr>
+            <p:ph idx="1"/>
+          </p:nvPr>
+        </p:nvSpPr>
+        <p:spPr/>
+        <p:txBody>
+          <a:bodyPr>
+            <a:normAutofit/>
+          </a:bodyPr>
+          <a:lstStyle/>
+          <a:p>
+            <a:r>
+              <a:rPr lang="zh-CN" altLang="en-US" dirty="0"/>
+              <a:t>容器镜像分发网络是一个典型的</a:t>
+            </a:r>
+            <a:r>
+              <a:rPr lang="en-US" altLang="zh-CN" dirty="0"/>
+              <a:t>CDN</a:t>
+            </a:r>
+            <a:r>
+              <a:rPr lang="zh-CN" altLang="en-US" dirty="0"/>
+              <a:t>网络：</a:t>
+            </a:r>
+            <a:endParaRPr lang="en-US" altLang="zh-CN" dirty="0"/>
+          </a:p>
+          <a:p>
+            <a:pPr lvl="1"/>
+            <a:r>
+              <a:rPr lang="zh-CN" altLang="en-US" dirty="0"/>
+              <a:t>容器镜像是静态内容</a:t>
+            </a:r>
+            <a:endParaRPr lang="en-US" altLang="zh-CN" dirty="0"/>
+          </a:p>
+          <a:p>
+            <a:pPr lvl="1"/>
+            <a:r>
+              <a:rPr lang="zh-CN" altLang="en-US" dirty="0"/>
+              <a:t>一个容器镜像会被很多边缘服务器下载</a:t>
+            </a:r>
+            <a:endParaRPr lang="en-US" altLang="zh-CN" dirty="0"/>
+          </a:p>
+          <a:p>
+            <a:pPr lvl="1"/>
+            <a:r>
+              <a:rPr lang="zh-CN" altLang="en-US" dirty="0"/>
+              <a:t>不同地域的边缘服务器需要的容器镜像不尽相同</a:t>
+            </a:r>
+            <a:endParaRPr lang="en-US" altLang="zh-CN" dirty="0"/>
+          </a:p>
+          <a:p>
+            <a:r>
+              <a:rPr lang="zh-CN" altLang="en-US" dirty="0"/>
+              <a:t>可能的研究点：给定场景，优化容器镜像的分发规则</a:t>
+            </a:r>
+            <a:endParaRPr lang="en-US" altLang="zh-CN" dirty="0"/>
+          </a:p>
+          <a:p>
+            <a:pPr lvl="1"/>
+            <a:r>
+              <a:rPr lang="zh-CN" altLang="en-US" dirty="0"/>
+              <a:t>服务间有依赖关系（有向图）→内容依赖条件下的</a:t>
+            </a:r>
+            <a:r>
+              <a:rPr lang="en-US" altLang="zh-CN" dirty="0"/>
+              <a:t>CDN</a:t>
+            </a:r>
+            <a:r>
+              <a:rPr lang="zh-CN" altLang="en-US" dirty="0"/>
+              <a:t>优化</a:t>
+            </a:r>
+            <a:endParaRPr lang="en-US" altLang="zh-CN" dirty="0"/>
+          </a:p>
+          <a:p>
+            <a:pPr lvl="1"/>
+            <a:r>
+              <a:rPr lang="zh-CN" altLang="en-US" dirty="0"/>
+              <a:t>容器镜像是分层的，不同镜像会底层可能相同→内容部分传输时的</a:t>
+            </a:r>
+            <a:r>
+              <a:rPr lang="en-US" altLang="zh-CN" dirty="0"/>
+              <a:t>CDN</a:t>
+            </a:r>
+            <a:r>
+              <a:rPr lang="zh-CN" altLang="en-US" dirty="0"/>
+              <a:t>优化</a:t>
+            </a:r>
+            <a:endParaRPr lang="en-US" altLang="zh-CN" dirty="0"/>
+          </a:p>
+        </p:txBody>
+      </p:sp>
+    </p:spTree>
+    <p:extLst>
+      <p:ext uri="{BB962C8B-B14F-4D97-AF65-F5344CB8AC3E}">
+        <p14:creationId xmlns:p14="http://schemas.microsoft.com/office/powerpoint/2010/main" val="2834661511"/>
+      </p:ext>
+    </p:extLst>
+  </p:cSld>
+  <p:clrMapOvr>
+    <a:masterClrMapping/>
+  </p:clrMapOvr>
+</p:sld>
+</file>
+
+<file path=ppt/slides/slide18.xml><?xml version="1.0" encoding="utf-8"?>
+<p:sld xmlns:a="http://schemas.openxmlformats.org/drawingml/2006/main" xmlns:r="http://schemas.openxmlformats.org/officeDocument/2006/relationships" xmlns:p="http://schemas.openxmlformats.org/presentationml/2006/main">
+  <p:cSld>
+    <p:spTree>
+      <p:nvGrpSpPr>
+        <p:cNvPr id="1" name=""/>
+        <p:cNvGrpSpPr/>
+        <p:nvPr/>
+      </p:nvGrpSpPr>
+      <p:grpSpPr>
+        <a:xfrm>
+          <a:off x="0" y="0"/>
+          <a:ext cx="0" cy="0"/>
+          <a:chOff x="0" y="0"/>
+          <a:chExt cx="0" cy="0"/>
+        </a:xfrm>
+      </p:grpSpPr>
+      <p:sp>
+        <p:nvSpPr>
+          <p:cNvPr id="2" name="标题 1">
+            <a:extLst>
+              <a:ext uri="{FF2B5EF4-FFF2-40B4-BE49-F238E27FC236}">
+                <a16:creationId xmlns:a16="http://schemas.microsoft.com/office/drawing/2014/main" id="{115DC51D-D476-47CB-B7E2-55A2712EFC49}"/>
+              </a:ext>
+            </a:extLst>
+          </p:cNvPr>
+          <p:cNvSpPr>
+            <a:spLocks noGrp="1"/>
+          </p:cNvSpPr>
+          <p:nvPr>
+            <p:ph type="title"/>
+          </p:nvPr>
+        </p:nvSpPr>
+        <p:spPr/>
+        <p:txBody>
+          <a:bodyPr>
+            <a:normAutofit/>
+          </a:bodyPr>
+          <a:lstStyle/>
+          <a:p>
+            <a:r>
+              <a:rPr lang="zh-CN" altLang="en-US" dirty="0"/>
+              <a:t>项目实现过程中的思考 </a:t>
+            </a:r>
+            <a:r>
+              <a:rPr lang="en-US" altLang="zh-CN" dirty="0"/>
+              <a:t>- </a:t>
+            </a:r>
+            <a:r>
+              <a:rPr lang="zh-CN" altLang="en-US" dirty="0"/>
+              <a:t>边缘计算中心内部的资源分配</a:t>
+            </a:r>
+          </a:p>
+        </p:txBody>
+      </p:sp>
+      <p:sp>
+        <p:nvSpPr>
+          <p:cNvPr id="3" name="内容占位符 2">
+            <a:extLst>
+              <a:ext uri="{FF2B5EF4-FFF2-40B4-BE49-F238E27FC236}">
+                <a16:creationId xmlns:a16="http://schemas.microsoft.com/office/drawing/2014/main" id="{17EC72B3-39DB-47F2-AB3E-AC9EE68FDD5A}"/>
+              </a:ext>
+            </a:extLst>
+          </p:cNvPr>
+          <p:cNvSpPr>
+            <a:spLocks noGrp="1"/>
+          </p:cNvSpPr>
+          <p:nvPr>
+            <p:ph idx="1"/>
+          </p:nvPr>
+        </p:nvSpPr>
+        <p:spPr/>
+        <p:txBody>
+          <a:bodyPr>
+            <a:normAutofit/>
+          </a:bodyPr>
+          <a:lstStyle/>
+          <a:p>
+            <a:r>
+              <a:rPr lang="zh-CN" altLang="en-US" dirty="0"/>
+              <a:t>边缘计算中心内部同时运行着多种计算任务</a:t>
+            </a:r>
+            <a:endParaRPr lang="en-US" altLang="zh-CN" dirty="0"/>
+          </a:p>
+          <a:p>
+            <a:r>
+              <a:rPr lang="zh-CN" altLang="en-US" dirty="0"/>
+              <a:t>每个计算任务需要一定的</a:t>
+            </a:r>
+            <a:r>
+              <a:rPr lang="en-US" altLang="zh-CN" dirty="0"/>
+              <a:t>CPU</a:t>
+            </a:r>
+            <a:r>
+              <a:rPr lang="zh-CN" altLang="en-US" dirty="0"/>
+              <a:t>和内存资源，特点：</a:t>
+            </a:r>
+            <a:endParaRPr lang="en-US" altLang="zh-CN" dirty="0"/>
+          </a:p>
+          <a:p>
+            <a:pPr lvl="1"/>
+            <a:r>
+              <a:rPr lang="zh-CN" altLang="en-US" dirty="0"/>
+              <a:t>每个计算任务只能交由一台设备处理</a:t>
+            </a:r>
+            <a:endParaRPr lang="en-US" altLang="zh-CN" dirty="0"/>
+          </a:p>
+          <a:p>
+            <a:pPr lvl="1"/>
+            <a:r>
+              <a:rPr lang="zh-CN" altLang="en-US" dirty="0"/>
+              <a:t>可以证明</a:t>
+            </a:r>
+            <a:r>
+              <a:rPr lang="en-US" altLang="zh-CN" dirty="0"/>
+              <a:t>CPU</a:t>
+            </a:r>
+            <a:r>
+              <a:rPr lang="zh-CN" altLang="en-US" dirty="0"/>
+              <a:t>抢占和时间片轮转对于平均性能的提升无意义</a:t>
+            </a:r>
+            <a:endParaRPr lang="en-US" altLang="zh-CN" dirty="0"/>
+          </a:p>
+          <a:p>
+            <a:pPr lvl="1"/>
+            <a:r>
+              <a:rPr lang="zh-CN" altLang="en-US" dirty="0"/>
+              <a:t>失去了</a:t>
+            </a:r>
+            <a:r>
+              <a:rPr lang="en-US" altLang="zh-CN" dirty="0"/>
+              <a:t>CPU</a:t>
+            </a:r>
+            <a:r>
+              <a:rPr lang="zh-CN" altLang="en-US" dirty="0"/>
+              <a:t>抢占和时间片轮转，讨论内存调度也没有意义</a:t>
+            </a:r>
+            <a:endParaRPr lang="en-US" altLang="zh-CN" dirty="0"/>
+          </a:p>
+          <a:p>
+            <a:r>
+              <a:rPr lang="zh-CN" altLang="en-US" dirty="0"/>
+              <a:t>在本项目中没有需要优化的地方</a:t>
+            </a:r>
+            <a:endParaRPr lang="en-US" altLang="zh-CN" dirty="0"/>
+          </a:p>
+          <a:p>
+            <a:pPr lvl="1"/>
+            <a:r>
+              <a:rPr lang="zh-CN" altLang="en-US" dirty="0"/>
+              <a:t>需要增加设定或改变优化目标</a:t>
+            </a:r>
+            <a:endParaRPr lang="en-US" altLang="zh-CN" dirty="0"/>
+          </a:p>
+          <a:p>
+            <a:pPr lvl="1"/>
+            <a:r>
+              <a:rPr lang="zh-CN" altLang="en-US" dirty="0"/>
+              <a:t>给任务添加优先级？规定某些紧急任务需要抢占？</a:t>
+            </a:r>
+            <a:endParaRPr lang="en-US" altLang="zh-CN" dirty="0"/>
+          </a:p>
+        </p:txBody>
+      </p:sp>
+    </p:spTree>
+    <p:extLst>
+      <p:ext uri="{BB962C8B-B14F-4D97-AF65-F5344CB8AC3E}">
+        <p14:creationId xmlns:p14="http://schemas.microsoft.com/office/powerpoint/2010/main" val="3114036938"/>
+      </p:ext>
+    </p:extLst>
+  </p:cSld>
+  <p:clrMapOvr>
+    <a:masterClrMapping/>
+  </p:clrMapOvr>
+</p:sld>
+</file>
+
+<file path=ppt/slides/slide19.xml><?xml version="1.0" encoding="utf-8"?>
+<p:sld xmlns:a="http://schemas.openxmlformats.org/drawingml/2006/main" xmlns:r="http://schemas.openxmlformats.org/officeDocument/2006/relationships" xmlns:p="http://schemas.openxmlformats.org/presentationml/2006/main">
+  <p:cSld>
+    <p:spTree>
+      <p:nvGrpSpPr>
+        <p:cNvPr id="1" name=""/>
+        <p:cNvGrpSpPr/>
+        <p:nvPr/>
+      </p:nvGrpSpPr>
+      <p:grpSpPr>
+        <a:xfrm>
+          <a:off x="0" y="0"/>
+          <a:ext cx="0" cy="0"/>
+          <a:chOff x="0" y="0"/>
+          <a:chExt cx="0" cy="0"/>
+        </a:xfrm>
+      </p:grpSpPr>
+      <p:sp>
+        <p:nvSpPr>
+          <p:cNvPr id="2" name="标题 1">
+            <a:extLst>
+              <a:ext uri="{FF2B5EF4-FFF2-40B4-BE49-F238E27FC236}">
+                <a16:creationId xmlns:a16="http://schemas.microsoft.com/office/drawing/2014/main" id="{115DC51D-D476-47CB-B7E2-55A2712EFC49}"/>
+              </a:ext>
+            </a:extLst>
+          </p:cNvPr>
+          <p:cNvSpPr>
+            <a:spLocks noGrp="1"/>
+          </p:cNvSpPr>
+          <p:nvPr>
+            <p:ph type="title"/>
+          </p:nvPr>
+        </p:nvSpPr>
+        <p:spPr/>
+        <p:txBody>
+          <a:bodyPr>
+            <a:normAutofit/>
+          </a:bodyPr>
+          <a:lstStyle/>
+          <a:p>
+            <a:r>
+              <a:rPr lang="zh-CN" altLang="en-US" dirty="0"/>
+              <a:t>项目实现过程中的思考 </a:t>
+            </a:r>
+            <a:r>
+              <a:rPr lang="en-US" altLang="zh-CN" dirty="0"/>
+              <a:t>- </a:t>
+            </a:r>
+            <a:r>
+              <a:rPr lang="zh-CN" altLang="en-US" dirty="0"/>
+              <a:t>边缘计算中心内部的任务分派</a:t>
+            </a:r>
+          </a:p>
+        </p:txBody>
+      </p:sp>
+      <p:sp>
+        <p:nvSpPr>
+          <p:cNvPr id="3" name="内容占位符 2">
+            <a:extLst>
+              <a:ext uri="{FF2B5EF4-FFF2-40B4-BE49-F238E27FC236}">
+                <a16:creationId xmlns:a16="http://schemas.microsoft.com/office/drawing/2014/main" id="{17EC72B3-39DB-47F2-AB3E-AC9EE68FDD5A}"/>
+              </a:ext>
+            </a:extLst>
+          </p:cNvPr>
+          <p:cNvSpPr>
+            <a:spLocks noGrp="1"/>
+          </p:cNvSpPr>
+          <p:nvPr>
+            <p:ph idx="1"/>
+          </p:nvPr>
+        </p:nvSpPr>
+        <p:spPr/>
+        <p:txBody>
+          <a:bodyPr>
+            <a:normAutofit/>
+          </a:bodyPr>
+          <a:lstStyle/>
+          <a:p>
+            <a:r>
+              <a:rPr lang="zh-CN" altLang="en-US" dirty="0"/>
+              <a:t>任务在边缘计算中心由哪台机器执行？</a:t>
+            </a:r>
+            <a:endParaRPr lang="en-US" altLang="zh-CN" dirty="0"/>
+          </a:p>
+          <a:p>
+            <a:r>
+              <a:rPr lang="zh-CN" altLang="en-US" dirty="0"/>
+              <a:t>边缘计算中心内部的任务分派的特点：</a:t>
+            </a:r>
+            <a:endParaRPr lang="en-US" altLang="zh-CN" dirty="0"/>
+          </a:p>
+          <a:p>
+            <a:pPr lvl="1"/>
+            <a:r>
+              <a:rPr lang="zh-CN" altLang="en-US" dirty="0"/>
+              <a:t>当前架构假定边缘计算中心内部网络良好</a:t>
+            </a:r>
+            <a:endParaRPr lang="en-US" altLang="zh-CN" dirty="0"/>
+          </a:p>
+          <a:p>
+            <a:pPr lvl="1"/>
+            <a:r>
+              <a:rPr lang="zh-CN" altLang="en-US" dirty="0"/>
+              <a:t>因此可以使用一个队列为执行相同任务的多台机器分派任务</a:t>
+            </a:r>
+            <a:endParaRPr lang="en-US" altLang="zh-CN" dirty="0"/>
+          </a:p>
+          <a:p>
+            <a:pPr lvl="1"/>
+            <a:r>
+              <a:rPr lang="zh-CN" altLang="en-US" dirty="0"/>
+              <a:t>进而抽象模型就是一个</a:t>
             </a:r>
             <a:r>
               <a:rPr lang="en-US" altLang="zh-CN" dirty="0" err="1"/>
@@ -6181,6 +10333,21 @@
             <a:endParaRPr lang="en-US" altLang="zh-CN" dirty="0"/>
           </a:p>
           <a:p>
+            <a:r>
+              <a:rPr lang="zh-CN" altLang="en-US" dirty="0"/>
+              <a:t>本项目中不存在计算任务分派时负载均衡的问题</a:t>
+            </a:r>
+            <a:endParaRPr lang="en-US" altLang="zh-CN" dirty="0"/>
+          </a:p>
+          <a:p>
+            <a:pPr lvl="1"/>
+            <a:r>
+              <a:rPr lang="zh-CN" altLang="en-US" dirty="0"/>
+              <a:t>需要增加设定或改变优化目标</a:t>
+            </a:r>
+            <a:endParaRPr lang="en-US" altLang="zh-CN" dirty="0"/>
+          </a:p>
+          <a:p>
             <a:pPr lvl="1"/>
             <a:r>
               <a:rPr lang="en-US" altLang="zh-CN" dirty="0" err="1"/>
@@ -6188,7 +10355,15 @@
             </a:r>
             <a:r>
               <a:rPr lang="zh-CN" altLang="en-US" dirty="0"/>
-              <a:t>的平均等待时间可从当前状态和服务能力计算得到</a:t>
+              <a:t>队列中</a:t>
+            </a:r>
+            <a:r>
+              <a:rPr lang="en-US" altLang="zh-CN" dirty="0"/>
+              <a:t>m</a:t>
+            </a:r>
+            <a:r>
+              <a:rPr lang="zh-CN" altLang="en-US" dirty="0"/>
+              <a:t>个服务能力不同的情况？</a:t>
             </a:r>
             <a:endParaRPr lang="en-US" altLang="zh-CN" dirty="0"/>
           </a:p>
@@ -6196,6 +10371,247 @@
             <a:pPr lvl="1"/>
             <a:r>
               <a:rPr lang="zh-CN" altLang="en-US" dirty="0"/>
+              <a:t>多个相同的</a:t>
+            </a:r>
+            <a:r>
+              <a:rPr lang="en-US" altLang="zh-CN" dirty="0" err="1"/>
+              <a:t>M|M|m|n</a:t>
+            </a:r>
+            <a:r>
+              <a:rPr lang="zh-CN" altLang="en-US" dirty="0"/>
+              <a:t>队列冗余并列以防队列系统宕机？</a:t>
+            </a:r>
+            <a:endParaRPr lang="en-US" altLang="zh-CN" dirty="0"/>
+          </a:p>
+        </p:txBody>
+      </p:sp>
+    </p:spTree>
+    <p:extLst>
+      <p:ext uri="{BB962C8B-B14F-4D97-AF65-F5344CB8AC3E}">
+        <p14:creationId xmlns:p14="http://schemas.microsoft.com/office/powerpoint/2010/main" val="2031965791"/>
+      </p:ext>
+    </p:extLst>
+  </p:cSld>
+  <p:clrMapOvr>
+    <a:masterClrMapping/>
+  </p:clrMapOvr>
+</p:sld>
+</file>
+
+<file path=ppt/slides/slide2.xml><?xml version="1.0" encoding="utf-8"?>
+<p:sld xmlns:a="http://schemas.openxmlformats.org/drawingml/2006/main" xmlns:r="http://schemas.openxmlformats.org/officeDocument/2006/relationships" xmlns:p="http://schemas.openxmlformats.org/presentationml/2006/main">
+  <p:cSld>
+    <p:spTree>
+      <p:nvGrpSpPr>
+        <p:cNvPr id="1" name=""/>
+        <p:cNvGrpSpPr/>
+        <p:nvPr/>
+      </p:nvGrpSpPr>
+      <p:grpSpPr>
+        <a:xfrm>
+          <a:off x="0" y="0"/>
+          <a:ext cx="0" cy="0"/>
+          <a:chOff x="0" y="0"/>
+          <a:chExt cx="0" cy="0"/>
+        </a:xfrm>
+      </p:grpSpPr>
+      <p:sp>
+        <p:nvSpPr>
+          <p:cNvPr id="2" name="标题 1">
+            <a:extLst>
+              <a:ext uri="{FF2B5EF4-FFF2-40B4-BE49-F238E27FC236}">
+                <a16:creationId xmlns:a16="http://schemas.microsoft.com/office/drawing/2014/main" id="{AA7B8389-8CA4-433D-9C25-A0A0143EFA34}"/>
+              </a:ext>
+            </a:extLst>
+          </p:cNvPr>
+          <p:cNvSpPr>
+            <a:spLocks noGrp="1"/>
+          </p:cNvSpPr>
+          <p:nvPr>
+            <p:ph type="title"/>
+          </p:nvPr>
+        </p:nvSpPr>
+        <p:spPr/>
+        <p:txBody>
+          <a:bodyPr/>
+          <a:lstStyle/>
+          <a:p>
+            <a:r>
+              <a:rPr lang="zh-CN" altLang="en-US" dirty="0"/>
+              <a:t>项目背景和目标</a:t>
+            </a:r>
+          </a:p>
+        </p:txBody>
+      </p:sp>
+      <p:sp>
+        <p:nvSpPr>
+          <p:cNvPr id="3" name="文本占位符 2">
+            <a:extLst>
+              <a:ext uri="{FF2B5EF4-FFF2-40B4-BE49-F238E27FC236}">
+                <a16:creationId xmlns:a16="http://schemas.microsoft.com/office/drawing/2014/main" id="{D80BE589-111F-449A-80FB-7C874CE64373}"/>
+              </a:ext>
+            </a:extLst>
+          </p:cNvPr>
+          <p:cNvSpPr>
+            <a:spLocks noGrp="1"/>
+          </p:cNvSpPr>
+          <p:nvPr>
+            <p:ph type="body" idx="1"/>
+          </p:nvPr>
+        </p:nvSpPr>
+        <p:spPr/>
+        <p:txBody>
+          <a:bodyPr/>
+          <a:lstStyle/>
+          <a:p>
+            <a:r>
+              <a:rPr lang="en-US" altLang="zh-CN" dirty="0"/>
+              <a:t>Introduction</a:t>
+            </a:r>
+            <a:endParaRPr lang="zh-CN" altLang="en-US" dirty="0"/>
+          </a:p>
+        </p:txBody>
+      </p:sp>
+    </p:spTree>
+    <p:extLst>
+      <p:ext uri="{BB962C8B-B14F-4D97-AF65-F5344CB8AC3E}">
+        <p14:creationId xmlns:p14="http://schemas.microsoft.com/office/powerpoint/2010/main" val="2655110767"/>
+      </p:ext>
+    </p:extLst>
+  </p:cSld>
+  <p:clrMapOvr>
+    <a:masterClrMapping/>
+  </p:clrMapOvr>
+</p:sld>
+</file>
+
+<file path=ppt/slides/slide20.xml><?xml version="1.0" encoding="utf-8"?>
+<p:sld xmlns:a="http://schemas.openxmlformats.org/drawingml/2006/main" xmlns:r="http://schemas.openxmlformats.org/officeDocument/2006/relationships" xmlns:p="http://schemas.openxmlformats.org/presentationml/2006/main">
+  <p:cSld>
+    <p:spTree>
+      <p:nvGrpSpPr>
+        <p:cNvPr id="1" name=""/>
+        <p:cNvGrpSpPr/>
+        <p:nvPr/>
+      </p:nvGrpSpPr>
+      <p:grpSpPr>
+        <a:xfrm>
+          <a:off x="0" y="0"/>
+          <a:ext cx="0" cy="0"/>
+          <a:chOff x="0" y="0"/>
+          <a:chExt cx="0" cy="0"/>
+        </a:xfrm>
+      </p:grpSpPr>
+      <p:sp>
+        <p:nvSpPr>
+          <p:cNvPr id="2" name="标题 1">
+            <a:extLst>
+              <a:ext uri="{FF2B5EF4-FFF2-40B4-BE49-F238E27FC236}">
+                <a16:creationId xmlns:a16="http://schemas.microsoft.com/office/drawing/2014/main" id="{115DC51D-D476-47CB-B7E2-55A2712EFC49}"/>
+              </a:ext>
+            </a:extLst>
+          </p:cNvPr>
+          <p:cNvSpPr>
+            <a:spLocks noGrp="1"/>
+          </p:cNvSpPr>
+          <p:nvPr>
+            <p:ph type="title"/>
+          </p:nvPr>
+        </p:nvSpPr>
+        <p:spPr/>
+        <p:txBody>
+          <a:bodyPr>
+            <a:normAutofit/>
+          </a:bodyPr>
+          <a:lstStyle/>
+          <a:p>
+            <a:r>
+              <a:rPr lang="zh-CN" altLang="en-US" dirty="0"/>
+              <a:t>项目实现过程中的思考 </a:t>
+            </a:r>
+            <a:r>
+              <a:rPr lang="en-US" altLang="zh-CN" dirty="0"/>
+              <a:t>- </a:t>
+            </a:r>
+            <a:r>
+              <a:rPr lang="zh-CN" altLang="en-US" dirty="0"/>
+              <a:t>边缘计算中心间的任务分派</a:t>
+            </a:r>
+          </a:p>
+        </p:txBody>
+      </p:sp>
+      <p:sp>
+        <p:nvSpPr>
+          <p:cNvPr id="3" name="内容占位符 2">
+            <a:extLst>
+              <a:ext uri="{FF2B5EF4-FFF2-40B4-BE49-F238E27FC236}">
+                <a16:creationId xmlns:a16="http://schemas.microsoft.com/office/drawing/2014/main" id="{17EC72B3-39DB-47F2-AB3E-AC9EE68FDD5A}"/>
+              </a:ext>
+            </a:extLst>
+          </p:cNvPr>
+          <p:cNvSpPr>
+            <a:spLocks noGrp="1"/>
+          </p:cNvSpPr>
+          <p:nvPr>
+            <p:ph idx="1"/>
+          </p:nvPr>
+        </p:nvSpPr>
+        <p:spPr/>
+        <p:txBody>
+          <a:bodyPr>
+            <a:normAutofit fontScale="92500" lnSpcReduction="10000"/>
+          </a:bodyPr>
+          <a:lstStyle/>
+          <a:p>
+            <a:r>
+              <a:rPr lang="zh-CN" altLang="en-US" dirty="0"/>
+              <a:t>终端设备向哪个边缘计算中心传计算任务？</a:t>
+            </a:r>
+            <a:endParaRPr lang="en-US" altLang="zh-CN" dirty="0"/>
+          </a:p>
+          <a:p>
+            <a:r>
+              <a:rPr lang="zh-CN" altLang="en-US" dirty="0"/>
+              <a:t>边缘计算中心间的任务分派的特点：</a:t>
+            </a:r>
+            <a:endParaRPr lang="en-US" altLang="zh-CN" dirty="0"/>
+          </a:p>
+          <a:p>
+            <a:pPr lvl="1"/>
+            <a:r>
+              <a:rPr lang="zh-CN" altLang="en-US" dirty="0"/>
+              <a:t>边缘计算中心 </a:t>
+            </a:r>
+            <a:r>
+              <a:rPr lang="en-US" altLang="zh-CN" dirty="0"/>
+              <a:t>= </a:t>
+            </a:r>
+            <a:r>
+              <a:rPr lang="en-US" altLang="zh-CN" dirty="0" err="1"/>
+              <a:t>M|M|m|n</a:t>
+            </a:r>
+            <a:r>
+              <a:rPr lang="zh-CN" altLang="en-US" dirty="0"/>
+              <a:t>队列</a:t>
+            </a:r>
+            <a:endParaRPr lang="en-US" altLang="zh-CN" dirty="0"/>
+          </a:p>
+          <a:p>
+            <a:pPr lvl="1"/>
+            <a:r>
+              <a:rPr lang="en-US" altLang="zh-CN" dirty="0" err="1"/>
+              <a:t>M|M|m|n</a:t>
+            </a:r>
+            <a:r>
+              <a:rPr lang="zh-CN" altLang="en-US" dirty="0"/>
+              <a:t>的平均等待时间可以计算得到</a:t>
+            </a:r>
+            <a:endParaRPr lang="en-US" altLang="zh-CN" dirty="0"/>
+          </a:p>
+          <a:p>
+            <a:pPr lvl="1"/>
+            <a:r>
+              <a:rPr lang="zh-CN" altLang="en-US" dirty="0"/>
               <a:t>假定用户到各个边缘计算中心的延迟已知</a:t>
             </a:r>
             <a:endParaRPr lang="en-US" altLang="zh-CN" dirty="0"/>
@@ -6203,7 +10619,7 @@
           <a:p>
             <a:r>
               <a:rPr lang="zh-CN" altLang="en-US" dirty="0"/>
-              <a:t>可能的优化点：最小化  传输延迟</a:t>
+              <a:t>可能需要优化：最小化  传输延迟</a:t>
             </a:r>
             <a:r>
               <a:rPr lang="en-US" altLang="zh-CN" dirty="0"/>
@@ -6219,7 +10635,7 @@
             <a:pPr lvl="1"/>
             <a:r>
               <a:rPr lang="zh-CN" altLang="en-US" dirty="0"/>
-              <a:t>这个优化点只需要收集信息</a:t>
+              <a:t>只需要收集信息</a:t>
             </a:r>
             <a:r>
               <a:rPr lang="en-US" altLang="zh-CN" dirty="0"/>
@@ -6285,7 +10701,7 @@
 </p:sld>
 </file>
 
-<file path=ppt/slides/slide14.xml><?xml version="1.0" encoding="utf-8"?>
+<file path=ppt/slides/slide21.xml><?xml version="1.0" encoding="utf-8"?>
 <p:sld xmlns:a="http://schemas.openxmlformats.org/drawingml/2006/main" xmlns:r="http://schemas.openxmlformats.org/officeDocument/2006/relationships" xmlns:p="http://schemas.openxmlformats.org/presentationml/2006/main">
   <p:cSld>
     <p:spTree>
@@ -6315,89 +10731,6 @@
 </p:sld>
 </file>
 
-<file path=ppt/slides/slide2.xml><?xml version="1.0" encoding="utf-8"?>
-<p:sld xmlns:a="http://schemas.openxmlformats.org/drawingml/2006/main" xmlns:r="http://schemas.openxmlformats.org/officeDocument/2006/relationships" xmlns:p="http://schemas.openxmlformats.org/presentationml/2006/main">
-  <p:cSld>
-    <p:spTree>
-      <p:nvGrpSpPr>
-        <p:cNvPr id="1" name=""/>
-        <p:cNvGrpSpPr/>
-        <p:nvPr/>
-      </p:nvGrpSpPr>
-      <p:grpSpPr>
-        <a:xfrm>
-          <a:off x="0" y="0"/>
-          <a:ext cx="0" cy="0"/>
-          <a:chOff x="0" y="0"/>
-          <a:chExt cx="0" cy="0"/>
-        </a:xfrm>
-      </p:grpSpPr>
-      <p:sp>
-        <p:nvSpPr>
-          <p:cNvPr id="2" name="标题 1">
-            <a:extLst>
-              <a:ext uri="{FF2B5EF4-FFF2-40B4-BE49-F238E27FC236}">
-                <a16:creationId xmlns:a16="http://schemas.microsoft.com/office/drawing/2014/main" id="{AA7B8389-8CA4-433D-9C25-A0A0143EFA34}"/>
-              </a:ext>
-            </a:extLst>
-          </p:cNvPr>
-          <p:cNvSpPr>
-            <a:spLocks noGrp="1"/>
-          </p:cNvSpPr>
-          <p:nvPr>
-            <p:ph type="title"/>
-          </p:nvPr>
-        </p:nvSpPr>
-        <p:spPr/>
-        <p:txBody>
-          <a:bodyPr/>
-          <a:lstStyle/>
-          <a:p>
-            <a:r>
-              <a:rPr lang="zh-CN" altLang="en-US" dirty="0"/>
-              <a:t>项目背景</a:t>
-            </a:r>
-          </a:p>
-        </p:txBody>
-      </p:sp>
-      <p:sp>
-        <p:nvSpPr>
-          <p:cNvPr id="3" name="文本占位符 2">
-            <a:extLst>
-              <a:ext uri="{FF2B5EF4-FFF2-40B4-BE49-F238E27FC236}">
-                <a16:creationId xmlns:a16="http://schemas.microsoft.com/office/drawing/2014/main" id="{D80BE589-111F-449A-80FB-7C874CE64373}"/>
-              </a:ext>
-            </a:extLst>
-          </p:cNvPr>
-          <p:cNvSpPr>
-            <a:spLocks noGrp="1"/>
-          </p:cNvSpPr>
-          <p:nvPr>
-            <p:ph type="body" idx="1"/>
-          </p:nvPr>
-        </p:nvSpPr>
-        <p:spPr/>
-        <p:txBody>
-          <a:bodyPr/>
-          <a:lstStyle/>
-          <a:p>
-            <a:endParaRPr lang="zh-CN" altLang="en-US" dirty="0"/>
-          </a:p>
-        </p:txBody>
-      </p:sp>
-    </p:spTree>
-    <p:extLst>
-      <p:ext uri="{BB962C8B-B14F-4D97-AF65-F5344CB8AC3E}">
-        <p14:creationId xmlns:p14="http://schemas.microsoft.com/office/powerpoint/2010/main" val="2655110767"/>
-      </p:ext>
-    </p:extLst>
-  </p:cSld>
-  <p:clrMapOvr>
-    <a:masterClrMapping/>
-  </p:clrMapOvr>
-</p:sld>
-</file>
-
 <file path=ppt/slides/slide3.xml><?xml version="1.0" encoding="utf-8"?>
 <p:sld xmlns:a="http://schemas.openxmlformats.org/drawingml/2006/main" xmlns:r="http://schemas.openxmlformats.org/officeDocument/2006/relationships" xmlns:p="http://schemas.openxmlformats.org/presentationml/2006/main">
   <p:cSld>
@@ -6440,6 +10773,14 @@
               <a:rPr lang="zh-CN" altLang="en-US" dirty="0"/>
               <a:t>云计算</a:t>
             </a:r>
+            <a:r>
+              <a:rPr lang="en-US" altLang="zh-CN" dirty="0"/>
+              <a:t>+</a:t>
+            </a:r>
+            <a:r>
+              <a:rPr lang="zh-CN" altLang="en-US" dirty="0"/>
+              <a:t>分布式计算</a:t>
+            </a:r>
           </a:p>
         </p:txBody>
       </p:sp>
@@ -6502,7 +10843,7 @@
             <a:pPr lvl="1"/>
             <a:r>
               <a:rPr lang="zh-CN" altLang="en-US" dirty="0"/>
-              <a:t>用分层反向代理负载均衡就可以满足流量路由需求</a:t>
+              <a:t>内部负载均衡即可满足流量路由需求</a:t>
             </a:r>
             <a:endParaRPr lang="en-US" altLang="zh-CN" dirty="0"/>
           </a:p>
@@ -6510,7 +10851,7 @@
             <a:pPr lvl="1"/>
             <a:r>
               <a:rPr lang="zh-CN" altLang="en-US" dirty="0"/>
-              <a:t>设备都在一起，内部服务间通信很安全</a:t>
+              <a:t>内部服务间通信很安全</a:t>
             </a:r>
             <a:endParaRPr lang="en-US" altLang="zh-CN" dirty="0"/>
           </a:p>
@@ -6518,7 +10859,7 @@
             <a:pPr lvl="1"/>
             <a:r>
               <a:rPr lang="zh-CN" altLang="en-US" dirty="0"/>
-              <a:t>服务器很稳定不容易宕机</a:t>
+              <a:t>服务器稳定不易宕机</a:t>
             </a:r>
             <a:endParaRPr lang="en-US" altLang="zh-CN" dirty="0"/>
           </a:p>
@@ -6549,7 +10890,7 @@
             <a:pPr lvl="1"/>
             <a:r>
               <a:rPr lang="zh-CN" altLang="en-US" dirty="0"/>
-              <a:t>云计算中心负载很大</a:t>
+              <a:t>云计算中心负载大</a:t>
             </a:r>
             <a:endParaRPr lang="en-US" altLang="zh-CN" dirty="0"/>
           </a:p>
@@ -6640,6 +10981,14 @@
               <a:rPr lang="zh-CN" altLang="en-US" dirty="0"/>
               <a:t>边缘计算</a:t>
             </a:r>
+            <a:r>
+              <a:rPr lang="en-US" altLang="zh-CN" dirty="0"/>
+              <a:t>+</a:t>
+            </a:r>
+            <a:r>
+              <a:rPr lang="zh-CN" altLang="en-US" dirty="0"/>
+              <a:t>分布式计算</a:t>
+            </a:r>
           </a:p>
         </p:txBody>
       </p:sp>
@@ -6702,7 +11051,7 @@
             <a:pPr lvl="1"/>
             <a:r>
               <a:rPr lang="zh-CN" altLang="en-US" dirty="0"/>
-              <a:t>单中心的负载均衡无法完成流量路由</a:t>
+              <a:t>流量路由需要在外部完成</a:t>
             </a:r>
             <a:endParaRPr lang="en-US" altLang="zh-CN" dirty="0"/>
           </a:p>
@@ -6741,7 +11090,7 @@
             <a:pPr lvl="1"/>
             <a:r>
               <a:rPr lang="zh-CN" altLang="en-US" dirty="0"/>
-              <a:t>提高边缘地域设备延迟</a:t>
+              <a:t>降低边缘地域设备延迟</a:t>
             </a:r>
             <a:endParaRPr lang="en-US" altLang="zh-CN" dirty="0"/>
           </a:p>
@@ -6995,7 +11344,7 @@
         <p:spPr/>
         <p:txBody>
           <a:bodyPr>
-            <a:normAutofit/>
+            <a:normAutofit lnSpcReduction="10000"/>
           </a:bodyPr>
           <a:lstStyle/>
           <a:p>
@@ -7032,22 +11381,14 @@
           <a:p>
             <a:r>
               <a:rPr lang="zh-CN" altLang="en-US" dirty="0"/>
-              <a:t>单中心的负载均衡无法完成流量路由</a:t>
+              <a:t>流量路由需要在外部完成</a:t>
             </a:r>
           </a:p>
           <a:p>
             <a:pPr lvl="1"/>
             <a:r>
               <a:rPr lang="zh-CN" altLang="en-US" dirty="0"/>
-              <a:t>使用</a:t>
-            </a:r>
-            <a:r>
-              <a:rPr lang="en-US" altLang="zh-CN" dirty="0"/>
-              <a:t>CDN</a:t>
-            </a:r>
-            <a:r>
-              <a:rPr lang="zh-CN" altLang="en-US" dirty="0"/>
-              <a:t>中的全局负载均衡技术进行流量路由</a:t>
+              <a:t>全局负载均衡</a:t>
             </a:r>
             <a:endParaRPr lang="en-US" altLang="zh-CN" dirty="0"/>
           </a:p>
@@ -7061,7 +11402,7 @@
             <a:pPr lvl="1"/>
             <a:r>
               <a:rPr lang="zh-CN" altLang="en-US" dirty="0"/>
-              <a:t>使用基于设备指纹的验证和加密方式</a:t>
+              <a:t>基于设备指纹的验证和加密</a:t>
             </a:r>
             <a:endParaRPr lang="en-US" altLang="zh-CN" dirty="0"/>
           </a:p>
@@ -7075,7 +11416,15 @@
             <a:pPr lvl="1"/>
             <a:r>
               <a:rPr lang="zh-CN" altLang="en-US" dirty="0"/>
-              <a:t>服务管理系统要有自动冗余部署的能力</a:t>
+              <a:t>自动进行冗余部署</a:t>
+            </a:r>
+            <a:endParaRPr lang="en-US" altLang="zh-CN" dirty="0"/>
+          </a:p>
+          <a:p>
+            <a:pPr lvl="1"/>
+            <a:r>
+              <a:rPr lang="zh-CN" altLang="en-US" dirty="0"/>
+              <a:t>自动管理冗余服务间负载均衡</a:t>
             </a:r>
           </a:p>
           <a:p>
@@ -7167,7 +11516,7 @@
         <p:spPr/>
         <p:txBody>
           <a:bodyPr>
-            <a:normAutofit lnSpcReduction="10000"/>
+            <a:normAutofit/>
           </a:bodyPr>
           <a:lstStyle/>
           <a:p>
@@ -7182,20 +11531,6 @@
             <a:r>
               <a:rPr lang="en-US" altLang="zh-CN" dirty="0" err="1"/>
               <a:t>KubeEdge</a:t>
-            </a:r>
-            <a:endParaRPr lang="en-US" altLang="zh-CN" dirty="0"/>
-          </a:p>
-          <a:p>
-            <a:pPr lvl="1"/>
-            <a:r>
-              <a:rPr lang="zh-CN" altLang="en-US" dirty="0">
-                <a:sym typeface="Wingdings" panose="05000000000000000000" pitchFamily="2" charset="2"/>
-              </a:rPr>
-              <a:t>可以</a:t>
-            </a:r>
-            <a:r>
-              <a:rPr lang="zh-CN" altLang="en-US" dirty="0"/>
-              <a:t>指定服务的部署位置和数据的存储位置</a:t>
             </a:r>
             <a:endParaRPr lang="en-US" altLang="zh-CN" dirty="0"/>
           </a:p>
@@ -7209,7 +11544,7 @@
             </a:r>
             <a:r>
               <a:rPr lang="zh-CN" altLang="en-US" dirty="0"/>
-              <a:t>服务管理系统自动冗余部署的能力</a:t>
+              <a:t>指定服务部署位置和数据存储位置</a:t>
             </a:r>
             <a:endParaRPr lang="en-US" altLang="zh-CN" dirty="0"/>
           </a:p>
@@ -7223,7 +11558,21 @@
             </a:r>
             <a:r>
               <a:rPr lang="zh-CN" altLang="en-US" dirty="0"/>
-              <a:t>冗余服务间的服务选择</a:t>
+              <a:t>自动冗余部署</a:t>
+            </a:r>
+            <a:endParaRPr lang="en-US" altLang="zh-CN" dirty="0"/>
+          </a:p>
+          <a:p>
+            <a:pPr lvl="1"/>
+            <a:r>
+              <a:rPr lang="zh-CN" altLang="en-US" dirty="0">
+                <a:sym typeface="Wingdings" panose="05000000000000000000" pitchFamily="2" charset="2"/>
+              </a:rPr>
+              <a:t></a:t>
+            </a:r>
+            <a:r>
+              <a:rPr lang="zh-CN" altLang="en-US" dirty="0"/>
+              <a:t>冗余服务间负载均衡</a:t>
             </a:r>
             <a:endParaRPr lang="en-US" altLang="zh-CN" dirty="0"/>
           </a:p>
@@ -7299,6 +11648,11 @@
               <a:rPr lang="en-US" altLang="zh-CN" dirty="0"/>
               <a:t>EVE</a:t>
             </a:r>
+            <a:r>
+              <a:rPr lang="zh-CN" altLang="en-US" dirty="0"/>
+              <a:t>（需要特殊硬件支持）</a:t>
+            </a:r>
+            <a:endParaRPr lang="en-US" altLang="zh-CN" dirty="0"/>
           </a:p>
           <a:p>
             <a:pPr lvl="1"/>
@@ -7310,15 +11664,7 @@
             </a:r>
             <a:r>
               <a:rPr lang="zh-CN" altLang="en-US" dirty="0"/>
-              <a:t>基于设备指纹的验证和加密方式</a:t>
-            </a:r>
-            <a:endParaRPr lang="en-US" altLang="zh-CN" dirty="0"/>
-          </a:p>
-          <a:p>
-            <a:pPr lvl="1"/>
-            <a:r>
-              <a:rPr lang="zh-CN" altLang="en-US" dirty="0"/>
-              <a:t>需要特殊硬件支持</a:t>
+              <a:t>基于设备指纹的验证和加密</a:t>
             </a:r>
           </a:p>
         </p:txBody>
@@ -7400,7 +11746,7 @@
         <p:spPr/>
         <p:txBody>
           <a:bodyPr>
-            <a:normAutofit/>
+            <a:normAutofit lnSpcReduction="10000"/>
           </a:bodyPr>
           <a:lstStyle/>
           <a:p>
@@ -7428,12 +11774,18 @@
           <a:p>
             <a:pPr lvl="1"/>
             <a:r>
+              <a:rPr lang="zh-CN" altLang="en-US" dirty="0">
+                <a:sym typeface="Wingdings" panose="05000000000000000000" pitchFamily="2" charset="2"/>
+              </a:rPr>
+              <a:t> </a:t>
+            </a:r>
+            <a:r>
               <a:rPr lang="en-US" altLang="zh-CN" dirty="0" err="1"/>
               <a:t>BranchyNet</a:t>
             </a:r>
             <a:r>
               <a:rPr lang="zh-CN" altLang="en-US" dirty="0"/>
-              <a:t>分层网络的搭建和打包分发</a:t>
+              <a:t>分层网络的搭建和打包</a:t>
             </a:r>
             <a:endParaRPr lang="en-US" altLang="zh-CN" dirty="0"/>
           </a:p>
@@ -7463,6 +11815,12 @@
           <a:p>
             <a:pPr lvl="1"/>
             <a:r>
+              <a:rPr lang="zh-CN" altLang="en-US" dirty="0">
+                <a:sym typeface="Wingdings" panose="05000000000000000000" pitchFamily="2" charset="2"/>
+              </a:rPr>
+              <a:t></a:t>
+            </a:r>
+            <a:r>
               <a:rPr lang="zh-CN" altLang="en-US" dirty="0"/>
               <a:t>将服务部署在指定位置</a:t>
             </a:r>
@@ -7471,6 +11829,12 @@
           <a:p>
             <a:pPr lvl="1"/>
             <a:r>
+              <a:rPr lang="zh-CN" altLang="en-US" dirty="0">
+                <a:sym typeface="Wingdings" panose="05000000000000000000" pitchFamily="2" charset="2"/>
+              </a:rPr>
+              <a:t></a:t>
+            </a:r>
+            <a:r>
               <a:rPr lang="zh-CN" altLang="en-US" dirty="0"/>
               <a:t>自动冗余部署</a:t>
             </a:r>
@@ -7479,8 +11843,49 @@
           <a:p>
             <a:pPr lvl="1"/>
             <a:r>
-              <a:rPr lang="zh-CN" altLang="en-US" dirty="0"/>
-              <a:t>边缘计算中心内冗余服务间的负载均衡</a:t>
+              <a:rPr lang="zh-CN" altLang="en-US" dirty="0">
+                <a:sym typeface="Wingdings" panose="05000000000000000000" pitchFamily="2" charset="2"/>
+              </a:rPr>
+              <a:t></a:t>
+            </a:r>
+            <a:r>
+              <a:rPr lang="zh-CN" altLang="en-US" dirty="0"/>
+              <a:t>冗余服务间负载均衡</a:t>
+            </a:r>
+            <a:endParaRPr lang="en-US" altLang="zh-CN" dirty="0"/>
+          </a:p>
+          <a:p>
+            <a:r>
+              <a:rPr lang="zh-CN" altLang="en-US" dirty="0"/>
+              <a:t>未能解决的问题</a:t>
+            </a:r>
+            <a:endParaRPr lang="en-US" altLang="zh-CN" dirty="0"/>
+          </a:p>
+          <a:p>
+            <a:pPr lvl="1"/>
+            <a:r>
+              <a:rPr lang="zh-CN" altLang="zh-CN" dirty="0">
+                <a:sym typeface="Wingdings" panose="05000000000000000000" pitchFamily="2" charset="2"/>
+              </a:rPr>
+              <a:t></a:t>
+            </a:r>
+            <a:r>
+              <a:rPr lang="zh-CN" altLang="en-US" dirty="0"/>
+              <a:t>基于设备指纹的验证和加密</a:t>
+            </a:r>
+            <a:endParaRPr lang="en-US" altLang="zh-CN" dirty="0"/>
+          </a:p>
+          <a:p>
+            <a:pPr lvl="1"/>
+            <a:r>
+              <a:rPr lang="zh-CN" altLang="zh-CN" dirty="0">
+                <a:sym typeface="Wingdings" panose="05000000000000000000" pitchFamily="2" charset="2"/>
+              </a:rPr>
+              <a:t></a:t>
+            </a:r>
+            <a:r>
+              <a:rPr lang="zh-CN" altLang="en-US" dirty="0"/>
+              <a:t>全局负载均衡</a:t>
             </a:r>
           </a:p>
         </p:txBody>
@@ -7538,7 +11943,7 @@
           <a:p>
             <a:r>
               <a:rPr lang="zh-CN" altLang="en-US" dirty="0"/>
-              <a:t>项目总结</a:t>
+              <a:t>架构实现</a:t>
             </a:r>
           </a:p>
         </p:txBody>
@@ -7564,6 +11969,10 @@
           <a:bodyPr/>
           <a:lstStyle/>
           <a:p>
+            <a:r>
+              <a:rPr lang="en-US" altLang="zh-CN" dirty="0"/>
+              <a:t>Design &amp; Implement</a:t>
+            </a:r>
             <a:endParaRPr lang="zh-CN" altLang="en-US" dirty="0"/>
           </a:p>
         </p:txBody>
@@ -7571,7 +11980,7 @@
     </p:spTree>
     <p:extLst>
       <p:ext uri="{BB962C8B-B14F-4D97-AF65-F5344CB8AC3E}">
-        <p14:creationId xmlns:p14="http://schemas.microsoft.com/office/powerpoint/2010/main" val="2815660763"/>
+        <p14:creationId xmlns:p14="http://schemas.microsoft.com/office/powerpoint/2010/main" val="2244677202"/>
       </p:ext>
     </p:extLst>
   </p:cSld>
@@ -7603,7 +12012,7 @@
           <p:cNvPr id="2" name="标题 1">
             <a:extLst>
               <a:ext uri="{FF2B5EF4-FFF2-40B4-BE49-F238E27FC236}">
-                <a16:creationId xmlns:a16="http://schemas.microsoft.com/office/drawing/2014/main" id="{115DC51D-D476-47CB-B7E2-55A2712EFC49}"/>
+                <a16:creationId xmlns:a16="http://schemas.microsoft.com/office/drawing/2014/main" id="{E797C4F7-D5F3-434C-B322-BBAF2B6015D7}"/>
               </a:ext>
             </a:extLst>
           </p:cNvPr>
@@ -7621,119 +12030,1639 @@
           <a:p>
             <a:r>
               <a:rPr lang="zh-CN" altLang="en-US" dirty="0"/>
-              <a:t>项目实现过程中发现的问题</a:t>
-            </a:r>
-          </a:p>
-        </p:txBody>
-      </p:sp>
-      <p:sp>
-        <p:nvSpPr>
-          <p:cNvPr id="3" name="内容占位符 2">
-            <a:extLst>
-              <a:ext uri="{FF2B5EF4-FFF2-40B4-BE49-F238E27FC236}">
-                <a16:creationId xmlns:a16="http://schemas.microsoft.com/office/drawing/2014/main" id="{17EC72B3-39DB-47F2-AB3E-AC9EE68FDD5A}"/>
-              </a:ext>
-            </a:extLst>
-          </p:cNvPr>
-          <p:cNvSpPr>
-            <a:spLocks noGrp="1"/>
-          </p:cNvSpPr>
-          <p:nvPr>
-            <p:ph idx="1"/>
-          </p:nvPr>
-        </p:nvSpPr>
-        <p:spPr/>
-        <p:txBody>
-          <a:bodyPr>
-            <a:normAutofit/>
+              <a:t>架构 </a:t>
+            </a:r>
+            <a:r>
+              <a:rPr lang="en-US" altLang="zh-CN" dirty="0"/>
+              <a:t>- </a:t>
+            </a:r>
+            <a:r>
+              <a:rPr lang="zh-CN" altLang="en-US" dirty="0"/>
+              <a:t>单传输层多计算层</a:t>
+            </a:r>
+          </a:p>
+        </p:txBody>
+      </p:sp>
+      <p:grpSp>
+        <p:nvGrpSpPr>
+          <p:cNvPr id="4" name="组合 3">
+            <a:extLst>
+              <a:ext uri="{FF2B5EF4-FFF2-40B4-BE49-F238E27FC236}">
+                <a16:creationId xmlns:a16="http://schemas.microsoft.com/office/drawing/2014/main" id="{71E6F4CF-8D66-48CC-99FC-C74AAFBD11E4}"/>
+              </a:ext>
+            </a:extLst>
+          </p:cNvPr>
+          <p:cNvGrpSpPr/>
+          <p:nvPr/>
+        </p:nvGrpSpPr>
+        <p:grpSpPr>
+          <a:xfrm>
+            <a:off x="5016000" y="3429000"/>
+            <a:ext cx="2160000" cy="2160000"/>
+            <a:chOff x="5016000" y="1955799"/>
+            <a:chExt cx="2160000" cy="2160000"/>
+          </a:xfrm>
+        </p:grpSpPr>
+        <p:sp>
+          <p:nvSpPr>
+            <p:cNvPr id="5" name="椭圆 4">
+              <a:extLst>
+                <a:ext uri="{FF2B5EF4-FFF2-40B4-BE49-F238E27FC236}">
+                  <a16:creationId xmlns:a16="http://schemas.microsoft.com/office/drawing/2014/main" id="{E8AF9C45-CD42-4123-8FF1-5D6918E33A94}"/>
+                </a:ext>
+              </a:extLst>
+            </p:cNvPr>
+            <p:cNvSpPr/>
+            <p:nvPr/>
+          </p:nvSpPr>
+          <p:spPr>
+            <a:xfrm>
+              <a:off x="5016000" y="1955799"/>
+              <a:ext cx="2160000" cy="2160000"/>
+            </a:xfrm>
+            <a:prstGeom prst="ellipse">
+              <a:avLst/>
+            </a:prstGeom>
+          </p:spPr>
+          <p:style>
+            <a:lnRef idx="2">
+              <a:schemeClr val="dk1"/>
+            </a:lnRef>
+            <a:fillRef idx="1">
+              <a:schemeClr val="lt1"/>
+            </a:fillRef>
+            <a:effectRef idx="0">
+              <a:schemeClr val="dk1"/>
+            </a:effectRef>
+            <a:fontRef idx="minor">
+              <a:schemeClr val="dk1"/>
+            </a:fontRef>
+          </p:style>
+          <p:txBody>
+            <a:bodyPr rtlCol="0" anchor="ctr"/>
+            <a:lstStyle/>
+            <a:p>
+              <a:pPr algn="ctr"/>
+              <a:r>
+                <a:rPr lang="en-US" altLang="zh-CN" dirty="0"/>
+                <a:t>RabbitMQ</a:t>
+              </a:r>
+              <a:endParaRPr lang="zh-CN" altLang="en-US" dirty="0"/>
+            </a:p>
+          </p:txBody>
+        </p:sp>
+        <p:sp>
+          <p:nvSpPr>
+            <p:cNvPr id="6" name="箭头: 右 5">
+              <a:extLst>
+                <a:ext uri="{FF2B5EF4-FFF2-40B4-BE49-F238E27FC236}">
+                  <a16:creationId xmlns:a16="http://schemas.microsoft.com/office/drawing/2014/main" id="{78A5E1D4-9398-4760-986C-5B3B12AC0D07}"/>
+                </a:ext>
+              </a:extLst>
+            </p:cNvPr>
+            <p:cNvSpPr/>
+            <p:nvPr/>
+          </p:nvSpPr>
+          <p:spPr>
+            <a:xfrm rot="16200000">
+              <a:off x="4572000" y="2793482"/>
+              <a:ext cx="1735667" cy="484632"/>
+            </a:xfrm>
+            <a:prstGeom prst="rightArrow">
+              <a:avLst/>
+            </a:prstGeom>
+          </p:spPr>
+          <p:style>
+            <a:lnRef idx="2">
+              <a:schemeClr val="dk1"/>
+            </a:lnRef>
+            <a:fillRef idx="1">
+              <a:schemeClr val="lt1"/>
+            </a:fillRef>
+            <a:effectRef idx="0">
+              <a:schemeClr val="dk1"/>
+            </a:effectRef>
+            <a:fontRef idx="minor">
+              <a:schemeClr val="dk1"/>
+            </a:fontRef>
+          </p:style>
+          <p:txBody>
+            <a:bodyPr rtlCol="0" anchor="ctr"/>
+            <a:lstStyle/>
+            <a:p>
+              <a:pPr algn="ctr"/>
+              <a:r>
+                <a:rPr lang="zh-CN" altLang="en-US" sz="1600" dirty="0"/>
+                <a:t>计算请求队列</a:t>
+              </a:r>
+            </a:p>
+          </p:txBody>
+        </p:sp>
+        <p:sp>
+          <p:nvSpPr>
+            <p:cNvPr id="7" name="箭头: 右 6">
+              <a:extLst>
+                <a:ext uri="{FF2B5EF4-FFF2-40B4-BE49-F238E27FC236}">
+                  <a16:creationId xmlns:a16="http://schemas.microsoft.com/office/drawing/2014/main" id="{3DF4F7CA-EAB7-41CB-8594-AACC8461782B}"/>
+                </a:ext>
+              </a:extLst>
+            </p:cNvPr>
+            <p:cNvSpPr/>
+            <p:nvPr/>
+          </p:nvSpPr>
+          <p:spPr>
+            <a:xfrm rot="5400000">
+              <a:off x="5884334" y="2793482"/>
+              <a:ext cx="1735667" cy="484632"/>
+            </a:xfrm>
+            <a:prstGeom prst="rightArrow">
+              <a:avLst/>
+            </a:prstGeom>
+          </p:spPr>
+          <p:style>
+            <a:lnRef idx="2">
+              <a:schemeClr val="dk1"/>
+            </a:lnRef>
+            <a:fillRef idx="1">
+              <a:schemeClr val="lt1"/>
+            </a:fillRef>
+            <a:effectRef idx="0">
+              <a:schemeClr val="dk1"/>
+            </a:effectRef>
+            <a:fontRef idx="minor">
+              <a:schemeClr val="dk1"/>
+            </a:fontRef>
+          </p:style>
+          <p:txBody>
+            <a:bodyPr rtlCol="0" anchor="ctr"/>
+            <a:lstStyle/>
+            <a:p>
+              <a:pPr algn="ctr"/>
+              <a:r>
+                <a:rPr lang="zh-CN" altLang="en-US" sz="1600" dirty="0"/>
+                <a:t>计算结果队列</a:t>
+              </a:r>
+            </a:p>
+          </p:txBody>
+        </p:sp>
+      </p:grpSp>
+      <p:sp>
+        <p:nvSpPr>
+          <p:cNvPr id="9" name="矩形: 圆角 8">
+            <a:extLst>
+              <a:ext uri="{FF2B5EF4-FFF2-40B4-BE49-F238E27FC236}">
+                <a16:creationId xmlns:a16="http://schemas.microsoft.com/office/drawing/2014/main" id="{A9CDAAE9-846C-46A3-B094-6B23F16DEE50}"/>
+              </a:ext>
+            </a:extLst>
+          </p:cNvPr>
+          <p:cNvSpPr/>
+          <p:nvPr/>
+        </p:nvSpPr>
+        <p:spPr>
+          <a:xfrm>
+            <a:off x="4452408" y="5801165"/>
+            <a:ext cx="3287184" cy="888207"/>
+          </a:xfrm>
+          <a:prstGeom prst="roundRect">
+            <a:avLst/>
+          </a:prstGeom>
+        </p:spPr>
+        <p:style>
+          <a:lnRef idx="2">
+            <a:schemeClr val="dk1"/>
+          </a:lnRef>
+          <a:fillRef idx="1">
+            <a:schemeClr val="lt1"/>
+          </a:fillRef>
+          <a:effectRef idx="0">
+            <a:schemeClr val="dk1"/>
+          </a:effectRef>
+          <a:fontRef idx="minor">
+            <a:schemeClr val="dk1"/>
+          </a:fontRef>
+        </p:style>
+        <p:txBody>
+          <a:bodyPr rtlCol="0" anchor="ctr"/>
+          <a:lstStyle/>
+          <a:p>
+            <a:pPr algn="ctr"/>
+            <a:r>
+              <a:rPr lang="zh-CN" altLang="en-US" dirty="0"/>
+              <a:t>传输层</a:t>
+            </a:r>
+          </a:p>
+        </p:txBody>
+      </p:sp>
+      <p:sp>
+        <p:nvSpPr>
+          <p:cNvPr id="11" name="矩形: 圆角 10">
+            <a:extLst>
+              <a:ext uri="{FF2B5EF4-FFF2-40B4-BE49-F238E27FC236}">
+                <a16:creationId xmlns:a16="http://schemas.microsoft.com/office/drawing/2014/main" id="{2FEF8640-2D2F-447F-B032-5768E011A973}"/>
+              </a:ext>
+            </a:extLst>
+          </p:cNvPr>
+          <p:cNvSpPr/>
+          <p:nvPr/>
+        </p:nvSpPr>
+        <p:spPr>
+          <a:xfrm>
+            <a:off x="3721370" y="1584106"/>
+            <a:ext cx="1462076" cy="888207"/>
+          </a:xfrm>
+          <a:prstGeom prst="roundRect">
+            <a:avLst/>
+          </a:prstGeom>
+        </p:spPr>
+        <p:style>
+          <a:lnRef idx="2">
+            <a:schemeClr val="dk1"/>
+          </a:lnRef>
+          <a:fillRef idx="1">
+            <a:schemeClr val="lt1"/>
+          </a:fillRef>
+          <a:effectRef idx="0">
+            <a:schemeClr val="dk1"/>
+          </a:effectRef>
+          <a:fontRef idx="minor">
+            <a:schemeClr val="dk1"/>
+          </a:fontRef>
+        </p:style>
+        <p:txBody>
+          <a:bodyPr rtlCol="0" anchor="ctr"/>
+          <a:lstStyle/>
+          <a:p>
+            <a:pPr algn="ctr"/>
+            <a:r>
+              <a:rPr lang="zh-CN" altLang="en-US" dirty="0"/>
+              <a:t>计算层</a:t>
+            </a:r>
+          </a:p>
+        </p:txBody>
+      </p:sp>
+      <p:sp>
+        <p:nvSpPr>
+          <p:cNvPr id="13" name="矩形: 圆角 12">
+            <a:extLst>
+              <a:ext uri="{FF2B5EF4-FFF2-40B4-BE49-F238E27FC236}">
+                <a16:creationId xmlns:a16="http://schemas.microsoft.com/office/drawing/2014/main" id="{689CAAF8-FC9C-4FC2-9389-6924A1016E1F}"/>
+              </a:ext>
+            </a:extLst>
+          </p:cNvPr>
+          <p:cNvSpPr/>
+          <p:nvPr/>
+        </p:nvSpPr>
+        <p:spPr>
+          <a:xfrm>
+            <a:off x="5364962" y="1594113"/>
+            <a:ext cx="1462076" cy="888207"/>
+          </a:xfrm>
+          <a:prstGeom prst="roundRect">
+            <a:avLst/>
+          </a:prstGeom>
+        </p:spPr>
+        <p:style>
+          <a:lnRef idx="2">
+            <a:schemeClr val="dk1"/>
+          </a:lnRef>
+          <a:fillRef idx="1">
+            <a:schemeClr val="lt1"/>
+          </a:fillRef>
+          <a:effectRef idx="0">
+            <a:schemeClr val="dk1"/>
+          </a:effectRef>
+          <a:fontRef idx="minor">
+            <a:schemeClr val="dk1"/>
+          </a:fontRef>
+        </p:style>
+        <p:txBody>
+          <a:bodyPr rtlCol="0" anchor="ctr"/>
+          <a:lstStyle/>
+          <a:p>
+            <a:pPr algn="ctr"/>
+            <a:r>
+              <a:rPr lang="zh-CN" altLang="en-US" dirty="0"/>
+              <a:t>计算层</a:t>
+            </a:r>
+          </a:p>
+        </p:txBody>
+      </p:sp>
+      <p:sp>
+        <p:nvSpPr>
+          <p:cNvPr id="15" name="矩形: 圆角 14">
+            <a:extLst>
+              <a:ext uri="{FF2B5EF4-FFF2-40B4-BE49-F238E27FC236}">
+                <a16:creationId xmlns:a16="http://schemas.microsoft.com/office/drawing/2014/main" id="{8AB022D3-DA59-47A5-BE3C-4D73EBC474A5}"/>
+              </a:ext>
+            </a:extLst>
+          </p:cNvPr>
+          <p:cNvSpPr/>
+          <p:nvPr/>
+        </p:nvSpPr>
+        <p:spPr>
+          <a:xfrm>
+            <a:off x="7008554" y="1584105"/>
+            <a:ext cx="1462076" cy="888207"/>
+          </a:xfrm>
+          <a:prstGeom prst="roundRect">
+            <a:avLst/>
+          </a:prstGeom>
+        </p:spPr>
+        <p:style>
+          <a:lnRef idx="2">
+            <a:schemeClr val="dk1"/>
+          </a:lnRef>
+          <a:fillRef idx="1">
+            <a:schemeClr val="lt1"/>
+          </a:fillRef>
+          <a:effectRef idx="0">
+            <a:schemeClr val="dk1"/>
+          </a:effectRef>
+          <a:fontRef idx="minor">
+            <a:schemeClr val="dk1"/>
+          </a:fontRef>
+        </p:style>
+        <p:txBody>
+          <a:bodyPr rtlCol="0" anchor="ctr"/>
+          <a:lstStyle/>
+          <a:p>
+            <a:pPr algn="ctr"/>
+            <a:r>
+              <a:rPr lang="zh-CN" altLang="en-US" dirty="0"/>
+              <a:t>计算层</a:t>
+            </a:r>
+          </a:p>
+        </p:txBody>
+      </p:sp>
+      <p:cxnSp>
+        <p:nvCxnSpPr>
+          <p:cNvPr id="22" name="直接箭头连接符 21">
+            <a:extLst>
+              <a:ext uri="{FF2B5EF4-FFF2-40B4-BE49-F238E27FC236}">
+                <a16:creationId xmlns:a16="http://schemas.microsoft.com/office/drawing/2014/main" id="{434A708D-CD0D-4EE0-98CF-C46278B5DF89}"/>
+              </a:ext>
+            </a:extLst>
+          </p:cNvPr>
+          <p:cNvCxnSpPr>
+            <a:cxnSpLocks/>
+            <a:stCxn id="6" idx="3"/>
+            <a:endCxn id="11" idx="2"/>
+          </p:cNvCxnSpPr>
+          <p:nvPr/>
+        </p:nvCxnSpPr>
+        <p:spPr>
+          <a:xfrm flipH="1" flipV="1">
+            <a:off x="4452408" y="2472313"/>
+            <a:ext cx="987426" cy="1168853"/>
+          </a:xfrm>
+          <a:prstGeom prst="straightConnector1">
+            <a:avLst/>
+          </a:prstGeom>
+          <a:ln>
+            <a:tailEnd type="triangle"/>
+          </a:ln>
+        </p:spPr>
+        <p:style>
+          <a:lnRef idx="2">
+            <a:schemeClr val="accent5"/>
+          </a:lnRef>
+          <a:fillRef idx="0">
+            <a:schemeClr val="accent5"/>
+          </a:fillRef>
+          <a:effectRef idx="1">
+            <a:schemeClr val="accent5"/>
+          </a:effectRef>
+          <a:fontRef idx="minor">
+            <a:schemeClr val="tx1"/>
+          </a:fontRef>
+        </p:style>
+      </p:cxnSp>
+      <p:cxnSp>
+        <p:nvCxnSpPr>
+          <p:cNvPr id="23" name="直接箭头连接符 22">
+            <a:extLst>
+              <a:ext uri="{FF2B5EF4-FFF2-40B4-BE49-F238E27FC236}">
+                <a16:creationId xmlns:a16="http://schemas.microsoft.com/office/drawing/2014/main" id="{8DC8083F-2A19-47CC-A0F5-E78E6DAEA50C}"/>
+              </a:ext>
+            </a:extLst>
+          </p:cNvPr>
+          <p:cNvCxnSpPr>
+            <a:cxnSpLocks/>
+            <a:stCxn id="11" idx="2"/>
+            <a:endCxn id="7" idx="1"/>
+          </p:cNvCxnSpPr>
+          <p:nvPr/>
+        </p:nvCxnSpPr>
+        <p:spPr>
+          <a:xfrm>
+            <a:off x="4452408" y="2472313"/>
+            <a:ext cx="2299760" cy="1168853"/>
+          </a:xfrm>
+          <a:prstGeom prst="straightConnector1">
+            <a:avLst/>
+          </a:prstGeom>
+          <a:ln>
+            <a:tailEnd type="triangle"/>
+          </a:ln>
+        </p:spPr>
+        <p:style>
+          <a:lnRef idx="2">
+            <a:schemeClr val="accent6"/>
+          </a:lnRef>
+          <a:fillRef idx="0">
+            <a:schemeClr val="accent6"/>
+          </a:fillRef>
+          <a:effectRef idx="1">
+            <a:schemeClr val="accent6"/>
+          </a:effectRef>
+          <a:fontRef idx="minor">
+            <a:schemeClr val="tx1"/>
+          </a:fontRef>
+        </p:style>
+      </p:cxnSp>
+      <p:cxnSp>
+        <p:nvCxnSpPr>
+          <p:cNvPr id="28" name="直接箭头连接符 27">
+            <a:extLst>
+              <a:ext uri="{FF2B5EF4-FFF2-40B4-BE49-F238E27FC236}">
+                <a16:creationId xmlns:a16="http://schemas.microsoft.com/office/drawing/2014/main" id="{E325B619-5A7D-4D1D-BB6D-6B4A14A54354}"/>
+              </a:ext>
+            </a:extLst>
+          </p:cNvPr>
+          <p:cNvCxnSpPr>
+            <a:cxnSpLocks/>
+            <a:stCxn id="13" idx="2"/>
+            <a:endCxn id="7" idx="1"/>
+          </p:cNvCxnSpPr>
+          <p:nvPr/>
+        </p:nvCxnSpPr>
+        <p:spPr>
+          <a:xfrm>
+            <a:off x="6096000" y="2482320"/>
+            <a:ext cx="656168" cy="1158846"/>
+          </a:xfrm>
+          <a:prstGeom prst="straightConnector1">
+            <a:avLst/>
+          </a:prstGeom>
+          <a:ln>
+            <a:tailEnd type="triangle"/>
+          </a:ln>
+        </p:spPr>
+        <p:style>
+          <a:lnRef idx="2">
+            <a:schemeClr val="accent6"/>
+          </a:lnRef>
+          <a:fillRef idx="0">
+            <a:schemeClr val="accent6"/>
+          </a:fillRef>
+          <a:effectRef idx="1">
+            <a:schemeClr val="accent6"/>
+          </a:effectRef>
+          <a:fontRef idx="minor">
+            <a:schemeClr val="tx1"/>
+          </a:fontRef>
+        </p:style>
+      </p:cxnSp>
+      <p:cxnSp>
+        <p:nvCxnSpPr>
+          <p:cNvPr id="31" name="直接箭头连接符 30">
+            <a:extLst>
+              <a:ext uri="{FF2B5EF4-FFF2-40B4-BE49-F238E27FC236}">
+                <a16:creationId xmlns:a16="http://schemas.microsoft.com/office/drawing/2014/main" id="{A0038D43-E9DA-4A86-8B88-5A4E1380692A}"/>
+              </a:ext>
+            </a:extLst>
+          </p:cNvPr>
+          <p:cNvCxnSpPr>
+            <a:cxnSpLocks/>
+            <a:stCxn id="6" idx="3"/>
+            <a:endCxn id="13" idx="2"/>
+          </p:cNvCxnSpPr>
+          <p:nvPr/>
+        </p:nvCxnSpPr>
+        <p:spPr>
+          <a:xfrm flipV="1">
+            <a:off x="5439834" y="2482320"/>
+            <a:ext cx="656166" cy="1158846"/>
+          </a:xfrm>
+          <a:prstGeom prst="straightConnector1">
+            <a:avLst/>
+          </a:prstGeom>
+          <a:ln>
+            <a:tailEnd type="triangle"/>
+          </a:ln>
+        </p:spPr>
+        <p:style>
+          <a:lnRef idx="2">
+            <a:schemeClr val="accent5"/>
+          </a:lnRef>
+          <a:fillRef idx="0">
+            <a:schemeClr val="accent5"/>
+          </a:fillRef>
+          <a:effectRef idx="1">
+            <a:schemeClr val="accent5"/>
+          </a:effectRef>
+          <a:fontRef idx="minor">
+            <a:schemeClr val="tx1"/>
+          </a:fontRef>
+        </p:style>
+      </p:cxnSp>
+      <p:cxnSp>
+        <p:nvCxnSpPr>
+          <p:cNvPr id="34" name="直接箭头连接符 33">
+            <a:extLst>
+              <a:ext uri="{FF2B5EF4-FFF2-40B4-BE49-F238E27FC236}">
+                <a16:creationId xmlns:a16="http://schemas.microsoft.com/office/drawing/2014/main" id="{778CFC4E-5D28-4CE8-836A-E8EFEDC2235A}"/>
+              </a:ext>
+            </a:extLst>
+          </p:cNvPr>
+          <p:cNvCxnSpPr>
+            <a:cxnSpLocks/>
+            <a:stCxn id="6" idx="3"/>
+            <a:endCxn id="15" idx="2"/>
+          </p:cNvCxnSpPr>
+          <p:nvPr/>
+        </p:nvCxnSpPr>
+        <p:spPr>
+          <a:xfrm flipV="1">
+            <a:off x="5439834" y="2472312"/>
+            <a:ext cx="2299758" cy="1168854"/>
+          </a:xfrm>
+          <a:prstGeom prst="straightConnector1">
+            <a:avLst/>
+          </a:prstGeom>
+          <a:ln>
+            <a:tailEnd type="triangle"/>
+          </a:ln>
+        </p:spPr>
+        <p:style>
+          <a:lnRef idx="2">
+            <a:schemeClr val="accent5"/>
+          </a:lnRef>
+          <a:fillRef idx="0">
+            <a:schemeClr val="accent5"/>
+          </a:fillRef>
+          <a:effectRef idx="1">
+            <a:schemeClr val="accent5"/>
+          </a:effectRef>
+          <a:fontRef idx="minor">
+            <a:schemeClr val="tx1"/>
+          </a:fontRef>
+        </p:style>
+      </p:cxnSp>
+      <p:sp>
+        <p:nvSpPr>
+          <p:cNvPr id="45" name="矩形: 圆角 44">
+            <a:extLst>
+              <a:ext uri="{FF2B5EF4-FFF2-40B4-BE49-F238E27FC236}">
+                <a16:creationId xmlns:a16="http://schemas.microsoft.com/office/drawing/2014/main" id="{066C742F-11DF-4548-94BE-02531F92AE94}"/>
+              </a:ext>
+            </a:extLst>
+          </p:cNvPr>
+          <p:cNvSpPr/>
+          <p:nvPr/>
+        </p:nvSpPr>
+        <p:spPr>
+          <a:xfrm>
+            <a:off x="8652146" y="1594113"/>
+            <a:ext cx="1462076" cy="888207"/>
+          </a:xfrm>
+          <a:prstGeom prst="roundRect">
+            <a:avLst/>
+          </a:prstGeom>
+        </p:spPr>
+        <p:style>
+          <a:lnRef idx="2">
+            <a:schemeClr val="dk1"/>
+          </a:lnRef>
+          <a:fillRef idx="1">
+            <a:schemeClr val="lt1"/>
+          </a:fillRef>
+          <a:effectRef idx="0">
+            <a:schemeClr val="dk1"/>
+          </a:effectRef>
+          <a:fontRef idx="minor">
+            <a:schemeClr val="dk1"/>
+          </a:fontRef>
+        </p:style>
+        <p:txBody>
+          <a:bodyPr rtlCol="0" anchor="ctr"/>
+          <a:lstStyle/>
+          <a:p>
+            <a:pPr algn="ctr"/>
+            <a:r>
+              <a:rPr lang="zh-CN" altLang="en-US" dirty="0"/>
+              <a:t>计算层</a:t>
+            </a:r>
+          </a:p>
+        </p:txBody>
+      </p:sp>
+      <p:sp>
+        <p:nvSpPr>
+          <p:cNvPr id="47" name="矩形: 圆角 46">
+            <a:extLst>
+              <a:ext uri="{FF2B5EF4-FFF2-40B4-BE49-F238E27FC236}">
+                <a16:creationId xmlns:a16="http://schemas.microsoft.com/office/drawing/2014/main" id="{45098728-8F95-41B2-8FF4-654657DE3E0B}"/>
+              </a:ext>
+            </a:extLst>
+          </p:cNvPr>
+          <p:cNvSpPr/>
+          <p:nvPr/>
+        </p:nvSpPr>
+        <p:spPr>
+          <a:xfrm>
+            <a:off x="10295738" y="1584105"/>
+            <a:ext cx="1462076" cy="888207"/>
+          </a:xfrm>
+          <a:prstGeom prst="roundRect">
+            <a:avLst/>
+          </a:prstGeom>
+        </p:spPr>
+        <p:style>
+          <a:lnRef idx="2">
+            <a:schemeClr val="dk1"/>
+          </a:lnRef>
+          <a:fillRef idx="1">
+            <a:schemeClr val="lt1"/>
+          </a:fillRef>
+          <a:effectRef idx="0">
+            <a:schemeClr val="dk1"/>
+          </a:effectRef>
+          <a:fontRef idx="minor">
+            <a:schemeClr val="dk1"/>
+          </a:fontRef>
+        </p:style>
+        <p:txBody>
+          <a:bodyPr rtlCol="0" anchor="ctr"/>
+          <a:lstStyle/>
+          <a:p>
+            <a:pPr algn="ctr"/>
+            <a:r>
+              <a:rPr lang="zh-CN" altLang="en-US" dirty="0"/>
+              <a:t>计算层</a:t>
+            </a:r>
+          </a:p>
+        </p:txBody>
+      </p:sp>
+      <p:sp>
+        <p:nvSpPr>
+          <p:cNvPr id="49" name="矩形: 圆角 48">
+            <a:extLst>
+              <a:ext uri="{FF2B5EF4-FFF2-40B4-BE49-F238E27FC236}">
+                <a16:creationId xmlns:a16="http://schemas.microsoft.com/office/drawing/2014/main" id="{878EC121-A82C-4EFF-A904-9ACD06F4CB95}"/>
+              </a:ext>
+            </a:extLst>
+          </p:cNvPr>
+          <p:cNvSpPr/>
+          <p:nvPr/>
+        </p:nvSpPr>
+        <p:spPr>
+          <a:xfrm>
+            <a:off x="434186" y="1604121"/>
+            <a:ext cx="1462076" cy="888207"/>
+          </a:xfrm>
+          <a:prstGeom prst="roundRect">
+            <a:avLst/>
+          </a:prstGeom>
+        </p:spPr>
+        <p:style>
+          <a:lnRef idx="2">
+            <a:schemeClr val="dk1"/>
+          </a:lnRef>
+          <a:fillRef idx="1">
+            <a:schemeClr val="lt1"/>
+          </a:fillRef>
+          <a:effectRef idx="0">
+            <a:schemeClr val="dk1"/>
+          </a:effectRef>
+          <a:fontRef idx="minor">
+            <a:schemeClr val="dk1"/>
+          </a:fontRef>
+        </p:style>
+        <p:txBody>
+          <a:bodyPr rtlCol="0" anchor="ctr"/>
+          <a:lstStyle/>
+          <a:p>
+            <a:pPr algn="ctr"/>
+            <a:r>
+              <a:rPr lang="zh-CN" altLang="en-US" dirty="0"/>
+              <a:t>计算层</a:t>
+            </a:r>
+          </a:p>
+        </p:txBody>
+      </p:sp>
+      <p:sp>
+        <p:nvSpPr>
+          <p:cNvPr id="51" name="矩形: 圆角 50">
+            <a:extLst>
+              <a:ext uri="{FF2B5EF4-FFF2-40B4-BE49-F238E27FC236}">
+                <a16:creationId xmlns:a16="http://schemas.microsoft.com/office/drawing/2014/main" id="{CD139AEB-419B-4E7E-8DA2-2F01CA11156E}"/>
+              </a:ext>
+            </a:extLst>
+          </p:cNvPr>
+          <p:cNvSpPr/>
+          <p:nvPr/>
+        </p:nvSpPr>
+        <p:spPr>
+          <a:xfrm>
+            <a:off x="2077778" y="1594113"/>
+            <a:ext cx="1462076" cy="888207"/>
+          </a:xfrm>
+          <a:prstGeom prst="roundRect">
+            <a:avLst/>
+          </a:prstGeom>
+        </p:spPr>
+        <p:style>
+          <a:lnRef idx="2">
+            <a:schemeClr val="dk1"/>
+          </a:lnRef>
+          <a:fillRef idx="1">
+            <a:schemeClr val="lt1"/>
+          </a:fillRef>
+          <a:effectRef idx="0">
+            <a:schemeClr val="dk1"/>
+          </a:effectRef>
+          <a:fontRef idx="minor">
+            <a:schemeClr val="dk1"/>
+          </a:fontRef>
+        </p:style>
+        <p:txBody>
+          <a:bodyPr rtlCol="0" anchor="ctr"/>
+          <a:lstStyle/>
+          <a:p>
+            <a:pPr algn="ctr"/>
+            <a:r>
+              <a:rPr lang="zh-CN" altLang="en-US" dirty="0"/>
+              <a:t>计算层</a:t>
+            </a:r>
+          </a:p>
+        </p:txBody>
+      </p:sp>
+      <p:cxnSp>
+        <p:nvCxnSpPr>
+          <p:cNvPr id="20" name="直接箭头连接符 19">
+            <a:extLst>
+              <a:ext uri="{FF2B5EF4-FFF2-40B4-BE49-F238E27FC236}">
+                <a16:creationId xmlns:a16="http://schemas.microsoft.com/office/drawing/2014/main" id="{6E3EB1D9-499B-478F-AE5B-07920B00D7AE}"/>
+              </a:ext>
+            </a:extLst>
+          </p:cNvPr>
+          <p:cNvCxnSpPr>
+            <a:cxnSpLocks/>
+            <a:stCxn id="6" idx="3"/>
+            <a:endCxn id="45" idx="2"/>
+          </p:cNvCxnSpPr>
+          <p:nvPr/>
+        </p:nvCxnSpPr>
+        <p:spPr>
+          <a:xfrm flipV="1">
+            <a:off x="5439834" y="2482320"/>
+            <a:ext cx="3943350" cy="1158846"/>
+          </a:xfrm>
+          <a:prstGeom prst="straightConnector1">
+            <a:avLst/>
+          </a:prstGeom>
+          <a:ln>
+            <a:tailEnd type="triangle"/>
+          </a:ln>
+        </p:spPr>
+        <p:style>
+          <a:lnRef idx="2">
+            <a:schemeClr val="accent5"/>
+          </a:lnRef>
+          <a:fillRef idx="0">
+            <a:schemeClr val="accent5"/>
+          </a:fillRef>
+          <a:effectRef idx="1">
+            <a:schemeClr val="accent5"/>
+          </a:effectRef>
+          <a:fontRef idx="minor">
+            <a:schemeClr val="tx1"/>
+          </a:fontRef>
+        </p:style>
+      </p:cxnSp>
+      <p:cxnSp>
+        <p:nvCxnSpPr>
+          <p:cNvPr id="24" name="直接箭头连接符 23">
+            <a:extLst>
+              <a:ext uri="{FF2B5EF4-FFF2-40B4-BE49-F238E27FC236}">
+                <a16:creationId xmlns:a16="http://schemas.microsoft.com/office/drawing/2014/main" id="{995E613F-756E-4B2E-89D7-2BBF5445AF95}"/>
+              </a:ext>
+            </a:extLst>
+          </p:cNvPr>
+          <p:cNvCxnSpPr>
+            <a:cxnSpLocks/>
+            <a:stCxn id="6" idx="3"/>
+            <a:endCxn id="47" idx="2"/>
+          </p:cNvCxnSpPr>
+          <p:nvPr/>
+        </p:nvCxnSpPr>
+        <p:spPr>
+          <a:xfrm flipV="1">
+            <a:off x="5439834" y="2472312"/>
+            <a:ext cx="5586942" cy="1168854"/>
+          </a:xfrm>
+          <a:prstGeom prst="straightConnector1">
+            <a:avLst/>
+          </a:prstGeom>
+          <a:ln>
+            <a:tailEnd type="triangle"/>
+          </a:ln>
+        </p:spPr>
+        <p:style>
+          <a:lnRef idx="2">
+            <a:schemeClr val="accent5"/>
+          </a:lnRef>
+          <a:fillRef idx="0">
+            <a:schemeClr val="accent5"/>
+          </a:fillRef>
+          <a:effectRef idx="1">
+            <a:schemeClr val="accent5"/>
+          </a:effectRef>
+          <a:fontRef idx="minor">
+            <a:schemeClr val="tx1"/>
+          </a:fontRef>
+        </p:style>
+      </p:cxnSp>
+      <p:cxnSp>
+        <p:nvCxnSpPr>
+          <p:cNvPr id="27" name="直接箭头连接符 26">
+            <a:extLst>
+              <a:ext uri="{FF2B5EF4-FFF2-40B4-BE49-F238E27FC236}">
+                <a16:creationId xmlns:a16="http://schemas.microsoft.com/office/drawing/2014/main" id="{FA83AD67-77BD-4BFA-8CC2-AEFEE530EF06}"/>
+              </a:ext>
+            </a:extLst>
+          </p:cNvPr>
+          <p:cNvCxnSpPr>
+            <a:cxnSpLocks/>
+            <a:stCxn id="51" idx="2"/>
+            <a:endCxn id="7" idx="1"/>
+          </p:cNvCxnSpPr>
+          <p:nvPr/>
+        </p:nvCxnSpPr>
+        <p:spPr>
+          <a:xfrm>
+            <a:off x="2808816" y="2482320"/>
+            <a:ext cx="3943352" cy="1158846"/>
+          </a:xfrm>
+          <a:prstGeom prst="straightConnector1">
+            <a:avLst/>
+          </a:prstGeom>
+          <a:ln>
+            <a:tailEnd type="triangle"/>
+          </a:ln>
+        </p:spPr>
+        <p:style>
+          <a:lnRef idx="2">
+            <a:schemeClr val="accent6"/>
+          </a:lnRef>
+          <a:fillRef idx="0">
+            <a:schemeClr val="accent6"/>
+          </a:fillRef>
+          <a:effectRef idx="1">
+            <a:schemeClr val="accent6"/>
+          </a:effectRef>
+          <a:fontRef idx="minor">
+            <a:schemeClr val="tx1"/>
+          </a:fontRef>
+        </p:style>
+      </p:cxnSp>
+      <p:cxnSp>
+        <p:nvCxnSpPr>
+          <p:cNvPr id="30" name="直接箭头连接符 29">
+            <a:extLst>
+              <a:ext uri="{FF2B5EF4-FFF2-40B4-BE49-F238E27FC236}">
+                <a16:creationId xmlns:a16="http://schemas.microsoft.com/office/drawing/2014/main" id="{45C0E9FB-35B1-4A4C-8A0C-0F39B193E38F}"/>
+              </a:ext>
+            </a:extLst>
+          </p:cNvPr>
+          <p:cNvCxnSpPr>
+            <a:cxnSpLocks/>
+            <a:stCxn id="49" idx="2"/>
+            <a:endCxn id="7" idx="1"/>
+          </p:cNvCxnSpPr>
+          <p:nvPr/>
+        </p:nvCxnSpPr>
+        <p:spPr>
+          <a:xfrm>
+            <a:off x="1165224" y="2492328"/>
+            <a:ext cx="5586944" cy="1148838"/>
+          </a:xfrm>
+          <a:prstGeom prst="straightConnector1">
+            <a:avLst/>
+          </a:prstGeom>
+          <a:ln>
+            <a:tailEnd type="triangle"/>
+          </a:ln>
+        </p:spPr>
+        <p:style>
+          <a:lnRef idx="2">
+            <a:schemeClr val="accent6"/>
+          </a:lnRef>
+          <a:fillRef idx="0">
+            <a:schemeClr val="accent6"/>
+          </a:fillRef>
+          <a:effectRef idx="1">
+            <a:schemeClr val="accent6"/>
+          </a:effectRef>
+          <a:fontRef idx="minor">
+            <a:schemeClr val="tx1"/>
+          </a:fontRef>
+        </p:style>
+      </p:cxnSp>
+      <p:cxnSp>
+        <p:nvCxnSpPr>
+          <p:cNvPr id="35" name="直接箭头连接符 34">
+            <a:extLst>
+              <a:ext uri="{FF2B5EF4-FFF2-40B4-BE49-F238E27FC236}">
+                <a16:creationId xmlns:a16="http://schemas.microsoft.com/office/drawing/2014/main" id="{7CBA1111-3A49-4571-ABCC-0D5F4FF294CE}"/>
+              </a:ext>
+            </a:extLst>
+          </p:cNvPr>
+          <p:cNvCxnSpPr>
+            <a:cxnSpLocks/>
+            <a:stCxn id="6" idx="3"/>
+            <a:endCxn id="51" idx="2"/>
+          </p:cNvCxnSpPr>
+          <p:nvPr/>
+        </p:nvCxnSpPr>
+        <p:spPr>
+          <a:xfrm flipH="1" flipV="1">
+            <a:off x="2808816" y="2482320"/>
+            <a:ext cx="2631018" cy="1158846"/>
+          </a:xfrm>
+          <a:prstGeom prst="straightConnector1">
+            <a:avLst/>
+          </a:prstGeom>
+          <a:ln>
+            <a:tailEnd type="triangle"/>
+          </a:ln>
+        </p:spPr>
+        <p:style>
+          <a:lnRef idx="2">
+            <a:schemeClr val="accent5"/>
+          </a:lnRef>
+          <a:fillRef idx="0">
+            <a:schemeClr val="accent5"/>
+          </a:fillRef>
+          <a:effectRef idx="1">
+            <a:schemeClr val="accent5"/>
+          </a:effectRef>
+          <a:fontRef idx="minor">
+            <a:schemeClr val="tx1"/>
+          </a:fontRef>
+        </p:style>
+      </p:cxnSp>
+      <p:cxnSp>
+        <p:nvCxnSpPr>
+          <p:cNvPr id="37" name="直接箭头连接符 36">
+            <a:extLst>
+              <a:ext uri="{FF2B5EF4-FFF2-40B4-BE49-F238E27FC236}">
+                <a16:creationId xmlns:a16="http://schemas.microsoft.com/office/drawing/2014/main" id="{28CA79A7-88EB-4C4D-A59D-1BD2B7054D12}"/>
+              </a:ext>
+            </a:extLst>
+          </p:cNvPr>
+          <p:cNvCxnSpPr>
+            <a:cxnSpLocks/>
+            <a:stCxn id="6" idx="3"/>
+            <a:endCxn id="49" idx="2"/>
+          </p:cNvCxnSpPr>
+          <p:nvPr/>
+        </p:nvCxnSpPr>
+        <p:spPr>
+          <a:xfrm flipH="1" flipV="1">
+            <a:off x="1165224" y="2492328"/>
+            <a:ext cx="4274610" cy="1148838"/>
+          </a:xfrm>
+          <a:prstGeom prst="straightConnector1">
+            <a:avLst/>
+          </a:prstGeom>
+          <a:ln>
+            <a:tailEnd type="triangle"/>
+          </a:ln>
+        </p:spPr>
+        <p:style>
+          <a:lnRef idx="2">
+            <a:schemeClr val="accent5"/>
+          </a:lnRef>
+          <a:fillRef idx="0">
+            <a:schemeClr val="accent5"/>
+          </a:fillRef>
+          <a:effectRef idx="1">
+            <a:schemeClr val="accent5"/>
+          </a:effectRef>
+          <a:fontRef idx="minor">
+            <a:schemeClr val="tx1"/>
+          </a:fontRef>
+        </p:style>
+      </p:cxnSp>
+      <p:cxnSp>
+        <p:nvCxnSpPr>
+          <p:cNvPr id="40" name="直接箭头连接符 39">
+            <a:extLst>
+              <a:ext uri="{FF2B5EF4-FFF2-40B4-BE49-F238E27FC236}">
+                <a16:creationId xmlns:a16="http://schemas.microsoft.com/office/drawing/2014/main" id="{F9291F2F-AA82-4148-9906-45B113D02077}"/>
+              </a:ext>
+            </a:extLst>
+          </p:cNvPr>
+          <p:cNvCxnSpPr>
+            <a:cxnSpLocks/>
+            <a:stCxn id="15" idx="2"/>
+            <a:endCxn id="7" idx="1"/>
+          </p:cNvCxnSpPr>
+          <p:nvPr/>
+        </p:nvCxnSpPr>
+        <p:spPr>
+          <a:xfrm flipH="1">
+            <a:off x="6752168" y="2472312"/>
+            <a:ext cx="987424" cy="1168854"/>
+          </a:xfrm>
+          <a:prstGeom prst="straightConnector1">
+            <a:avLst/>
+          </a:prstGeom>
+          <a:ln>
+            <a:tailEnd type="triangle"/>
+          </a:ln>
+        </p:spPr>
+        <p:style>
+          <a:lnRef idx="2">
+            <a:schemeClr val="accent6"/>
+          </a:lnRef>
+          <a:fillRef idx="0">
+            <a:schemeClr val="accent6"/>
+          </a:fillRef>
+          <a:effectRef idx="1">
+            <a:schemeClr val="accent6"/>
+          </a:effectRef>
+          <a:fontRef idx="minor">
+            <a:schemeClr val="tx1"/>
+          </a:fontRef>
+        </p:style>
+      </p:cxnSp>
+      <p:cxnSp>
+        <p:nvCxnSpPr>
+          <p:cNvPr id="43" name="直接箭头连接符 42">
+            <a:extLst>
+              <a:ext uri="{FF2B5EF4-FFF2-40B4-BE49-F238E27FC236}">
+                <a16:creationId xmlns:a16="http://schemas.microsoft.com/office/drawing/2014/main" id="{EE320004-B35F-45E1-87A0-1D506347CDB6}"/>
+              </a:ext>
+            </a:extLst>
+          </p:cNvPr>
+          <p:cNvCxnSpPr>
+            <a:cxnSpLocks/>
+            <a:stCxn id="45" idx="2"/>
+            <a:endCxn id="7" idx="1"/>
+          </p:cNvCxnSpPr>
+          <p:nvPr/>
+        </p:nvCxnSpPr>
+        <p:spPr>
+          <a:xfrm flipH="1">
+            <a:off x="6752168" y="2482320"/>
+            <a:ext cx="2631016" cy="1158846"/>
+          </a:xfrm>
+          <a:prstGeom prst="straightConnector1">
+            <a:avLst/>
+          </a:prstGeom>
+          <a:ln>
+            <a:tailEnd type="triangle"/>
+          </a:ln>
+        </p:spPr>
+        <p:style>
+          <a:lnRef idx="2">
+            <a:schemeClr val="accent6"/>
+          </a:lnRef>
+          <a:fillRef idx="0">
+            <a:schemeClr val="accent6"/>
+          </a:fillRef>
+          <a:effectRef idx="1">
+            <a:schemeClr val="accent6"/>
+          </a:effectRef>
+          <a:fontRef idx="minor">
+            <a:schemeClr val="tx1"/>
+          </a:fontRef>
+        </p:style>
+      </p:cxnSp>
+      <p:cxnSp>
+        <p:nvCxnSpPr>
+          <p:cNvPr id="46" name="直接箭头连接符 45">
+            <a:extLst>
+              <a:ext uri="{FF2B5EF4-FFF2-40B4-BE49-F238E27FC236}">
+                <a16:creationId xmlns:a16="http://schemas.microsoft.com/office/drawing/2014/main" id="{C6CC2985-9A39-4325-AACC-886D14F2DEF5}"/>
+              </a:ext>
+            </a:extLst>
+          </p:cNvPr>
+          <p:cNvCxnSpPr>
+            <a:cxnSpLocks/>
+            <a:stCxn id="47" idx="2"/>
+            <a:endCxn id="7" idx="1"/>
+          </p:cNvCxnSpPr>
+          <p:nvPr/>
+        </p:nvCxnSpPr>
+        <p:spPr>
+          <a:xfrm flipH="1">
+            <a:off x="6752168" y="2472312"/>
+            <a:ext cx="4274608" cy="1168854"/>
+          </a:xfrm>
+          <a:prstGeom prst="straightConnector1">
+            <a:avLst/>
+          </a:prstGeom>
+          <a:ln>
+            <a:tailEnd type="triangle"/>
+          </a:ln>
+        </p:spPr>
+        <p:style>
+          <a:lnRef idx="2">
+            <a:schemeClr val="accent6"/>
+          </a:lnRef>
+          <a:fillRef idx="0">
+            <a:schemeClr val="accent6"/>
+          </a:fillRef>
+          <a:effectRef idx="1">
+            <a:schemeClr val="accent6"/>
+          </a:effectRef>
+          <a:fontRef idx="minor">
+            <a:schemeClr val="tx1"/>
+          </a:fontRef>
+        </p:style>
+      </p:cxnSp>
+      <p:cxnSp>
+        <p:nvCxnSpPr>
+          <p:cNvPr id="50" name="直接箭头连接符 49">
+            <a:extLst>
+              <a:ext uri="{FF2B5EF4-FFF2-40B4-BE49-F238E27FC236}">
+                <a16:creationId xmlns:a16="http://schemas.microsoft.com/office/drawing/2014/main" id="{42DF58C0-5DDF-4255-BC87-26ECC3D9EC01}"/>
+              </a:ext>
+            </a:extLst>
+          </p:cNvPr>
+          <p:cNvCxnSpPr>
+            <a:cxnSpLocks/>
+            <a:endCxn id="6" idx="1"/>
+          </p:cNvCxnSpPr>
+          <p:nvPr/>
+        </p:nvCxnSpPr>
+        <p:spPr>
+          <a:xfrm flipV="1">
+            <a:off x="5439834" y="5376833"/>
+            <a:ext cx="0" cy="424332"/>
+          </a:xfrm>
+          <a:prstGeom prst="straightConnector1">
+            <a:avLst/>
+          </a:prstGeom>
+          <a:ln>
+            <a:tailEnd type="triangle"/>
+          </a:ln>
+        </p:spPr>
+        <p:style>
+          <a:lnRef idx="2">
+            <a:schemeClr val="accent5"/>
+          </a:lnRef>
+          <a:fillRef idx="0">
+            <a:schemeClr val="accent5"/>
+          </a:fillRef>
+          <a:effectRef idx="1">
+            <a:schemeClr val="accent5"/>
+          </a:effectRef>
+          <a:fontRef idx="minor">
+            <a:schemeClr val="tx1"/>
+          </a:fontRef>
+        </p:style>
+      </p:cxnSp>
+      <p:cxnSp>
+        <p:nvCxnSpPr>
+          <p:cNvPr id="52" name="直接箭头连接符 51">
+            <a:extLst>
+              <a:ext uri="{FF2B5EF4-FFF2-40B4-BE49-F238E27FC236}">
+                <a16:creationId xmlns:a16="http://schemas.microsoft.com/office/drawing/2014/main" id="{FA35BADF-496F-4DAC-91AE-786459EED813}"/>
+              </a:ext>
+            </a:extLst>
+          </p:cNvPr>
+          <p:cNvCxnSpPr>
+            <a:cxnSpLocks/>
+            <a:stCxn id="7" idx="3"/>
+          </p:cNvCxnSpPr>
+          <p:nvPr/>
+        </p:nvCxnSpPr>
+        <p:spPr>
+          <a:xfrm>
+            <a:off x="6752168" y="5376833"/>
+            <a:ext cx="0" cy="424332"/>
+          </a:xfrm>
+          <a:prstGeom prst="straightConnector1">
+            <a:avLst/>
+          </a:prstGeom>
+          <a:ln>
+            <a:tailEnd type="triangle"/>
+          </a:ln>
+        </p:spPr>
+        <p:style>
+          <a:lnRef idx="2">
+            <a:schemeClr val="accent6"/>
+          </a:lnRef>
+          <a:fillRef idx="0">
+            <a:schemeClr val="accent6"/>
+          </a:fillRef>
+          <a:effectRef idx="1">
+            <a:schemeClr val="accent6"/>
+          </a:effectRef>
+          <a:fontRef idx="minor">
+            <a:schemeClr val="tx1"/>
+          </a:fontRef>
+        </p:style>
+      </p:cxnSp>
+      <p:sp>
+        <p:nvSpPr>
+          <p:cNvPr id="56" name="文本框 55">
+            <a:extLst>
+              <a:ext uri="{FF2B5EF4-FFF2-40B4-BE49-F238E27FC236}">
+                <a16:creationId xmlns:a16="http://schemas.microsoft.com/office/drawing/2014/main" id="{B15DB0DD-369E-414E-815F-80A3B9B25FFC}"/>
+              </a:ext>
+            </a:extLst>
+          </p:cNvPr>
+          <p:cNvSpPr txBox="1"/>
+          <p:nvPr/>
+        </p:nvSpPr>
+        <p:spPr>
+          <a:xfrm>
+            <a:off x="128895" y="3590303"/>
+            <a:ext cx="4887106" cy="2031325"/>
+          </a:xfrm>
+          <a:prstGeom prst="rect">
+            <a:avLst/>
+          </a:prstGeom>
+          <a:noFill/>
+        </p:spPr>
+        <p:txBody>
+          <a:bodyPr wrap="square" rtlCol="0">
+            <a:spAutoFit/>
           </a:bodyPr>
           <a:lstStyle/>
           <a:p>
             <a:r>
-              <a:rPr lang="en-US" altLang="zh-CN" dirty="0" err="1"/>
-              <a:t>KubeEdge</a:t>
-            </a:r>
-            <a:r>
-              <a:rPr lang="zh-CN" altLang="en-US" dirty="0"/>
-              <a:t>还不够完善</a:t>
+              <a:rPr lang="zh-CN" altLang="en-US" dirty="0"/>
+              <a:t>计算层监听计算请求队列</a:t>
             </a:r>
             <a:endParaRPr lang="en-US" altLang="zh-CN" dirty="0"/>
           </a:p>
           <a:p>
-            <a:pPr lvl="1"/>
-            <a:r>
-              <a:rPr lang="zh-CN" altLang="en-US" dirty="0"/>
-              <a:t>没有很好的批量部署方案</a:t>
+            <a:r>
+              <a:rPr lang="zh-CN" altLang="en-US" dirty="0"/>
+              <a:t>传输层监听计算结果队列</a:t>
             </a:r>
             <a:endParaRPr lang="en-US" altLang="zh-CN" dirty="0"/>
           </a:p>
           <a:p>
-            <a:pPr lvl="1"/>
-            <a:r>
-              <a:rPr lang="en-US" altLang="zh-CN" dirty="0"/>
-              <a:t>Bug</a:t>
-            </a:r>
-            <a:r>
-              <a:rPr lang="zh-CN" altLang="en-US" dirty="0"/>
-              <a:t>很多，</a:t>
-            </a:r>
-            <a:r>
-              <a:rPr lang="en-US" altLang="zh-CN" dirty="0"/>
-              <a:t>24h</a:t>
-            </a:r>
-            <a:r>
-              <a:rPr lang="zh-CN" altLang="en-US" dirty="0"/>
-              <a:t>内必宕机一次</a:t>
+            <a:pPr marL="342900" indent="-342900">
+              <a:buFont typeface="+mj-lt"/>
+              <a:buAutoNum type="arabicPeriod"/>
+            </a:pPr>
+            <a:r>
+              <a:rPr lang="zh-CN" altLang="en-US" dirty="0"/>
+              <a:t>传输层将收到的计算任务放入计算请求队列</a:t>
             </a:r>
             <a:endParaRPr lang="en-US" altLang="zh-CN" dirty="0"/>
           </a:p>
           <a:p>
-            <a:r>
-              <a:rPr lang="zh-CN" altLang="en-US" dirty="0"/>
-              <a:t>容器镜像很大、分发很慢</a:t>
+            <a:pPr marL="342900" indent="-342900">
+              <a:buFont typeface="+mj-lt"/>
+              <a:buAutoNum type="arabicPeriod"/>
+            </a:pPr>
+            <a:r>
+              <a:rPr lang="zh-CN" altLang="en-US" dirty="0"/>
+              <a:t>计算层从计算请求队列取出计算请求</a:t>
             </a:r>
             <a:endParaRPr lang="en-US" altLang="zh-CN" dirty="0"/>
           </a:p>
           <a:p>
-            <a:pPr lvl="1"/>
-            <a:r>
-              <a:rPr lang="zh-CN" altLang="en-US" dirty="0"/>
-              <a:t>神经网络模型文件</a:t>
-            </a:r>
-            <a:r>
-              <a:rPr lang="en-US" altLang="zh-CN" dirty="0"/>
-              <a:t>&gt;100M</a:t>
-            </a:r>
-            <a:r>
-              <a:rPr lang="zh-CN" altLang="en-US" dirty="0"/>
-              <a:t>，神经网络框架</a:t>
-            </a:r>
-            <a:r>
-              <a:rPr lang="en-US" altLang="zh-CN" dirty="0"/>
-              <a:t>&gt;100M</a:t>
-            </a:r>
-            <a:r>
-              <a:rPr lang="zh-CN" altLang="en-US" dirty="0"/>
-              <a:t>，显卡驱动</a:t>
-            </a:r>
-            <a:r>
-              <a:rPr lang="en-US" altLang="zh-CN" dirty="0"/>
-              <a:t>&gt;1G</a:t>
-            </a:r>
-          </a:p>
-          <a:p>
-            <a:pPr lvl="1"/>
-            <a:r>
-              <a:rPr lang="zh-CN" altLang="en-US" dirty="0"/>
-              <a:t>从云端下载镜像网速很慢，但每个设备下载的又都是同一个镜像</a:t>
-            </a:r>
-          </a:p>
-        </p:txBody>
-      </p:sp>
+            <a:pPr marL="342900" indent="-342900">
+              <a:buFont typeface="+mj-lt"/>
+              <a:buAutoNum type="arabicPeriod"/>
+            </a:pPr>
+            <a:r>
+              <a:rPr lang="zh-CN" altLang="en-US" dirty="0"/>
+              <a:t>计算层执行计算请求</a:t>
+            </a:r>
+            <a:endParaRPr lang="en-US" altLang="zh-CN" dirty="0"/>
+          </a:p>
+          <a:p>
+            <a:pPr marL="342900" indent="-342900">
+              <a:buFont typeface="+mj-lt"/>
+              <a:buAutoNum type="arabicPeriod"/>
+            </a:pPr>
+            <a:r>
+              <a:rPr lang="zh-CN" altLang="en-US" dirty="0"/>
+              <a:t>计算层将计算结果放入计算结果队列</a:t>
+            </a:r>
+            <a:endParaRPr lang="en-US" altLang="zh-CN" dirty="0"/>
+          </a:p>
+          <a:p>
+            <a:pPr marL="342900" indent="-342900">
+              <a:buFont typeface="+mj-lt"/>
+              <a:buAutoNum type="arabicPeriod"/>
+            </a:pPr>
+            <a:r>
+              <a:rPr lang="zh-CN" altLang="en-US" dirty="0"/>
+              <a:t>传输层从计算结果队列取出计算结果返回</a:t>
+            </a:r>
+            <a:endParaRPr lang="en-US" altLang="zh-CN" dirty="0"/>
+          </a:p>
+        </p:txBody>
+      </p:sp>
+      <p:sp>
+        <p:nvSpPr>
+          <p:cNvPr id="32" name="文本框 31">
+            <a:extLst>
+              <a:ext uri="{FF2B5EF4-FFF2-40B4-BE49-F238E27FC236}">
+                <a16:creationId xmlns:a16="http://schemas.microsoft.com/office/drawing/2014/main" id="{0533BB72-93B1-479F-8AB9-CD1F23C1435F}"/>
+              </a:ext>
+            </a:extLst>
+          </p:cNvPr>
+          <p:cNvSpPr txBox="1"/>
+          <p:nvPr/>
+        </p:nvSpPr>
+        <p:spPr>
+          <a:xfrm>
+            <a:off x="7315760" y="3590303"/>
+            <a:ext cx="4887106" cy="1938992"/>
+          </a:xfrm>
+          <a:prstGeom prst="rect">
+            <a:avLst/>
+          </a:prstGeom>
+          <a:noFill/>
+        </p:spPr>
+        <p:txBody>
+          <a:bodyPr wrap="square" rtlCol="0">
+            <a:spAutoFit/>
+          </a:bodyPr>
+          <a:lstStyle/>
+          <a:p>
+            <a:pPr marL="285750" indent="-285750">
+              <a:buFont typeface="Arial" panose="020B0604020202020204" pitchFamily="34" charset="0"/>
+              <a:buChar char="•"/>
+            </a:pPr>
+            <a:r>
+              <a:rPr lang="zh-CN" altLang="en-US" sz="2000" dirty="0"/>
+              <a:t>一个队列可以连接多个计算层处理计算请求</a:t>
+            </a:r>
+            <a:endParaRPr lang="en-US" altLang="zh-CN" sz="2000" dirty="0"/>
+          </a:p>
+          <a:p>
+            <a:pPr marL="285750" indent="-285750">
+              <a:buFont typeface="Arial" panose="020B0604020202020204" pitchFamily="34" charset="0"/>
+              <a:buChar char="•"/>
+            </a:pPr>
+            <a:r>
+              <a:rPr lang="zh-CN" altLang="en-US" sz="2000" dirty="0"/>
+              <a:t>传输层通过</a:t>
+            </a:r>
+            <a:r>
+              <a:rPr lang="en-US" altLang="zh-CN" sz="2000" dirty="0"/>
+              <a:t>AMQP</a:t>
+            </a:r>
+            <a:r>
+              <a:rPr lang="zh-CN" altLang="en-US" sz="2000" dirty="0"/>
+              <a:t>协议中的“消息</a:t>
+            </a:r>
+            <a:r>
+              <a:rPr lang="en-US" altLang="zh-CN" sz="2000" dirty="0"/>
+              <a:t>ID</a:t>
+            </a:r>
+            <a:r>
+              <a:rPr lang="zh-CN" altLang="en-US" sz="2000" dirty="0"/>
+              <a:t>”机制将计算请求和计算结果一一对应</a:t>
+            </a:r>
+            <a:endParaRPr lang="en-US" altLang="zh-CN" sz="2000" dirty="0"/>
+          </a:p>
+          <a:p>
+            <a:pPr marL="285750" indent="-285750">
+              <a:buFont typeface="Arial" panose="020B0604020202020204" pitchFamily="34" charset="0"/>
+              <a:buChar char="•"/>
+            </a:pPr>
+            <a:r>
+              <a:rPr lang="zh-CN" altLang="en-US" sz="2000" dirty="0"/>
+              <a:t>计算请求不能在传输层间共享，因此一个队列只能有一个传输层</a:t>
+            </a:r>
+          </a:p>
+        </p:txBody>
+      </p:sp>
+      <p:grpSp>
+        <p:nvGrpSpPr>
+          <p:cNvPr id="33" name="组合 32">
+            <a:extLst>
+              <a:ext uri="{FF2B5EF4-FFF2-40B4-BE49-F238E27FC236}">
+                <a16:creationId xmlns:a16="http://schemas.microsoft.com/office/drawing/2014/main" id="{EAC0096A-83C7-4687-993B-95E39E42B83F}"/>
+              </a:ext>
+            </a:extLst>
+          </p:cNvPr>
+          <p:cNvGrpSpPr/>
+          <p:nvPr/>
+        </p:nvGrpSpPr>
+        <p:grpSpPr>
+          <a:xfrm>
+            <a:off x="3694643" y="5750957"/>
+            <a:ext cx="757765" cy="1015258"/>
+            <a:chOff x="3860799" y="4797109"/>
+            <a:chExt cx="757765" cy="1015258"/>
+          </a:xfrm>
+        </p:grpSpPr>
+        <p:cxnSp>
+          <p:nvCxnSpPr>
+            <p:cNvPr id="36" name="直接箭头连接符 35">
+              <a:extLst>
+                <a:ext uri="{FF2B5EF4-FFF2-40B4-BE49-F238E27FC236}">
+                  <a16:creationId xmlns:a16="http://schemas.microsoft.com/office/drawing/2014/main" id="{DE62E992-2D1E-46D1-BEB9-32CF6B2F4DE7}"/>
+                </a:ext>
+              </a:extLst>
+            </p:cNvPr>
+            <p:cNvCxnSpPr/>
+            <p:nvPr/>
+          </p:nvCxnSpPr>
+          <p:spPr>
+            <a:xfrm>
+              <a:off x="3860799" y="5045480"/>
+              <a:ext cx="757765" cy="0"/>
+            </a:xfrm>
+            <a:prstGeom prst="straightConnector1">
+              <a:avLst/>
+            </a:prstGeom>
+            <a:ln>
+              <a:tailEnd type="triangle"/>
+            </a:ln>
+          </p:spPr>
+          <p:style>
+            <a:lnRef idx="3">
+              <a:schemeClr val="dk1"/>
+            </a:lnRef>
+            <a:fillRef idx="0">
+              <a:schemeClr val="dk1"/>
+            </a:fillRef>
+            <a:effectRef idx="2">
+              <a:schemeClr val="dk1"/>
+            </a:effectRef>
+            <a:fontRef idx="minor">
+              <a:schemeClr val="tx1"/>
+            </a:fontRef>
+          </p:style>
+        </p:cxnSp>
+        <p:cxnSp>
+          <p:nvCxnSpPr>
+            <p:cNvPr id="38" name="直接箭头连接符 37">
+              <a:extLst>
+                <a:ext uri="{FF2B5EF4-FFF2-40B4-BE49-F238E27FC236}">
+                  <a16:creationId xmlns:a16="http://schemas.microsoft.com/office/drawing/2014/main" id="{284D7038-6DBB-48F7-8B95-547ED248B59B}"/>
+                </a:ext>
+              </a:extLst>
+            </p:cNvPr>
+            <p:cNvCxnSpPr>
+              <a:cxnSpLocks/>
+            </p:cNvCxnSpPr>
+            <p:nvPr/>
+          </p:nvCxnSpPr>
+          <p:spPr>
+            <a:xfrm flipH="1">
+              <a:off x="3860799" y="5549480"/>
+              <a:ext cx="757765" cy="7258"/>
+            </a:xfrm>
+            <a:prstGeom prst="straightConnector1">
+              <a:avLst/>
+            </a:prstGeom>
+            <a:ln>
+              <a:tailEnd type="triangle"/>
+            </a:ln>
+          </p:spPr>
+          <p:style>
+            <a:lnRef idx="3">
+              <a:schemeClr val="dk1"/>
+            </a:lnRef>
+            <a:fillRef idx="0">
+              <a:schemeClr val="dk1"/>
+            </a:fillRef>
+            <a:effectRef idx="2">
+              <a:schemeClr val="dk1"/>
+            </a:effectRef>
+            <a:fontRef idx="minor">
+              <a:schemeClr val="tx1"/>
+            </a:fontRef>
+          </p:style>
+        </p:cxnSp>
+        <p:grpSp>
+          <p:nvGrpSpPr>
+            <p:cNvPr id="39" name="组合 38">
+              <a:extLst>
+                <a:ext uri="{FF2B5EF4-FFF2-40B4-BE49-F238E27FC236}">
+                  <a16:creationId xmlns:a16="http://schemas.microsoft.com/office/drawing/2014/main" id="{7E10618A-F68C-4500-B0B9-D35CA035C2FE}"/>
+                </a:ext>
+              </a:extLst>
+            </p:cNvPr>
+            <p:cNvGrpSpPr/>
+            <p:nvPr/>
+          </p:nvGrpSpPr>
+          <p:grpSpPr>
+            <a:xfrm>
+              <a:off x="3983519" y="4797109"/>
+              <a:ext cx="506775" cy="1015258"/>
+              <a:chOff x="3983519" y="4797109"/>
+              <a:chExt cx="506775" cy="1015258"/>
+            </a:xfrm>
+          </p:grpSpPr>
+          <p:sp>
+            <p:nvSpPr>
+              <p:cNvPr id="41" name="矩形 40">
+                <a:extLst>
+                  <a:ext uri="{FF2B5EF4-FFF2-40B4-BE49-F238E27FC236}">
+                    <a16:creationId xmlns:a16="http://schemas.microsoft.com/office/drawing/2014/main" id="{16204873-6EC4-4D10-B24C-3DE53A65565D}"/>
+                  </a:ext>
+                </a:extLst>
+              </p:cNvPr>
+              <p:cNvSpPr/>
+              <p:nvPr/>
+            </p:nvSpPr>
+            <p:spPr>
+              <a:xfrm>
+                <a:off x="3986294" y="5308367"/>
+                <a:ext cx="504000" cy="504000"/>
+              </a:xfrm>
+              <a:prstGeom prst="rect">
+                <a:avLst/>
+              </a:prstGeom>
+            </p:spPr>
+            <p:style>
+              <a:lnRef idx="2">
+                <a:schemeClr val="dk1"/>
+              </a:lnRef>
+              <a:fillRef idx="1">
+                <a:schemeClr val="lt1"/>
+              </a:fillRef>
+              <a:effectRef idx="0">
+                <a:schemeClr val="dk1"/>
+              </a:effectRef>
+              <a:fontRef idx="minor">
+                <a:schemeClr val="dk1"/>
+              </a:fontRef>
+            </p:style>
+            <p:txBody>
+              <a:bodyPr rtlCol="0" anchor="ctr"/>
+              <a:lstStyle/>
+              <a:p>
+                <a:pPr algn="ctr"/>
+                <a:r>
+                  <a:rPr lang="zh-CN" altLang="en-US" sz="1200" dirty="0"/>
+                  <a:t>计算结果</a:t>
+                </a:r>
+              </a:p>
+            </p:txBody>
+          </p:sp>
+          <p:sp>
+            <p:nvSpPr>
+              <p:cNvPr id="42" name="矩形 41">
+                <a:extLst>
+                  <a:ext uri="{FF2B5EF4-FFF2-40B4-BE49-F238E27FC236}">
+                    <a16:creationId xmlns:a16="http://schemas.microsoft.com/office/drawing/2014/main" id="{29D5B38E-1651-4B32-878C-C7247E695618}"/>
+                  </a:ext>
+                </a:extLst>
+              </p:cNvPr>
+              <p:cNvSpPr/>
+              <p:nvPr/>
+            </p:nvSpPr>
+            <p:spPr>
+              <a:xfrm>
+                <a:off x="3983519" y="4797109"/>
+                <a:ext cx="504000" cy="504000"/>
+              </a:xfrm>
+              <a:prstGeom prst="rect">
+                <a:avLst/>
+              </a:prstGeom>
+            </p:spPr>
+            <p:style>
+              <a:lnRef idx="2">
+                <a:schemeClr val="dk1"/>
+              </a:lnRef>
+              <a:fillRef idx="1">
+                <a:schemeClr val="lt1"/>
+              </a:fillRef>
+              <a:effectRef idx="0">
+                <a:schemeClr val="dk1"/>
+              </a:effectRef>
+              <a:fontRef idx="minor">
+                <a:schemeClr val="dk1"/>
+              </a:fontRef>
+            </p:style>
+            <p:txBody>
+              <a:bodyPr rtlCol="0" anchor="ctr"/>
+              <a:lstStyle/>
+              <a:p>
+                <a:pPr algn="ctr"/>
+                <a:r>
+                  <a:rPr lang="zh-CN" altLang="en-US" sz="1200" dirty="0"/>
+                  <a:t>计算请求</a:t>
+                </a:r>
+              </a:p>
+            </p:txBody>
+          </p:sp>
+        </p:grpSp>
+      </p:grpSp>
     </p:spTree>
     <p:extLst>
       <p:ext uri="{BB962C8B-B14F-4D97-AF65-F5344CB8AC3E}">
-        <p14:creationId xmlns:p14="http://schemas.microsoft.com/office/powerpoint/2010/main" val="3351031832"/>
+        <p14:creationId xmlns:p14="http://schemas.microsoft.com/office/powerpoint/2010/main" val="4205706998"/>
       </p:ext>
     </p:extLst>
   </p:cSld>
